--- a/PR2023-24_vmesna_7.pptx
+++ b/PR2023-24_vmesna_7.pptx
@@ -5453,9 +5453,9 @@
             </a:r>
           </a:p>
           <a:p>
-            <a:endParaRPr lang="sl-SI" sz="1600" dirty="0"/>
-          </a:p>
-          <a:p>
+            <a:pPr marL="0" indent="0">
+              <a:buNone/>
+            </a:pPr>
             <a:endParaRPr lang="sl-SI" sz="1600" dirty="0"/>
           </a:p>
           <a:p>
@@ -5474,36 +5474,8 @@
           </a:p>
           <a:p>
             <a:r>
-              <a:rPr lang="sl-SI" sz="1600" dirty="0" err="1"/>
-              <a:t>reverse</a:t>
-            </a:r>
-            <a:r>
               <a:rPr lang="sl-SI" sz="1600" dirty="0"/>
-              <a:t> </a:t>
-            </a:r>
-            <a:r>
-              <a:rPr lang="sl-SI" sz="1600" dirty="0" err="1"/>
-              <a:t>geocoding</a:t>
-            </a:r>
-            <a:r>
-              <a:rPr lang="sl-SI" sz="1600" dirty="0"/>
-              <a:t> za pridobitev koordinat (nov </a:t>
-            </a:r>
-            <a:r>
-              <a:rPr lang="sl-SI" sz="1600" dirty="0" err="1"/>
-              <a:t>csv</a:t>
-            </a:r>
-            <a:r>
-              <a:rPr lang="sl-SI" sz="1600" dirty="0"/>
-              <a:t>), prikaz nesreč na zemljevidu s </a:t>
-            </a:r>
-            <a:r>
-              <a:rPr lang="sl-SI" sz="1600" dirty="0" err="1"/>
-              <a:t>cartopy</a:t>
-            </a:r>
-            <a:r>
-              <a:rPr lang="sl-SI" sz="1600" dirty="0"/>
-              <a:t> knjižnico</a:t>
+              <a:t>reverse geocoding za pridobitev koordinat (nov csv), prikaz nesreč na zemljevidu s cartopy knjižnico</a:t>
             </a:r>
           </a:p>
           <a:p>
@@ -5516,7 +5488,20 @@
             <a:pPr marL="0" indent="0">
               <a:buNone/>
             </a:pPr>
-            <a:endParaRPr lang="sl-SI" sz="1600" b="1" dirty="0"/>
+            <a:r>
+              <a:rPr lang="sl-SI" sz="1600" b="1" dirty="0"/>
+              <a:t>Cilj5: </a:t>
+            </a:r>
+            <a:r>
+              <a:rPr lang="sl-SI" sz="1600" dirty="0"/>
+              <a:t>Iskanje nesreč po ključnih besedah</a:t>
+            </a:r>
+          </a:p>
+          <a:p>
+            <a:r>
+              <a:rPr lang="sl-SI" sz="1600" dirty="0"/>
+              <a:t>Iskanje po besedah: „bird, flock, attack, shoot,, fuel, deficiencies, water...“</a:t>
+            </a:r>
           </a:p>
         </p:txBody>
       </p:sp>
@@ -5553,27 +5538,33 @@
           </a:bodyPr>
           <a:lstStyle/>
           <a:p>
-            <a:endParaRPr lang="sl-SI" sz="1600" dirty="0"/>
-          </a:p>
-          <a:p>
             <a:r>
               <a:rPr lang="sl-SI" sz="1600" dirty="0"/>
               <a:t>Težava: definicija „uspešnost“</a:t>
             </a:r>
           </a:p>
           <a:p>
+            <a:pPr marL="0" indent="0">
+              <a:buNone/>
+            </a:pPr>
             <a:endParaRPr lang="sl-SI" sz="1600" dirty="0"/>
           </a:p>
           <a:p>
+            <a:pPr marL="0" indent="0">
+              <a:buNone/>
+            </a:pPr>
             <a:endParaRPr lang="sl-SI" sz="1600" dirty="0"/>
           </a:p>
           <a:p>
+            <a:pPr marL="0" indent="0">
+              <a:buNone/>
+            </a:pPr>
             <a:endParaRPr lang="sl-SI" sz="1600" dirty="0"/>
           </a:p>
           <a:p>
-            <a:endParaRPr lang="sl-SI" sz="1600" dirty="0"/>
-          </a:p>
-          <a:p>
+            <a:pPr marL="0" indent="0">
+              <a:buNone/>
+            </a:pPr>
             <a:endParaRPr lang="sl-SI" sz="1600" dirty="0"/>
           </a:p>
           <a:p>
@@ -5665,6 +5656,27 @@
               <a:rPr lang="en-US" sz="1600" dirty="0" err="1"/>
               <a:t>poti</a:t>
             </a:r>
+            <a:endParaRPr lang="sl-SI" sz="1600" dirty="0"/>
+          </a:p>
+          <a:p>
+            <a:endParaRPr lang="sl-SI" sz="1600" dirty="0"/>
+          </a:p>
+          <a:p>
+            <a:endParaRPr lang="sl-SI" sz="1600" dirty="0"/>
+          </a:p>
+          <a:p>
+            <a:pPr marL="0" indent="0">
+              <a:buNone/>
+            </a:pPr>
+            <a:endParaRPr lang="sl-SI" sz="1600" dirty="0"/>
+          </a:p>
+          <a:p>
+            <a:r>
+              <a:rPr lang="sl-SI" sz="1600" dirty="0"/>
+              <a:t> Veliko nesreč v povezavi z vodo ter gorivom, manj s ptiči</a:t>
+            </a:r>
+          </a:p>
+          <a:p>
             <a:endParaRPr lang="en-US" sz="1600" dirty="0"/>
           </a:p>
         </p:txBody>
@@ -6631,14 +6643,17 @@
             </a:r>
           </a:p>
           <a:p>
+            <a:r>
+              <a:rPr lang="sl-SI" sz="1600"/>
+              <a:t>...</a:t>
+            </a:r>
             <a:endParaRPr lang="sl-SI" sz="1600" dirty="0"/>
           </a:p>
           <a:p>
-            <a:r>
-              <a:rPr lang="sl-SI" sz="1600" dirty="0"/>
-              <a:t>Preučevanje vzrokov nesreč</a:t>
-            </a:r>
-            <a:endParaRPr lang="en-US" sz="1600" dirty="0"/>
+            <a:pPr marL="0" indent="0">
+              <a:buNone/>
+            </a:pPr>
+            <a:endParaRPr lang="sl-SI" sz="1600" dirty="0"/>
           </a:p>
         </p:txBody>
       </p:sp>

--- a/PR2023-24_vmesna_7.pptx
+++ b/PR2023-24_vmesna_7.pptx
@@ -5,16 +5,22 @@
     <p:sldMasterId id="2147483660" r:id="rId1"/>
   </p:sldMasterIdLst>
   <p:notesMasterIdLst>
-    <p:notesMasterId r:id="rId6"/>
+    <p:notesMasterId r:id="rId12"/>
   </p:notesMasterIdLst>
   <p:handoutMasterIdLst>
-    <p:handoutMasterId r:id="rId7"/>
+    <p:handoutMasterId r:id="rId13"/>
   </p:handoutMasterIdLst>
   <p:sldIdLst>
     <p:sldId id="256" r:id="rId2"/>
     <p:sldId id="258" r:id="rId3"/>
-    <p:sldId id="260" r:id="rId4"/>
-    <p:sldId id="259" r:id="rId5"/>
+    <p:sldId id="264" r:id="rId4"/>
+    <p:sldId id="265" r:id="rId5"/>
+    <p:sldId id="261" r:id="rId6"/>
+    <p:sldId id="260" r:id="rId7"/>
+    <p:sldId id="262" r:id="rId8"/>
+    <p:sldId id="263" r:id="rId9"/>
+    <p:sldId id="266" r:id="rId10"/>
+    <p:sldId id="259" r:id="rId11"/>
   </p:sldIdLst>
   <p:sldSz cx="9144000" cy="5143500" type="screen16x9"/>
   <p:notesSz cx="6858000" cy="9144000"/>
@@ -817,7 +823,511 @@
     </p:spTree>
     <p:extLst>
       <p:ext uri="{BB962C8B-B14F-4D97-AF65-F5344CB8AC3E}">
+        <p14:creationId xmlns:p14="http://schemas.microsoft.com/office/powerpoint/2010/main" val="3211964144"/>
+      </p:ext>
+    </p:extLst>
+  </p:cSld>
+  <p:clrMapOvr>
+    <a:masterClrMapping/>
+  </p:clrMapOvr>
+</p:notes>
+</file>
+
+<file path=ppt/notesSlides/notesSlide3.xml><?xml version="1.0" encoding="utf-8"?>
+<p:notes xmlns:a="http://schemas.openxmlformats.org/drawingml/2006/main" xmlns:r="http://schemas.openxmlformats.org/officeDocument/2006/relationships" xmlns:p="http://schemas.openxmlformats.org/presentationml/2006/main">
+  <p:cSld>
+    <p:spTree>
+      <p:nvGrpSpPr>
+        <p:cNvPr id="1" name=""/>
+        <p:cNvGrpSpPr/>
+        <p:nvPr/>
+      </p:nvGrpSpPr>
+      <p:grpSpPr>
+        <a:xfrm>
+          <a:off x="0" y="0"/>
+          <a:ext cx="0" cy="0"/>
+          <a:chOff x="0" y="0"/>
+          <a:chExt cx="0" cy="0"/>
+        </a:xfrm>
+      </p:grpSpPr>
+      <p:sp>
+        <p:nvSpPr>
+          <p:cNvPr id="2" name="Označba mesta stranske slike 1"/>
+          <p:cNvSpPr>
+            <a:spLocks noGrp="1" noRot="1" noChangeAspect="1"/>
+          </p:cNvSpPr>
+          <p:nvPr>
+            <p:ph type="sldImg"/>
+          </p:nvPr>
+        </p:nvSpPr>
+        <p:spPr/>
+      </p:sp>
+      <p:sp>
+        <p:nvSpPr>
+          <p:cNvPr id="3" name="Označba mesta opomb 2"/>
+          <p:cNvSpPr>
+            <a:spLocks noGrp="1"/>
+          </p:cNvSpPr>
+          <p:nvPr>
+            <p:ph type="body" idx="1"/>
+          </p:nvPr>
+        </p:nvSpPr>
+        <p:spPr/>
+        <p:txBody>
+          <a:bodyPr/>
+          <a:lstStyle/>
+          <a:p>
+            <a:endParaRPr lang="sl-SI" dirty="0"/>
+          </a:p>
+        </p:txBody>
+      </p:sp>
+      <p:sp>
+        <p:nvSpPr>
+          <p:cNvPr id="4" name="Označba mesta številke diapozitiva 3"/>
+          <p:cNvSpPr>
+            <a:spLocks noGrp="1"/>
+          </p:cNvSpPr>
+          <p:nvPr>
+            <p:ph type="sldNum" sz="quarter" idx="5"/>
+          </p:nvPr>
+        </p:nvSpPr>
+        <p:spPr/>
+        <p:txBody>
+          <a:bodyPr/>
+          <a:lstStyle/>
+          <a:p>
+            <a:fld id="{B3847C52-DF7F-F947-B704-F0BAD17B1E31}" type="slidenum">
+              <a:rPr lang="en-US" smtClean="0"/>
+              <a:t>4</a:t>
+            </a:fld>
+            <a:endParaRPr lang="en-US"/>
+          </a:p>
+        </p:txBody>
+      </p:sp>
+    </p:spTree>
+    <p:extLst>
+      <p:ext uri="{BB962C8B-B14F-4D97-AF65-F5344CB8AC3E}">
+        <p14:creationId xmlns:p14="http://schemas.microsoft.com/office/powerpoint/2010/main" val="1095300749"/>
+      </p:ext>
+    </p:extLst>
+  </p:cSld>
+  <p:clrMapOvr>
+    <a:masterClrMapping/>
+  </p:clrMapOvr>
+</p:notes>
+</file>
+
+<file path=ppt/notesSlides/notesSlide4.xml><?xml version="1.0" encoding="utf-8"?>
+<p:notes xmlns:a="http://schemas.openxmlformats.org/drawingml/2006/main" xmlns:r="http://schemas.openxmlformats.org/officeDocument/2006/relationships" xmlns:p="http://schemas.openxmlformats.org/presentationml/2006/main">
+  <p:cSld>
+    <p:spTree>
+      <p:nvGrpSpPr>
+        <p:cNvPr id="1" name=""/>
+        <p:cNvGrpSpPr/>
+        <p:nvPr/>
+      </p:nvGrpSpPr>
+      <p:grpSpPr>
+        <a:xfrm>
+          <a:off x="0" y="0"/>
+          <a:ext cx="0" cy="0"/>
+          <a:chOff x="0" y="0"/>
+          <a:chExt cx="0" cy="0"/>
+        </a:xfrm>
+      </p:grpSpPr>
+      <p:sp>
+        <p:nvSpPr>
+          <p:cNvPr id="2" name="Označba mesta stranske slike 1"/>
+          <p:cNvSpPr>
+            <a:spLocks noGrp="1" noRot="1" noChangeAspect="1"/>
+          </p:cNvSpPr>
+          <p:nvPr>
+            <p:ph type="sldImg"/>
+          </p:nvPr>
+        </p:nvSpPr>
+        <p:spPr/>
+      </p:sp>
+      <p:sp>
+        <p:nvSpPr>
+          <p:cNvPr id="3" name="Označba mesta opomb 2"/>
+          <p:cNvSpPr>
+            <a:spLocks noGrp="1"/>
+          </p:cNvSpPr>
+          <p:nvPr>
+            <p:ph type="body" idx="1"/>
+          </p:nvPr>
+        </p:nvSpPr>
+        <p:spPr/>
+        <p:txBody>
+          <a:bodyPr/>
+          <a:lstStyle/>
+          <a:p>
+            <a:endParaRPr lang="sl-SI" dirty="0"/>
+          </a:p>
+        </p:txBody>
+      </p:sp>
+      <p:sp>
+        <p:nvSpPr>
+          <p:cNvPr id="4" name="Označba mesta številke diapozitiva 3"/>
+          <p:cNvSpPr>
+            <a:spLocks noGrp="1"/>
+          </p:cNvSpPr>
+          <p:nvPr>
+            <p:ph type="sldNum" sz="quarter" idx="5"/>
+          </p:nvPr>
+        </p:nvSpPr>
+        <p:spPr/>
+        <p:txBody>
+          <a:bodyPr/>
+          <a:lstStyle/>
+          <a:p>
+            <a:fld id="{B3847C52-DF7F-F947-B704-F0BAD17B1E31}" type="slidenum">
+              <a:rPr lang="en-US" smtClean="0"/>
+              <a:t>5</a:t>
+            </a:fld>
+            <a:endParaRPr lang="en-US"/>
+          </a:p>
+        </p:txBody>
+      </p:sp>
+    </p:spTree>
+    <p:extLst>
+      <p:ext uri="{BB962C8B-B14F-4D97-AF65-F5344CB8AC3E}">
+        <p14:creationId xmlns:p14="http://schemas.microsoft.com/office/powerpoint/2010/main" val="163003291"/>
+      </p:ext>
+    </p:extLst>
+  </p:cSld>
+  <p:clrMapOvr>
+    <a:masterClrMapping/>
+  </p:clrMapOvr>
+</p:notes>
+</file>
+
+<file path=ppt/notesSlides/notesSlide5.xml><?xml version="1.0" encoding="utf-8"?>
+<p:notes xmlns:a="http://schemas.openxmlformats.org/drawingml/2006/main" xmlns:r="http://schemas.openxmlformats.org/officeDocument/2006/relationships" xmlns:p="http://schemas.openxmlformats.org/presentationml/2006/main">
+  <p:cSld>
+    <p:spTree>
+      <p:nvGrpSpPr>
+        <p:cNvPr id="1" name=""/>
+        <p:cNvGrpSpPr/>
+        <p:nvPr/>
+      </p:nvGrpSpPr>
+      <p:grpSpPr>
+        <a:xfrm>
+          <a:off x="0" y="0"/>
+          <a:ext cx="0" cy="0"/>
+          <a:chOff x="0" y="0"/>
+          <a:chExt cx="0" cy="0"/>
+        </a:xfrm>
+      </p:grpSpPr>
+      <p:sp>
+        <p:nvSpPr>
+          <p:cNvPr id="2" name="Označba mesta stranske slike 1"/>
+          <p:cNvSpPr>
+            <a:spLocks noGrp="1" noRot="1" noChangeAspect="1"/>
+          </p:cNvSpPr>
+          <p:nvPr>
+            <p:ph type="sldImg"/>
+          </p:nvPr>
+        </p:nvSpPr>
+        <p:spPr/>
+      </p:sp>
+      <p:sp>
+        <p:nvSpPr>
+          <p:cNvPr id="3" name="Označba mesta opomb 2"/>
+          <p:cNvSpPr>
+            <a:spLocks noGrp="1"/>
+          </p:cNvSpPr>
+          <p:nvPr>
+            <p:ph type="body" idx="1"/>
+          </p:nvPr>
+        </p:nvSpPr>
+        <p:spPr/>
+        <p:txBody>
+          <a:bodyPr/>
+          <a:lstStyle/>
+          <a:p>
+            <a:endParaRPr lang="sl-SI" dirty="0"/>
+          </a:p>
+        </p:txBody>
+      </p:sp>
+      <p:sp>
+        <p:nvSpPr>
+          <p:cNvPr id="4" name="Označba mesta številke diapozitiva 3"/>
+          <p:cNvSpPr>
+            <a:spLocks noGrp="1"/>
+          </p:cNvSpPr>
+          <p:nvPr>
+            <p:ph type="sldNum" sz="quarter" idx="5"/>
+          </p:nvPr>
+        </p:nvSpPr>
+        <p:spPr/>
+        <p:txBody>
+          <a:bodyPr/>
+          <a:lstStyle/>
+          <a:p>
+            <a:fld id="{B3847C52-DF7F-F947-B704-F0BAD17B1E31}" type="slidenum">
+              <a:rPr lang="en-US" smtClean="0"/>
+              <a:t>6</a:t>
+            </a:fld>
+            <a:endParaRPr lang="en-US"/>
+          </a:p>
+        </p:txBody>
+      </p:sp>
+    </p:spTree>
+    <p:extLst>
+      <p:ext uri="{BB962C8B-B14F-4D97-AF65-F5344CB8AC3E}">
         <p14:creationId xmlns:p14="http://schemas.microsoft.com/office/powerpoint/2010/main" val="1304942944"/>
+      </p:ext>
+    </p:extLst>
+  </p:cSld>
+  <p:clrMapOvr>
+    <a:masterClrMapping/>
+  </p:clrMapOvr>
+</p:notes>
+</file>
+
+<file path=ppt/notesSlides/notesSlide6.xml><?xml version="1.0" encoding="utf-8"?>
+<p:notes xmlns:a="http://schemas.openxmlformats.org/drawingml/2006/main" xmlns:r="http://schemas.openxmlformats.org/officeDocument/2006/relationships" xmlns:p="http://schemas.openxmlformats.org/presentationml/2006/main">
+  <p:cSld>
+    <p:spTree>
+      <p:nvGrpSpPr>
+        <p:cNvPr id="1" name=""/>
+        <p:cNvGrpSpPr/>
+        <p:nvPr/>
+      </p:nvGrpSpPr>
+      <p:grpSpPr>
+        <a:xfrm>
+          <a:off x="0" y="0"/>
+          <a:ext cx="0" cy="0"/>
+          <a:chOff x="0" y="0"/>
+          <a:chExt cx="0" cy="0"/>
+        </a:xfrm>
+      </p:grpSpPr>
+      <p:sp>
+        <p:nvSpPr>
+          <p:cNvPr id="2" name="Označba mesta stranske slike 1"/>
+          <p:cNvSpPr>
+            <a:spLocks noGrp="1" noRot="1" noChangeAspect="1"/>
+          </p:cNvSpPr>
+          <p:nvPr>
+            <p:ph type="sldImg"/>
+          </p:nvPr>
+        </p:nvSpPr>
+        <p:spPr/>
+      </p:sp>
+      <p:sp>
+        <p:nvSpPr>
+          <p:cNvPr id="3" name="Označba mesta opomb 2"/>
+          <p:cNvSpPr>
+            <a:spLocks noGrp="1"/>
+          </p:cNvSpPr>
+          <p:nvPr>
+            <p:ph type="body" idx="1"/>
+          </p:nvPr>
+        </p:nvSpPr>
+        <p:spPr/>
+        <p:txBody>
+          <a:bodyPr/>
+          <a:lstStyle/>
+          <a:p>
+            <a:endParaRPr lang="sl-SI" dirty="0"/>
+          </a:p>
+        </p:txBody>
+      </p:sp>
+      <p:sp>
+        <p:nvSpPr>
+          <p:cNvPr id="4" name="Označba mesta številke diapozitiva 3"/>
+          <p:cNvSpPr>
+            <a:spLocks noGrp="1"/>
+          </p:cNvSpPr>
+          <p:nvPr>
+            <p:ph type="sldNum" sz="quarter" idx="5"/>
+          </p:nvPr>
+        </p:nvSpPr>
+        <p:spPr/>
+        <p:txBody>
+          <a:bodyPr/>
+          <a:lstStyle/>
+          <a:p>
+            <a:fld id="{B3847C52-DF7F-F947-B704-F0BAD17B1E31}" type="slidenum">
+              <a:rPr lang="en-US" smtClean="0"/>
+              <a:t>7</a:t>
+            </a:fld>
+            <a:endParaRPr lang="en-US"/>
+          </a:p>
+        </p:txBody>
+      </p:sp>
+    </p:spTree>
+    <p:extLst>
+      <p:ext uri="{BB962C8B-B14F-4D97-AF65-F5344CB8AC3E}">
+        <p14:creationId xmlns:p14="http://schemas.microsoft.com/office/powerpoint/2010/main" val="2777184189"/>
+      </p:ext>
+    </p:extLst>
+  </p:cSld>
+  <p:clrMapOvr>
+    <a:masterClrMapping/>
+  </p:clrMapOvr>
+</p:notes>
+</file>
+
+<file path=ppt/notesSlides/notesSlide7.xml><?xml version="1.0" encoding="utf-8"?>
+<p:notes xmlns:a="http://schemas.openxmlformats.org/drawingml/2006/main" xmlns:r="http://schemas.openxmlformats.org/officeDocument/2006/relationships" xmlns:p="http://schemas.openxmlformats.org/presentationml/2006/main">
+  <p:cSld>
+    <p:spTree>
+      <p:nvGrpSpPr>
+        <p:cNvPr id="1" name=""/>
+        <p:cNvGrpSpPr/>
+        <p:nvPr/>
+      </p:nvGrpSpPr>
+      <p:grpSpPr>
+        <a:xfrm>
+          <a:off x="0" y="0"/>
+          <a:ext cx="0" cy="0"/>
+          <a:chOff x="0" y="0"/>
+          <a:chExt cx="0" cy="0"/>
+        </a:xfrm>
+      </p:grpSpPr>
+      <p:sp>
+        <p:nvSpPr>
+          <p:cNvPr id="2" name="Označba mesta stranske slike 1"/>
+          <p:cNvSpPr>
+            <a:spLocks noGrp="1" noRot="1" noChangeAspect="1"/>
+          </p:cNvSpPr>
+          <p:nvPr>
+            <p:ph type="sldImg"/>
+          </p:nvPr>
+        </p:nvSpPr>
+        <p:spPr/>
+      </p:sp>
+      <p:sp>
+        <p:nvSpPr>
+          <p:cNvPr id="3" name="Označba mesta opomb 2"/>
+          <p:cNvSpPr>
+            <a:spLocks noGrp="1"/>
+          </p:cNvSpPr>
+          <p:nvPr>
+            <p:ph type="body" idx="1"/>
+          </p:nvPr>
+        </p:nvSpPr>
+        <p:spPr/>
+        <p:txBody>
+          <a:bodyPr/>
+          <a:lstStyle/>
+          <a:p>
+            <a:endParaRPr lang="sl-SI" dirty="0"/>
+          </a:p>
+        </p:txBody>
+      </p:sp>
+      <p:sp>
+        <p:nvSpPr>
+          <p:cNvPr id="4" name="Označba mesta številke diapozitiva 3"/>
+          <p:cNvSpPr>
+            <a:spLocks noGrp="1"/>
+          </p:cNvSpPr>
+          <p:nvPr>
+            <p:ph type="sldNum" sz="quarter" idx="5"/>
+          </p:nvPr>
+        </p:nvSpPr>
+        <p:spPr/>
+        <p:txBody>
+          <a:bodyPr/>
+          <a:lstStyle/>
+          <a:p>
+            <a:fld id="{B3847C52-DF7F-F947-B704-F0BAD17B1E31}" type="slidenum">
+              <a:rPr lang="en-US" smtClean="0"/>
+              <a:t>8</a:t>
+            </a:fld>
+            <a:endParaRPr lang="en-US"/>
+          </a:p>
+        </p:txBody>
+      </p:sp>
+    </p:spTree>
+    <p:extLst>
+      <p:ext uri="{BB962C8B-B14F-4D97-AF65-F5344CB8AC3E}">
+        <p14:creationId xmlns:p14="http://schemas.microsoft.com/office/powerpoint/2010/main" val="976315773"/>
+      </p:ext>
+    </p:extLst>
+  </p:cSld>
+  <p:clrMapOvr>
+    <a:masterClrMapping/>
+  </p:clrMapOvr>
+</p:notes>
+</file>
+
+<file path=ppt/notesSlides/notesSlide8.xml><?xml version="1.0" encoding="utf-8"?>
+<p:notes xmlns:a="http://schemas.openxmlformats.org/drawingml/2006/main" xmlns:r="http://schemas.openxmlformats.org/officeDocument/2006/relationships" xmlns:p="http://schemas.openxmlformats.org/presentationml/2006/main">
+  <p:cSld>
+    <p:spTree>
+      <p:nvGrpSpPr>
+        <p:cNvPr id="1" name=""/>
+        <p:cNvGrpSpPr/>
+        <p:nvPr/>
+      </p:nvGrpSpPr>
+      <p:grpSpPr>
+        <a:xfrm>
+          <a:off x="0" y="0"/>
+          <a:ext cx="0" cy="0"/>
+          <a:chOff x="0" y="0"/>
+          <a:chExt cx="0" cy="0"/>
+        </a:xfrm>
+      </p:grpSpPr>
+      <p:sp>
+        <p:nvSpPr>
+          <p:cNvPr id="2" name="Označba mesta stranske slike 1"/>
+          <p:cNvSpPr>
+            <a:spLocks noGrp="1" noRot="1" noChangeAspect="1"/>
+          </p:cNvSpPr>
+          <p:nvPr>
+            <p:ph type="sldImg"/>
+          </p:nvPr>
+        </p:nvSpPr>
+        <p:spPr/>
+      </p:sp>
+      <p:sp>
+        <p:nvSpPr>
+          <p:cNvPr id="3" name="Označba mesta opomb 2"/>
+          <p:cNvSpPr>
+            <a:spLocks noGrp="1"/>
+          </p:cNvSpPr>
+          <p:nvPr>
+            <p:ph type="body" idx="1"/>
+          </p:nvPr>
+        </p:nvSpPr>
+        <p:spPr/>
+        <p:txBody>
+          <a:bodyPr/>
+          <a:lstStyle/>
+          <a:p>
+            <a:endParaRPr lang="sl-SI" dirty="0"/>
+          </a:p>
+        </p:txBody>
+      </p:sp>
+      <p:sp>
+        <p:nvSpPr>
+          <p:cNvPr id="4" name="Označba mesta številke diapozitiva 3"/>
+          <p:cNvSpPr>
+            <a:spLocks noGrp="1"/>
+          </p:cNvSpPr>
+          <p:nvPr>
+            <p:ph type="sldNum" sz="quarter" idx="5"/>
+          </p:nvPr>
+        </p:nvSpPr>
+        <p:spPr/>
+        <p:txBody>
+          <a:bodyPr/>
+          <a:lstStyle/>
+          <a:p>
+            <a:fld id="{B3847C52-DF7F-F947-B704-F0BAD17B1E31}" type="slidenum">
+              <a:rPr lang="en-US" smtClean="0"/>
+              <a:t>9</a:t>
+            </a:fld>
+            <a:endParaRPr lang="en-US"/>
+          </a:p>
+        </p:txBody>
+      </p:sp>
+    </p:spTree>
+    <p:extLst>
+      <p:ext uri="{BB962C8B-B14F-4D97-AF65-F5344CB8AC3E}">
+        <p14:creationId xmlns:p14="http://schemas.microsoft.com/office/powerpoint/2010/main" val="1474947512"/>
       </p:ext>
     </p:extLst>
   </p:cSld>
@@ -3781,8 +4291,8 @@
         </p:nvSpPr>
         <p:spPr>
           <a:xfrm>
-            <a:off x="2456953" y="73152"/>
-            <a:ext cx="6610190" cy="4727448"/>
+            <a:off x="2456953" y="73151"/>
+            <a:ext cx="6610190" cy="4967955"/>
           </a:xfrm>
           <a:ln>
             <a:solidFill>
@@ -3792,7 +4302,7 @@
         </p:spPr>
         <p:txBody>
           <a:bodyPr>
-            <a:normAutofit/>
+            <a:normAutofit lnSpcReduction="10000"/>
           </a:bodyPr>
           <a:lstStyle/>
           <a:p>
@@ -3822,6 +4332,16 @@
             </a:r>
             <a:r>
               <a:rPr lang="sl-SI" sz="1600" dirty="0"/>
+              <a:t> ; </a:t>
+            </a:r>
+            <a:r>
+              <a:rPr lang="sl-SI" sz="1600" dirty="0">
+                <a:hlinkClick r:id="rId3"/>
+              </a:rPr>
+              <a:t>https://en.wikipedia.org/wiki/Aeroflot_accidents_and_incidents_in_the_1970s</a:t>
+            </a:r>
+            <a:r>
+              <a:rPr lang="sl-SI" sz="1600" dirty="0"/>
               <a:t> </a:t>
             </a:r>
             <a:endParaRPr lang="en-US" sz="1600" dirty="0"/>
@@ -3909,7 +4429,6 @@
               <a:rPr lang="sl-SI" sz="1600" dirty="0"/>
               <a:t>: 5269 primerov, 13 atributov</a:t>
             </a:r>
-            <a:endParaRPr lang="en-US" sz="1600" dirty="0"/>
           </a:p>
           <a:p>
             <a:pPr>
@@ -3918,17 +4437,28 @@
             </a:pPr>
             <a:r>
               <a:rPr lang="sl-SI" sz="1600" dirty="0"/>
-              <a:t>Težave: </a:t>
-            </a:r>
-            <a:r>
-              <a:rPr lang="sl-SI" sz="1600" dirty="0" err="1"/>
-              <a:t>mankajoči</a:t>
+              <a:t>O</a:t>
+            </a:r>
+            <a:r>
+              <a:rPr lang="en-US" sz="1600" dirty="0" err="1"/>
+              <a:t>sredotoč</a:t>
             </a:r>
             <a:r>
               <a:rPr lang="sl-SI" sz="1600" dirty="0"/>
-              <a:t> razlogi za nesrečo, registrske oznake</a:t>
-            </a:r>
-            <a:endParaRPr lang="en-US" sz="1600" dirty="0"/>
+              <a:t>ili smo se na atribute:</a:t>
+            </a:r>
+            <a:r>
+              <a:rPr lang="en-US" sz="1600" dirty="0"/>
+              <a:t> Date, Location, Operator, Type, Aboard, Fatalities </a:t>
+            </a:r>
+            <a:r>
+              <a:rPr lang="en-US" sz="1600" dirty="0" err="1"/>
+              <a:t>ter</a:t>
+            </a:r>
+            <a:r>
+              <a:rPr lang="en-US" sz="1600" dirty="0"/>
+              <a:t> Summary.</a:t>
+            </a:r>
           </a:p>
           <a:p>
             <a:pPr>
@@ -3937,23 +4467,15 @@
             </a:pPr>
             <a:r>
               <a:rPr lang="sl-SI" sz="1600" dirty="0"/>
-              <a:t>Pretvorba podatkov v </a:t>
+              <a:t>Težave: </a:t>
             </a:r>
             <a:r>
               <a:rPr lang="sl-SI" sz="1600" dirty="0" err="1"/>
-              <a:t>numpy</a:t>
+              <a:t>mankajoči</a:t>
             </a:r>
             <a:r>
               <a:rPr lang="sl-SI" sz="1600" dirty="0"/>
-              <a:t> </a:t>
-            </a:r>
-            <a:r>
-              <a:rPr lang="sl-SI" sz="1600" dirty="0" err="1"/>
-              <a:t>array</a:t>
-            </a:r>
-            <a:r>
-              <a:rPr lang="sl-SI" sz="1600" dirty="0"/>
-              <a:t>, filtriranje po letnicah/podjetjih</a:t>
+              <a:t> razlogi za nesrečo, registrske oznake</a:t>
             </a:r>
             <a:endParaRPr lang="en-US" sz="1600" dirty="0"/>
           </a:p>
@@ -3962,12 +4484,31 @@
               <a:buFontTx/>
               <a:buChar char="-"/>
             </a:pPr>
-            <a:endParaRPr lang="sl-SI" sz="1600" dirty="0"/>
-          </a:p>
-          <a:p>
-            <a:pPr>
-              <a:buFontTx/>
-              <a:buChar char="-"/>
+            <a:r>
+              <a:rPr lang="sl-SI" sz="1600" dirty="0"/>
+              <a:t>Pretvorba podatkov v </a:t>
+            </a:r>
+            <a:r>
+              <a:rPr lang="sl-SI" sz="1600" dirty="0" err="1"/>
+              <a:t>numpy</a:t>
+            </a:r>
+            <a:r>
+              <a:rPr lang="sl-SI" sz="1600" dirty="0"/>
+              <a:t> </a:t>
+            </a:r>
+            <a:r>
+              <a:rPr lang="sl-SI" sz="1600" dirty="0" err="1"/>
+              <a:t>array</a:t>
+            </a:r>
+            <a:r>
+              <a:rPr lang="sl-SI" sz="1600" dirty="0"/>
+              <a:t>, filtriranje po letnicah/podjetjih</a:t>
+            </a:r>
+            <a:endParaRPr lang="en-US" sz="1600" dirty="0"/>
+          </a:p>
+          <a:p>
+            <a:pPr marL="0" indent="0">
+              <a:buNone/>
             </a:pPr>
             <a:endParaRPr lang="en-US" sz="1600" dirty="0"/>
           </a:p>
@@ -4420,6 +4961,315 @@
     <p:extLst>
       <p:ext uri="{BB962C8B-B14F-4D97-AF65-F5344CB8AC3E}">
         <p14:creationId xmlns:p14="http://schemas.microsoft.com/office/powerpoint/2010/main" val="1823398991"/>
+      </p:ext>
+    </p:extLst>
+  </p:cSld>
+  <p:clrMapOvr>
+    <a:masterClrMapping/>
+  </p:clrMapOvr>
+</p:sld>
+</file>
+
+<file path=ppt/slides/slide10.xml><?xml version="1.0" encoding="utf-8"?>
+<p:sld xmlns:a="http://schemas.openxmlformats.org/drawingml/2006/main" xmlns:r="http://schemas.openxmlformats.org/officeDocument/2006/relationships" xmlns:p="http://schemas.openxmlformats.org/presentationml/2006/main">
+  <p:cSld>
+    <p:spTree>
+      <p:nvGrpSpPr>
+        <p:cNvPr id="1" name=""/>
+        <p:cNvGrpSpPr/>
+        <p:nvPr/>
+      </p:nvGrpSpPr>
+      <p:grpSpPr>
+        <a:xfrm>
+          <a:off x="0" y="0"/>
+          <a:ext cx="0" cy="0"/>
+          <a:chOff x="0" y="0"/>
+          <a:chExt cx="0" cy="0"/>
+        </a:xfrm>
+      </p:grpSpPr>
+      <p:sp>
+        <p:nvSpPr>
+          <p:cNvPr id="2" name="Title 1">
+            <a:extLst>
+              <a:ext uri="{FF2B5EF4-FFF2-40B4-BE49-F238E27FC236}">
+                <a16:creationId xmlns:a16="http://schemas.microsoft.com/office/drawing/2014/main" id="{38032997-45F8-4B43-BA59-BC34FE1B6DF0}"/>
+              </a:ext>
+            </a:extLst>
+          </p:cNvPr>
+          <p:cNvSpPr>
+            <a:spLocks noGrp="1"/>
+          </p:cNvSpPr>
+          <p:nvPr>
+            <p:ph type="title"/>
+          </p:nvPr>
+        </p:nvSpPr>
+        <p:spPr>
+          <a:xfrm>
+            <a:off x="99391" y="102394"/>
+            <a:ext cx="8945218" cy="410942"/>
+          </a:xfrm>
+        </p:spPr>
+        <p:txBody>
+          <a:bodyPr>
+            <a:normAutofit/>
+          </a:bodyPr>
+          <a:lstStyle/>
+          <a:p>
+            <a:r>
+              <a:rPr lang="en-US" sz="1600" b="1" dirty="0" err="1">
+                <a:latin typeface="+mn-lt"/>
+              </a:rPr>
+              <a:t>Dodatna</a:t>
+            </a:r>
+            <a:r>
+              <a:rPr lang="en-US" sz="1600" b="1" dirty="0">
+                <a:latin typeface="+mn-lt"/>
+              </a:rPr>
+              <a:t> </a:t>
+            </a:r>
+            <a:r>
+              <a:rPr lang="en-US" sz="1600" b="1" dirty="0" err="1">
+                <a:latin typeface="+mn-lt"/>
+              </a:rPr>
+              <a:t>prosojnica</a:t>
+            </a:r>
+            <a:r>
+              <a:rPr lang="en-US" sz="1600" b="1" dirty="0">
+                <a:latin typeface="+mn-lt"/>
+              </a:rPr>
+              <a:t> za </a:t>
+            </a:r>
+            <a:r>
+              <a:rPr lang="en-US" sz="1600" b="1" dirty="0" err="1">
+                <a:latin typeface="+mn-lt"/>
+              </a:rPr>
+              <a:t>rezultate</a:t>
+            </a:r>
+            <a:r>
+              <a:rPr lang="en-US" sz="1600" b="1" dirty="0">
+                <a:latin typeface="+mn-lt"/>
+              </a:rPr>
+              <a:t> oz. </a:t>
+            </a:r>
+            <a:r>
+              <a:rPr lang="en-US" sz="1600" b="1" dirty="0" err="1">
+                <a:latin typeface="+mn-lt"/>
+              </a:rPr>
+              <a:t>odprta</a:t>
+            </a:r>
+            <a:r>
+              <a:rPr lang="en-US" sz="1600" b="1" dirty="0">
+                <a:latin typeface="+mn-lt"/>
+              </a:rPr>
+              <a:t> </a:t>
+            </a:r>
+            <a:r>
+              <a:rPr lang="en-US" sz="1600" b="1" dirty="0" err="1">
+                <a:latin typeface="+mn-lt"/>
+              </a:rPr>
+              <a:t>vprašanja</a:t>
+            </a:r>
+            <a:r>
+              <a:rPr lang="en-US" sz="1600" b="1" dirty="0">
+                <a:latin typeface="+mn-lt"/>
+              </a:rPr>
+              <a:t> (</a:t>
+            </a:r>
+            <a:r>
+              <a:rPr lang="en-US" sz="1600" b="1" dirty="0" err="1">
+                <a:latin typeface="+mn-lt"/>
+              </a:rPr>
+              <a:t>če</a:t>
+            </a:r>
+            <a:r>
+              <a:rPr lang="en-US" sz="1600" b="1" dirty="0">
+                <a:latin typeface="+mn-lt"/>
+              </a:rPr>
+              <a:t> </a:t>
+            </a:r>
+            <a:r>
+              <a:rPr lang="en-US" sz="1600" b="1" dirty="0" err="1">
+                <a:latin typeface="+mn-lt"/>
+              </a:rPr>
+              <a:t>potrebno</a:t>
+            </a:r>
+            <a:r>
+              <a:rPr lang="en-US" sz="1600" b="1" dirty="0">
+                <a:latin typeface="+mn-lt"/>
+              </a:rPr>
+              <a:t>)</a:t>
+            </a:r>
+          </a:p>
+        </p:txBody>
+      </p:sp>
+      <p:sp>
+        <p:nvSpPr>
+          <p:cNvPr id="3" name="Content Placeholder 2">
+            <a:extLst>
+              <a:ext uri="{FF2B5EF4-FFF2-40B4-BE49-F238E27FC236}">
+                <a16:creationId xmlns:a16="http://schemas.microsoft.com/office/drawing/2014/main" id="{E736DCB2-1C93-E142-85FE-F367FBA7EB28}"/>
+              </a:ext>
+            </a:extLst>
+          </p:cNvPr>
+          <p:cNvSpPr>
+            <a:spLocks noGrp="1"/>
+          </p:cNvSpPr>
+          <p:nvPr>
+            <p:ph idx="1"/>
+          </p:nvPr>
+        </p:nvSpPr>
+        <p:spPr>
+          <a:xfrm>
+            <a:off x="99392" y="513336"/>
+            <a:ext cx="8945217" cy="4253927"/>
+          </a:xfrm>
+          <a:ln>
+            <a:solidFill>
+              <a:schemeClr val="tx1"/>
+            </a:solidFill>
+          </a:ln>
+        </p:spPr>
+        <p:txBody>
+          <a:bodyPr>
+            <a:normAutofit/>
+          </a:bodyPr>
+          <a:lstStyle/>
+          <a:p>
+            <a:endParaRPr lang="sl-SI" sz="1600" dirty="0"/>
+          </a:p>
+          <a:p>
+            <a:r>
+              <a:rPr lang="sl-SI" sz="1600" dirty="0"/>
+              <a:t>Kakšen bo trend v prihodnosti? Ali se bo davek na človeška življenja zmanjšal ali inovacija vedno za sabo prinese posledice?</a:t>
+            </a:r>
+          </a:p>
+          <a:p>
+            <a:r>
+              <a:rPr lang="sl-SI" sz="1600"/>
+              <a:t>...</a:t>
+            </a:r>
+            <a:endParaRPr lang="sl-SI" sz="1600" dirty="0"/>
+          </a:p>
+          <a:p>
+            <a:pPr marL="0" indent="0">
+              <a:buNone/>
+            </a:pPr>
+            <a:endParaRPr lang="sl-SI" sz="1600" dirty="0"/>
+          </a:p>
+        </p:txBody>
+      </p:sp>
+      <p:sp>
+        <p:nvSpPr>
+          <p:cNvPr id="6" name="Slide Number Placeholder 5">
+            <a:extLst>
+              <a:ext uri="{FF2B5EF4-FFF2-40B4-BE49-F238E27FC236}">
+                <a16:creationId xmlns:a16="http://schemas.microsoft.com/office/drawing/2014/main" id="{643A65B7-6F2E-D145-A02C-A24F07A611A3}"/>
+              </a:ext>
+            </a:extLst>
+          </p:cNvPr>
+          <p:cNvSpPr>
+            <a:spLocks noGrp="1"/>
+          </p:cNvSpPr>
+          <p:nvPr>
+            <p:ph type="sldNum" sz="quarter" idx="12"/>
+          </p:nvPr>
+        </p:nvSpPr>
+        <p:spPr/>
+        <p:txBody>
+          <a:bodyPr/>
+          <a:lstStyle/>
+          <a:p>
+            <a:fld id="{03BC8BC1-971C-5C4D-898D-87CE7EF1EB36}" type="slidenum">
+              <a:rPr lang="en-US" smtClean="0"/>
+              <a:t>10</a:t>
+            </a:fld>
+            <a:endParaRPr lang="en-US"/>
+          </a:p>
+        </p:txBody>
+      </p:sp>
+      <p:sp>
+        <p:nvSpPr>
+          <p:cNvPr id="8" name="Date Placeholder 11">
+            <a:extLst>
+              <a:ext uri="{FF2B5EF4-FFF2-40B4-BE49-F238E27FC236}">
+                <a16:creationId xmlns:a16="http://schemas.microsoft.com/office/drawing/2014/main" id="{07C4AC33-717C-454A-96DC-39E4E45FC358}"/>
+              </a:ext>
+            </a:extLst>
+          </p:cNvPr>
+          <p:cNvSpPr>
+            <a:spLocks noGrp="1"/>
+          </p:cNvSpPr>
+          <p:nvPr>
+            <p:ph type="dt" sz="half" idx="10"/>
+          </p:nvPr>
+        </p:nvSpPr>
+        <p:spPr>
+          <a:xfrm>
+            <a:off x="76857" y="4800600"/>
+            <a:ext cx="3754164" cy="273844"/>
+          </a:xfrm>
+        </p:spPr>
+        <p:txBody>
+          <a:bodyPr/>
+          <a:lstStyle/>
+          <a:p>
+            <a:r>
+              <a:rPr lang="en-US" dirty="0"/>
+              <a:t>18. 4. 2024</a:t>
+            </a:r>
+          </a:p>
+        </p:txBody>
+      </p:sp>
+      <p:sp>
+        <p:nvSpPr>
+          <p:cNvPr id="9" name="Footer Placeholder 12">
+            <a:extLst>
+              <a:ext uri="{FF2B5EF4-FFF2-40B4-BE49-F238E27FC236}">
+                <a16:creationId xmlns:a16="http://schemas.microsoft.com/office/drawing/2014/main" id="{1E484604-5097-374A-BB61-C5B3CD4C807B}"/>
+              </a:ext>
+            </a:extLst>
+          </p:cNvPr>
+          <p:cNvSpPr>
+            <a:spLocks noGrp="1"/>
+          </p:cNvSpPr>
+          <p:nvPr>
+            <p:ph type="ftr" sz="quarter" idx="11"/>
+          </p:nvPr>
+        </p:nvSpPr>
+        <p:spPr>
+          <a:xfrm>
+            <a:off x="3028950" y="4767263"/>
+            <a:ext cx="3086100" cy="273844"/>
+          </a:xfrm>
+        </p:spPr>
+        <p:txBody>
+          <a:bodyPr/>
+          <a:lstStyle/>
+          <a:p>
+            <a:r>
+              <a:rPr lang="en-US" dirty="0"/>
+              <a:t>PR23-24, </a:t>
+            </a:r>
+            <a:r>
+              <a:rPr lang="en-US" dirty="0" err="1"/>
+              <a:t>Vmesna</a:t>
+            </a:r>
+            <a:r>
+              <a:rPr lang="en-US" dirty="0"/>
+              <a:t> </a:t>
+            </a:r>
+            <a:r>
+              <a:rPr lang="en-US" dirty="0" err="1"/>
+              <a:t>predstavitev</a:t>
+            </a:r>
+            <a:endParaRPr lang="en-US" dirty="0"/>
+          </a:p>
+        </p:txBody>
+      </p:sp>
+    </p:spTree>
+    <p:extLst>
+      <p:ext uri="{BB962C8B-B14F-4D97-AF65-F5344CB8AC3E}">
+        <p14:creationId xmlns:p14="http://schemas.microsoft.com/office/powerpoint/2010/main" val="3280023697"/>
       </p:ext>
     </p:extLst>
   </p:cSld>
@@ -4492,12 +5342,6 @@
             </a:r>
           </a:p>
           <a:p>
-            <a:r>
-              <a:rPr lang="sl-SI" sz="1600" dirty="0"/>
-              <a:t>Naredili smo graf nesreč po letih in opazili smo vzpone in padce</a:t>
-            </a:r>
-          </a:p>
-          <a:p>
             <a:endParaRPr lang="sl-SI" sz="1600" dirty="0"/>
           </a:p>
           <a:p>
@@ -4505,28 +5349,6 @@
           </a:p>
           <a:p>
             <a:endParaRPr lang="sl-SI" sz="1600" dirty="0"/>
-          </a:p>
-          <a:p>
-            <a:endParaRPr lang="sl-SI" sz="1600" dirty="0"/>
-          </a:p>
-          <a:p>
-            <a:pPr marL="0" indent="0">
-              <a:buNone/>
-            </a:pPr>
-            <a:r>
-              <a:rPr lang="sl-SI" sz="1600" b="1" dirty="0"/>
-              <a:t>Cilj2: </a:t>
-            </a:r>
-            <a:r>
-              <a:rPr lang="sl-SI" sz="1600" dirty="0"/>
-              <a:t>Kateri modeli letal so najbolj izpostavljena nesrečam?</a:t>
-            </a:r>
-          </a:p>
-          <a:p>
-            <a:r>
-              <a:rPr lang="sl-SI" sz="1600" dirty="0"/>
-              <a:t>Prešteli smo nesreče za posamezen model in narisali graf za top 10</a:t>
-            </a:r>
           </a:p>
           <a:p>
             <a:pPr marL="0" indent="0">
@@ -4569,30 +5391,34 @@
           </a:bodyPr>
           <a:lstStyle/>
           <a:p>
+            <a:endParaRPr lang="sl-SI" sz="1600" dirty="0"/>
+          </a:p>
+          <a:p>
+            <a:endParaRPr lang="sl-SI" sz="1600" dirty="0"/>
+          </a:p>
+          <a:p>
+            <a:endParaRPr lang="sl-SI" sz="1600" dirty="0"/>
+          </a:p>
+          <a:p>
             <a:r>
               <a:rPr lang="sl-SI" sz="1600" dirty="0"/>
-              <a:t>Na začetku manj nesreč (manj razvita letalska industrija, manj letal), velik porast v 2. svetovni vojni, 1972 največ nesreč (velika rast industrije, manj zanesljiva tehnologija), od 2008 naprej manj nesreč (naprednejša tehnologija (boljši motorji, sistemi za nadzor letenja), strožje regulative (redni pregledi in certificiranje letal in operaterjev)</a:t>
+              <a:t>Na začetku manj nesreč (manj razvita letalska industrija, manj letal)</a:t>
+            </a:r>
+          </a:p>
+          <a:p>
+            <a:r>
+              <a:rPr lang="sl-SI" sz="1600" dirty="0"/>
+              <a:t>Velik porast v 2. svetovni vojni, 1972 največ nesreč (velika rast industrije, manj zanesljiva tehnologija)</a:t>
+            </a:r>
+          </a:p>
+          <a:p>
+            <a:r>
+              <a:rPr lang="sl-SI" sz="1600" dirty="0"/>
+              <a:t>Od 2008 naprej manj nesreč (naprednejša tehnologija (boljši motorji, sistemi za nadzor letenja), strožje regulative (redni pregledi in certificiranje letal in operaterjev)</a:t>
             </a:r>
           </a:p>
           <a:p>
             <a:endParaRPr lang="sl-SI" sz="1600" dirty="0"/>
-          </a:p>
-          <a:p>
-            <a:pPr marL="0" indent="0">
-              <a:buNone/>
-            </a:pPr>
-            <a:endParaRPr lang="sl-SI" sz="1600" dirty="0"/>
-          </a:p>
-          <a:p>
-            <a:r>
-              <a:rPr lang="sl-SI" sz="1600" dirty="0" err="1"/>
-              <a:t>Douglass</a:t>
-            </a:r>
-            <a:r>
-              <a:rPr lang="sl-SI" sz="1600" dirty="0"/>
-              <a:t> DC-3 (potniško letalo): s 334 nesrečami daleč najbolj pogosto vpleten v nesreče – dolga operativna dobe (več desetletij). Danes je operativnih 150 letal.</a:t>
-            </a:r>
-            <a:endParaRPr lang="en-US" sz="1600" dirty="0"/>
           </a:p>
         </p:txBody>
       </p:sp>
@@ -5371,6 +6197,36 @@
           </a:p>
         </p:txBody>
       </p:sp>
+      <p:pic>
+        <p:nvPicPr>
+          <p:cNvPr id="4" name="Slika 3">
+            <a:extLst>
+              <a:ext uri="{FF2B5EF4-FFF2-40B4-BE49-F238E27FC236}">
+                <a16:creationId xmlns:a16="http://schemas.microsoft.com/office/drawing/2014/main" id="{2AB3D026-35A3-EC63-704E-ACBEFCAAEBB9}"/>
+              </a:ext>
+            </a:extLst>
+          </p:cNvPr>
+          <p:cNvPicPr>
+            <a:picLocks noChangeAspect="1"/>
+          </p:cNvPicPr>
+          <p:nvPr/>
+        </p:nvPicPr>
+        <p:blipFill>
+          <a:blip r:embed="rId3"/>
+          <a:stretch>
+            <a:fillRect/>
+          </a:stretch>
+        </p:blipFill>
+        <p:spPr>
+          <a:xfrm>
+            <a:off x="167872" y="1556833"/>
+            <a:ext cx="4253218" cy="2516665"/>
+          </a:xfrm>
+          <a:prstGeom prst="rect">
+            <a:avLst/>
+          </a:prstGeom>
+        </p:spPr>
+      </p:pic>
     </p:spTree>
     <p:extLst>
       <p:ext uri="{BB962C8B-B14F-4D97-AF65-F5344CB8AC3E}">
@@ -5439,69 +6295,24 @@
             </a:pPr>
             <a:r>
               <a:rPr lang="sl-SI" sz="1600" b="1" dirty="0"/>
-              <a:t>Cilj3: </a:t>
+              <a:t>Cilj2: </a:t>
             </a:r>
             <a:r>
               <a:rPr lang="sl-SI" sz="1600" dirty="0"/>
-              <a:t>Katera so najmanj uspešna letalska podjetja glede na število mrtvih, število potnikov in število letov?</a:t>
-            </a:r>
-          </a:p>
-          <a:p>
-            <a:r>
-              <a:rPr lang="sl-SI" sz="1600" dirty="0"/>
-              <a:t>Šli smo čez vsa podjetja, seštevali št. mrtvih, potnikov, letov. Podatke smo normalizirali in narisali graf</a:t>
-            </a:r>
+              <a:t>Kako se razmerje število nesreč in število potnikov spreminja čez leta?</a:t>
+            </a:r>
+          </a:p>
+          <a:p>
+            <a:endParaRPr lang="sl-SI" sz="1600" dirty="0"/>
+          </a:p>
+          <a:p>
+            <a:endParaRPr lang="sl-SI" sz="1600" dirty="0"/>
           </a:p>
           <a:p>
             <a:pPr marL="0" indent="0">
               <a:buNone/>
             </a:pPr>
-            <a:endParaRPr lang="sl-SI" sz="1600" dirty="0"/>
-          </a:p>
-          <a:p>
-            <a:pPr marL="0" indent="0">
-              <a:buNone/>
-            </a:pPr>
-            <a:r>
-              <a:rPr lang="sl-SI" sz="1600" b="1" dirty="0"/>
-              <a:t>Cilj4: </a:t>
-            </a:r>
-            <a:r>
-              <a:rPr lang="sl-SI" sz="1600" dirty="0"/>
-              <a:t>letalske nesreče na zemljevidu sveta</a:t>
-            </a:r>
-            <a:endParaRPr lang="en-US" sz="1600" dirty="0"/>
-          </a:p>
-          <a:p>
-            <a:r>
-              <a:rPr lang="sl-SI" sz="1600" dirty="0"/>
-              <a:t>reverse geocoding za pridobitev koordinat (nov csv), prikaz nesreč na zemljevidu s cartopy knjižnico</a:t>
-            </a:r>
-          </a:p>
-          <a:p>
-            <a:pPr marL="0" indent="0">
-              <a:buNone/>
-            </a:pPr>
-            <a:endParaRPr lang="sl-SI" sz="1600" dirty="0"/>
-          </a:p>
-          <a:p>
-            <a:pPr marL="0" indent="0">
-              <a:buNone/>
-            </a:pPr>
-            <a:r>
-              <a:rPr lang="sl-SI" sz="1600" b="1" dirty="0"/>
-              <a:t>Cilj5: </a:t>
-            </a:r>
-            <a:r>
-              <a:rPr lang="sl-SI" sz="1600" dirty="0"/>
-              <a:t>Iskanje nesreč po ključnih besedah</a:t>
-            </a:r>
-          </a:p>
-          <a:p>
-            <a:r>
-              <a:rPr lang="sl-SI" sz="1600" dirty="0"/>
-              <a:t>Iskanje po besedah: „bird, flock, attack, shoot,, fuel, deficiencies, water...“</a:t>
-            </a:r>
+            <a:endParaRPr lang="sl-SI" sz="1600" b="1" dirty="0"/>
           </a:p>
         </p:txBody>
       </p:sp>
@@ -5540,144 +6351,39 @@
           <a:p>
             <a:r>
               <a:rPr lang="sl-SI" sz="1600" dirty="0"/>
-              <a:t>Težava: definicija „uspešnost“</a:t>
-            </a:r>
-          </a:p>
-          <a:p>
-            <a:pPr marL="0" indent="0">
-              <a:buNone/>
-            </a:pPr>
+              <a:t>1917/1918 – velik porast (zaradi 1. svetovne vojne)</a:t>
+            </a:r>
+          </a:p>
+          <a:p>
+            <a:r>
+              <a:rPr lang="sl-SI" sz="1600" dirty="0"/>
+              <a:t>Razmerje po hitrem vzponu zelo hitro pade in se z leti normalizira na okrog 5%. </a:t>
+            </a:r>
+          </a:p>
+          <a:p>
+            <a:r>
+              <a:rPr lang="sl-SI" sz="1600" dirty="0"/>
+              <a:t>Oranžna črta – razmerje</a:t>
+            </a:r>
+          </a:p>
+          <a:p>
+            <a:r>
+              <a:rPr lang="sl-SI" sz="1600" dirty="0"/>
+              <a:t>Rdeča črta – število nesreč</a:t>
+            </a:r>
+          </a:p>
+          <a:p>
             <a:endParaRPr lang="sl-SI" sz="1600" dirty="0"/>
           </a:p>
           <a:p>
-            <a:pPr marL="0" indent="0">
-              <a:buNone/>
-            </a:pPr>
-            <a:endParaRPr lang="sl-SI" sz="1600" dirty="0"/>
-          </a:p>
-          <a:p>
-            <a:pPr marL="0" indent="0">
-              <a:buNone/>
-            </a:pPr>
-            <a:endParaRPr lang="sl-SI" sz="1600" dirty="0"/>
-          </a:p>
-          <a:p>
-            <a:pPr marL="0" indent="0">
-              <a:buNone/>
-            </a:pPr>
-            <a:endParaRPr lang="sl-SI" sz="1600" dirty="0"/>
-          </a:p>
-          <a:p>
+            <a:r>
+              <a:rPr lang="sl-SI" sz="1600" b="1" dirty="0"/>
+              <a:t>Ugotovitev: </a:t>
+            </a:r>
             <a:r>
               <a:rPr lang="sl-SI" sz="1600" dirty="0"/>
-              <a:t>N</a:t>
-            </a:r>
-            <a:r>
-              <a:rPr lang="en-US" sz="1600" dirty="0" err="1"/>
-              <a:t>ajveč</a:t>
-            </a:r>
-            <a:r>
-              <a:rPr lang="en-US" sz="1600" dirty="0"/>
-              <a:t> </a:t>
-            </a:r>
-            <a:r>
-              <a:rPr lang="en-US" sz="1600" dirty="0" err="1"/>
-              <a:t>nesreč</a:t>
-            </a:r>
-            <a:r>
-              <a:rPr lang="en-US" sz="1600" dirty="0"/>
-              <a:t> </a:t>
-            </a:r>
-            <a:r>
-              <a:rPr lang="en-US" sz="1600" dirty="0" err="1"/>
-              <a:t>na</a:t>
-            </a:r>
-            <a:r>
-              <a:rPr lang="en-US" sz="1600" dirty="0"/>
-              <a:t> </a:t>
-            </a:r>
-            <a:r>
-              <a:rPr lang="en-US" sz="1600" dirty="0" err="1"/>
-              <a:t>vzhodu</a:t>
-            </a:r>
-            <a:r>
-              <a:rPr lang="en-US" sz="1600" dirty="0"/>
-              <a:t> ZDA in </a:t>
-            </a:r>
-            <a:r>
-              <a:rPr lang="en-US" sz="1600" dirty="0" err="1"/>
-              <a:t>zahodu</a:t>
-            </a:r>
-            <a:r>
-              <a:rPr lang="en-US" sz="1600" dirty="0"/>
-              <a:t> </a:t>
-            </a:r>
-            <a:r>
-              <a:rPr lang="en-US" sz="1600" dirty="0" err="1"/>
-              <a:t>Evrope</a:t>
-            </a:r>
-            <a:r>
-              <a:rPr lang="en-US" sz="1600" dirty="0"/>
-              <a:t>, </a:t>
-            </a:r>
-            <a:r>
-              <a:rPr lang="en-US" sz="1600" dirty="0" err="1"/>
-              <a:t>kjer</a:t>
-            </a:r>
-            <a:r>
-              <a:rPr lang="en-US" sz="1600" dirty="0"/>
-              <a:t> so </a:t>
-            </a:r>
-            <a:r>
-              <a:rPr lang="en-US" sz="1600" dirty="0" err="1"/>
-              <a:t>najbolj</a:t>
-            </a:r>
-            <a:r>
-              <a:rPr lang="en-US" sz="1600" dirty="0"/>
-              <a:t> </a:t>
-            </a:r>
-            <a:r>
-              <a:rPr lang="en-US" sz="1600" dirty="0" err="1"/>
-              <a:t>prometne</a:t>
-            </a:r>
-            <a:r>
-              <a:rPr lang="en-US" sz="1600" dirty="0"/>
-              <a:t> </a:t>
-            </a:r>
-            <a:r>
-              <a:rPr lang="en-US" sz="1600" dirty="0" err="1"/>
-              <a:t>letalske</a:t>
-            </a:r>
-            <a:r>
-              <a:rPr lang="en-US" sz="1600" dirty="0"/>
-              <a:t> </a:t>
-            </a:r>
-            <a:r>
-              <a:rPr lang="en-US" sz="1600" dirty="0" err="1"/>
-              <a:t>poti</a:t>
-            </a:r>
-            <a:endParaRPr lang="sl-SI" sz="1600" dirty="0"/>
-          </a:p>
-          <a:p>
-            <a:endParaRPr lang="sl-SI" sz="1600" dirty="0"/>
-          </a:p>
-          <a:p>
-            <a:endParaRPr lang="sl-SI" sz="1600" dirty="0"/>
-          </a:p>
-          <a:p>
-            <a:pPr marL="0" indent="0">
-              <a:buNone/>
-            </a:pPr>
-            <a:endParaRPr lang="sl-SI" sz="1600" dirty="0"/>
-          </a:p>
-          <a:p>
-            <a:r>
-              <a:rPr lang="sl-SI" sz="1600" dirty="0"/>
-              <a:t> Veliko nesreč v povezavi z vodo ter gorivom, manj s ptiči</a:t>
-            </a:r>
-          </a:p>
-          <a:p>
-            <a:endParaRPr lang="en-US" sz="1600" dirty="0"/>
+              <a:t>več letov na leto -&gt; proporcionalno več nesreč, prevoženih potnikov pa je vsako leto več</a:t>
+            </a:r>
           </a:p>
         </p:txBody>
       </p:sp>
@@ -6456,10 +7162,40 @@
           </a:p>
         </p:txBody>
       </p:sp>
+      <p:pic>
+        <p:nvPicPr>
+          <p:cNvPr id="5" name="Slika 4">
+            <a:extLst>
+              <a:ext uri="{FF2B5EF4-FFF2-40B4-BE49-F238E27FC236}">
+                <a16:creationId xmlns:a16="http://schemas.microsoft.com/office/drawing/2014/main" id="{97C223F6-AA1A-93D2-39A6-43C3B09FD6F8}"/>
+              </a:ext>
+            </a:extLst>
+          </p:cNvPr>
+          <p:cNvPicPr>
+            <a:picLocks noChangeAspect="1"/>
+          </p:cNvPicPr>
+          <p:nvPr/>
+        </p:nvPicPr>
+        <p:blipFill>
+          <a:blip r:embed="rId3"/>
+          <a:stretch>
+            <a:fillRect/>
+          </a:stretch>
+        </p:blipFill>
+        <p:spPr>
+          <a:xfrm>
+            <a:off x="145312" y="1876516"/>
+            <a:ext cx="4314633" cy="2120840"/>
+          </a:xfrm>
+          <a:prstGeom prst="rect">
+            <a:avLst/>
+          </a:prstGeom>
+        </p:spPr>
+      </p:pic>
     </p:spTree>
     <p:extLst>
       <p:ext uri="{BB962C8B-B14F-4D97-AF65-F5344CB8AC3E}">
-        <p14:creationId xmlns:p14="http://schemas.microsoft.com/office/powerpoint/2010/main" val="296469910"/>
+        <p14:creationId xmlns:p14="http://schemas.microsoft.com/office/powerpoint/2010/main" val="606830407"/>
       </p:ext>
     </p:extLst>
   </p:cSld>
@@ -6488,10 +7224,10 @@
       </p:grpSpPr>
       <p:sp>
         <p:nvSpPr>
-          <p:cNvPr id="2" name="Title 1">
+          <p:cNvPr id="3" name="Content Placeholder 2">
             <a:extLst>
               <a:ext uri="{FF2B5EF4-FFF2-40B4-BE49-F238E27FC236}">
-                <a16:creationId xmlns:a16="http://schemas.microsoft.com/office/drawing/2014/main" id="{38032997-45F8-4B43-BA59-BC34FE1B6DF0}"/>
+                <a16:creationId xmlns:a16="http://schemas.microsoft.com/office/drawing/2014/main" id="{9D9094EB-9AF8-C443-A38F-2140C80C75A0}"/>
               </a:ext>
             </a:extLst>
           </p:cNvPr>
@@ -6499,128 +7235,13 @@
             <a:spLocks noGrp="1"/>
           </p:cNvSpPr>
           <p:nvPr>
-            <p:ph type="title"/>
+            <p:ph sz="half" idx="1"/>
           </p:nvPr>
         </p:nvSpPr>
         <p:spPr>
           <a:xfrm>
-            <a:off x="99391" y="102394"/>
-            <a:ext cx="8945218" cy="410942"/>
-          </a:xfrm>
-        </p:spPr>
-        <p:txBody>
-          <a:bodyPr>
-            <a:normAutofit/>
-          </a:bodyPr>
-          <a:lstStyle/>
-          <a:p>
-            <a:r>
-              <a:rPr lang="en-US" sz="1600" b="1" dirty="0" err="1">
-                <a:latin typeface="+mn-lt"/>
-              </a:rPr>
-              <a:t>Dodatna</a:t>
-            </a:r>
-            <a:r>
-              <a:rPr lang="en-US" sz="1600" b="1" dirty="0">
-                <a:latin typeface="+mn-lt"/>
-              </a:rPr>
-              <a:t> </a:t>
-            </a:r>
-            <a:r>
-              <a:rPr lang="en-US" sz="1600" b="1" dirty="0" err="1">
-                <a:latin typeface="+mn-lt"/>
-              </a:rPr>
-              <a:t>prosojnica</a:t>
-            </a:r>
-            <a:r>
-              <a:rPr lang="en-US" sz="1600" b="1" dirty="0">
-                <a:latin typeface="+mn-lt"/>
-              </a:rPr>
-              <a:t> za </a:t>
-            </a:r>
-            <a:r>
-              <a:rPr lang="en-US" sz="1600" b="1" dirty="0" err="1">
-                <a:latin typeface="+mn-lt"/>
-              </a:rPr>
-              <a:t>rezultate</a:t>
-            </a:r>
-            <a:r>
-              <a:rPr lang="en-US" sz="1600" b="1" dirty="0">
-                <a:latin typeface="+mn-lt"/>
-              </a:rPr>
-              <a:t> oz. </a:t>
-            </a:r>
-            <a:r>
-              <a:rPr lang="en-US" sz="1600" b="1" dirty="0" err="1">
-                <a:latin typeface="+mn-lt"/>
-              </a:rPr>
-              <a:t>odprta</a:t>
-            </a:r>
-            <a:r>
-              <a:rPr lang="en-US" sz="1600" b="1" dirty="0">
-                <a:latin typeface="+mn-lt"/>
-              </a:rPr>
-              <a:t> </a:t>
-            </a:r>
-            <a:r>
-              <a:rPr lang="en-US" sz="1600" b="1" dirty="0" err="1">
-                <a:latin typeface="+mn-lt"/>
-              </a:rPr>
-              <a:t>vprašanja</a:t>
-            </a:r>
-            <a:r>
-              <a:rPr lang="en-US" sz="1600" b="1" dirty="0">
-                <a:latin typeface="+mn-lt"/>
-              </a:rPr>
-              <a:t> (</a:t>
-            </a:r>
-            <a:r>
-              <a:rPr lang="en-US" sz="1600" b="1" dirty="0" err="1">
-                <a:latin typeface="+mn-lt"/>
-              </a:rPr>
-              <a:t>če</a:t>
-            </a:r>
-            <a:r>
-              <a:rPr lang="en-US" sz="1600" b="1" dirty="0">
-                <a:latin typeface="+mn-lt"/>
-              </a:rPr>
-              <a:t> </a:t>
-            </a:r>
-            <a:r>
-              <a:rPr lang="en-US" sz="1600" b="1" dirty="0" err="1">
-                <a:latin typeface="+mn-lt"/>
-              </a:rPr>
-              <a:t>potrebno</a:t>
-            </a:r>
-            <a:r>
-              <a:rPr lang="en-US" sz="1600" b="1" dirty="0">
-                <a:latin typeface="+mn-lt"/>
-              </a:rPr>
-              <a:t>)</a:t>
-            </a:r>
-          </a:p>
-        </p:txBody>
-      </p:sp>
-      <p:sp>
-        <p:nvSpPr>
-          <p:cNvPr id="3" name="Content Placeholder 2">
-            <a:extLst>
-              <a:ext uri="{FF2B5EF4-FFF2-40B4-BE49-F238E27FC236}">
-                <a16:creationId xmlns:a16="http://schemas.microsoft.com/office/drawing/2014/main" id="{E736DCB2-1C93-E142-85FE-F367FBA7EB28}"/>
-              </a:ext>
-            </a:extLst>
-          </p:cNvPr>
-          <p:cNvSpPr>
-            <a:spLocks noGrp="1"/>
-          </p:cNvSpPr>
-          <p:nvPr>
-            <p:ph idx="1"/>
-          </p:nvPr>
-        </p:nvSpPr>
-        <p:spPr>
-          <a:xfrm>
-            <a:off x="99392" y="513336"/>
-            <a:ext cx="8945217" cy="4253927"/>
+            <a:off x="92765" y="589356"/>
+            <a:ext cx="4403432" cy="4177907"/>
           </a:xfrm>
           <a:ln>
             <a:solidFill>
@@ -6634,35 +7255,91 @@
           </a:bodyPr>
           <a:lstStyle/>
           <a:p>
-            <a:endParaRPr lang="sl-SI" sz="1600" dirty="0"/>
-          </a:p>
-          <a:p>
-            <a:r>
-              <a:rPr lang="sl-SI" sz="1600" dirty="0"/>
-              <a:t>Kakšen bo trend v prihodnosti? Ali se bo davek na človeška življenja zmanjšal ali inovacija vedno za sabo prinese posledice?</a:t>
-            </a:r>
-          </a:p>
-          <a:p>
-            <a:r>
-              <a:rPr lang="sl-SI" sz="1600"/>
-              <a:t>...</a:t>
-            </a:r>
-            <a:endParaRPr lang="sl-SI" sz="1600" dirty="0"/>
-          </a:p>
-          <a:p>
             <a:pPr marL="0" indent="0">
               <a:buNone/>
             </a:pPr>
+            <a:r>
+              <a:rPr lang="sl-SI" sz="1600" b="1" dirty="0"/>
+              <a:t>Cilj3: </a:t>
+            </a:r>
+            <a:r>
+              <a:rPr lang="sl-SI" sz="1600" dirty="0"/>
+              <a:t>razmerje mrtvih/preživelih skozi čas</a:t>
+            </a:r>
+          </a:p>
+          <a:p>
             <a:endParaRPr lang="sl-SI" sz="1600" dirty="0"/>
           </a:p>
-        </p:txBody>
-      </p:sp>
-      <p:sp>
-        <p:nvSpPr>
-          <p:cNvPr id="6" name="Slide Number Placeholder 5">
+          <a:p>
+            <a:pPr marL="0" indent="0">
+              <a:buNone/>
+            </a:pPr>
+            <a:endParaRPr lang="sl-SI" sz="1600" b="1" dirty="0"/>
+          </a:p>
+        </p:txBody>
+      </p:sp>
+      <p:sp>
+        <p:nvSpPr>
+          <p:cNvPr id="18" name="Content Placeholder 17">
             <a:extLst>
               <a:ext uri="{FF2B5EF4-FFF2-40B4-BE49-F238E27FC236}">
-                <a16:creationId xmlns:a16="http://schemas.microsoft.com/office/drawing/2014/main" id="{643A65B7-6F2E-D145-A02C-A24F07A611A3}"/>
+                <a16:creationId xmlns:a16="http://schemas.microsoft.com/office/drawing/2014/main" id="{BFC9798E-C22A-6049-8D8E-80BEDDEA70AA}"/>
+              </a:ext>
+            </a:extLst>
+          </p:cNvPr>
+          <p:cNvSpPr>
+            <a:spLocks noGrp="1"/>
+          </p:cNvSpPr>
+          <p:nvPr>
+            <p:ph sz="half" idx="2"/>
+          </p:nvPr>
+        </p:nvSpPr>
+        <p:spPr>
+          <a:xfrm>
+            <a:off x="4588962" y="589356"/>
+            <a:ext cx="4462272" cy="4177907"/>
+          </a:xfrm>
+          <a:ln>
+            <a:solidFill>
+              <a:schemeClr val="tx1"/>
+            </a:solidFill>
+          </a:ln>
+        </p:spPr>
+        <p:txBody>
+          <a:bodyPr>
+            <a:normAutofit/>
+          </a:bodyPr>
+          <a:lstStyle/>
+          <a:p>
+            <a:r>
+              <a:rPr lang="sl-SI" sz="1600" dirty="0"/>
+              <a:t>1908-1945 - skoraj vse nesreče skoraj 100% fatalne</a:t>
+            </a:r>
+          </a:p>
+          <a:p>
+            <a:r>
+              <a:rPr lang="sl-SI" sz="1600" dirty="0"/>
+              <a:t>Po 2. sv. vojni - % se drastično zmanjša</a:t>
+            </a:r>
+          </a:p>
+          <a:p>
+            <a:r>
+              <a:rPr lang="sl-SI" sz="1600" b="1" dirty="0"/>
+              <a:t>Ugotovitev: </a:t>
+            </a:r>
+            <a:r>
+              <a:rPr lang="sl-SI" sz="1600" dirty="0"/>
+              <a:t>več letov na leto -&gt; proporcionalno več nesreč, prevoženih potnikov pa je vsako leto več</a:t>
+            </a:r>
+          </a:p>
+        </p:txBody>
+      </p:sp>
+      <p:sp>
+        <p:nvSpPr>
+          <p:cNvPr id="7" name="Slide Number Placeholder 6">
+            <a:extLst>
+              <a:ext uri="{FF2B5EF4-FFF2-40B4-BE49-F238E27FC236}">
+                <a16:creationId xmlns:a16="http://schemas.microsoft.com/office/drawing/2014/main" id="{C24814E3-8963-334D-848C-E4EE0D7A5ECE}"/>
               </a:ext>
             </a:extLst>
           </p:cNvPr>
@@ -6688,10 +7365,677 @@
       </p:sp>
       <p:sp>
         <p:nvSpPr>
-          <p:cNvPr id="8" name="Date Placeholder 11">
+          <p:cNvPr id="8" name="Content Placeholder 2">
             <a:extLst>
               <a:ext uri="{FF2B5EF4-FFF2-40B4-BE49-F238E27FC236}">
-                <a16:creationId xmlns:a16="http://schemas.microsoft.com/office/drawing/2014/main" id="{07C4AC33-717C-454A-96DC-39E4E45FC358}"/>
+                <a16:creationId xmlns:a16="http://schemas.microsoft.com/office/drawing/2014/main" id="{194343F5-9AFD-314A-B851-B4B16EF4AB6C}"/>
+              </a:ext>
+            </a:extLst>
+          </p:cNvPr>
+          <p:cNvSpPr txBox="1">
+            <a:spLocks/>
+          </p:cNvSpPr>
+          <p:nvPr/>
+        </p:nvSpPr>
+        <p:spPr>
+          <a:xfrm>
+            <a:off x="92765" y="82696"/>
+            <a:ext cx="4403432" cy="372120"/>
+          </a:xfrm>
+          <a:prstGeom prst="rect">
+            <a:avLst/>
+          </a:prstGeom>
+          <a:ln>
+            <a:noFill/>
+          </a:ln>
+        </p:spPr>
+        <p:txBody>
+          <a:bodyPr vert="horz" lIns="91440" tIns="45720" rIns="91440" bIns="45720" rtlCol="0">
+            <a:normAutofit/>
+          </a:bodyPr>
+          <a:lstStyle>
+            <a:lvl1pPr marL="171450" indent="-171450" algn="l" defTabSz="685800" rtl="0" eaLnBrk="1" latinLnBrk="0" hangingPunct="1">
+              <a:lnSpc>
+                <a:spcPct val="90000"/>
+              </a:lnSpc>
+              <a:spcBef>
+                <a:spcPts val="750"/>
+              </a:spcBef>
+              <a:buFont typeface="Arial" panose="020B0604020202020204" pitchFamily="34" charset="0"/>
+              <a:buChar char="•"/>
+              <a:defRPr sz="2100" kern="1200">
+                <a:solidFill>
+                  <a:schemeClr val="tx1"/>
+                </a:solidFill>
+                <a:latin typeface="+mn-lt"/>
+                <a:ea typeface="+mn-ea"/>
+                <a:cs typeface="+mn-cs"/>
+              </a:defRPr>
+            </a:lvl1pPr>
+            <a:lvl2pPr marL="514350" indent="-171450" algn="l" defTabSz="685800" rtl="0" eaLnBrk="1" latinLnBrk="0" hangingPunct="1">
+              <a:lnSpc>
+                <a:spcPct val="90000"/>
+              </a:lnSpc>
+              <a:spcBef>
+                <a:spcPts val="375"/>
+              </a:spcBef>
+              <a:buFont typeface="Arial" panose="020B0604020202020204" pitchFamily="34" charset="0"/>
+              <a:buChar char="•"/>
+              <a:defRPr sz="1800" kern="1200">
+                <a:solidFill>
+                  <a:schemeClr val="tx1"/>
+                </a:solidFill>
+                <a:latin typeface="+mn-lt"/>
+                <a:ea typeface="+mn-ea"/>
+                <a:cs typeface="+mn-cs"/>
+              </a:defRPr>
+            </a:lvl2pPr>
+            <a:lvl3pPr marL="857250" indent="-171450" algn="l" defTabSz="685800" rtl="0" eaLnBrk="1" latinLnBrk="0" hangingPunct="1">
+              <a:lnSpc>
+                <a:spcPct val="90000"/>
+              </a:lnSpc>
+              <a:spcBef>
+                <a:spcPts val="375"/>
+              </a:spcBef>
+              <a:buFont typeface="Arial" panose="020B0604020202020204" pitchFamily="34" charset="0"/>
+              <a:buChar char="•"/>
+              <a:defRPr sz="1500" kern="1200">
+                <a:solidFill>
+                  <a:schemeClr val="tx1"/>
+                </a:solidFill>
+                <a:latin typeface="+mn-lt"/>
+                <a:ea typeface="+mn-ea"/>
+                <a:cs typeface="+mn-cs"/>
+              </a:defRPr>
+            </a:lvl3pPr>
+            <a:lvl4pPr marL="1200150" indent="-171450" algn="l" defTabSz="685800" rtl="0" eaLnBrk="1" latinLnBrk="0" hangingPunct="1">
+              <a:lnSpc>
+                <a:spcPct val="90000"/>
+              </a:lnSpc>
+              <a:spcBef>
+                <a:spcPts val="375"/>
+              </a:spcBef>
+              <a:buFont typeface="Arial" panose="020B0604020202020204" pitchFamily="34" charset="0"/>
+              <a:buChar char="•"/>
+              <a:defRPr sz="1350" kern="1200">
+                <a:solidFill>
+                  <a:schemeClr val="tx1"/>
+                </a:solidFill>
+                <a:latin typeface="+mn-lt"/>
+                <a:ea typeface="+mn-ea"/>
+                <a:cs typeface="+mn-cs"/>
+              </a:defRPr>
+            </a:lvl4pPr>
+            <a:lvl5pPr marL="1543050" indent="-171450" algn="l" defTabSz="685800" rtl="0" eaLnBrk="1" latinLnBrk="0" hangingPunct="1">
+              <a:lnSpc>
+                <a:spcPct val="90000"/>
+              </a:lnSpc>
+              <a:spcBef>
+                <a:spcPts val="375"/>
+              </a:spcBef>
+              <a:buFont typeface="Arial" panose="020B0604020202020204" pitchFamily="34" charset="0"/>
+              <a:buChar char="•"/>
+              <a:defRPr sz="1350" kern="1200">
+                <a:solidFill>
+                  <a:schemeClr val="tx1"/>
+                </a:solidFill>
+                <a:latin typeface="+mn-lt"/>
+                <a:ea typeface="+mn-ea"/>
+                <a:cs typeface="+mn-cs"/>
+              </a:defRPr>
+            </a:lvl5pPr>
+            <a:lvl6pPr marL="1885950" indent="-171450" algn="l" defTabSz="685800" rtl="0" eaLnBrk="1" latinLnBrk="0" hangingPunct="1">
+              <a:lnSpc>
+                <a:spcPct val="90000"/>
+              </a:lnSpc>
+              <a:spcBef>
+                <a:spcPts val="375"/>
+              </a:spcBef>
+              <a:buFont typeface="Arial" panose="020B0604020202020204" pitchFamily="34" charset="0"/>
+              <a:buChar char="•"/>
+              <a:defRPr sz="1350" kern="1200">
+                <a:solidFill>
+                  <a:schemeClr val="tx1"/>
+                </a:solidFill>
+                <a:latin typeface="+mn-lt"/>
+                <a:ea typeface="+mn-ea"/>
+                <a:cs typeface="+mn-cs"/>
+              </a:defRPr>
+            </a:lvl6pPr>
+            <a:lvl7pPr marL="2228850" indent="-171450" algn="l" defTabSz="685800" rtl="0" eaLnBrk="1" latinLnBrk="0" hangingPunct="1">
+              <a:lnSpc>
+                <a:spcPct val="90000"/>
+              </a:lnSpc>
+              <a:spcBef>
+                <a:spcPts val="375"/>
+              </a:spcBef>
+              <a:buFont typeface="Arial" panose="020B0604020202020204" pitchFamily="34" charset="0"/>
+              <a:buChar char="•"/>
+              <a:defRPr sz="1350" kern="1200">
+                <a:solidFill>
+                  <a:schemeClr val="tx1"/>
+                </a:solidFill>
+                <a:latin typeface="+mn-lt"/>
+                <a:ea typeface="+mn-ea"/>
+                <a:cs typeface="+mn-cs"/>
+              </a:defRPr>
+            </a:lvl7pPr>
+            <a:lvl8pPr marL="2571750" indent="-171450" algn="l" defTabSz="685800" rtl="0" eaLnBrk="1" latinLnBrk="0" hangingPunct="1">
+              <a:lnSpc>
+                <a:spcPct val="90000"/>
+              </a:lnSpc>
+              <a:spcBef>
+                <a:spcPts val="375"/>
+              </a:spcBef>
+              <a:buFont typeface="Arial" panose="020B0604020202020204" pitchFamily="34" charset="0"/>
+              <a:buChar char="•"/>
+              <a:defRPr sz="1350" kern="1200">
+                <a:solidFill>
+                  <a:schemeClr val="tx1"/>
+                </a:solidFill>
+                <a:latin typeface="+mn-lt"/>
+                <a:ea typeface="+mn-ea"/>
+                <a:cs typeface="+mn-cs"/>
+              </a:defRPr>
+            </a:lvl8pPr>
+            <a:lvl9pPr marL="2914650" indent="-171450" algn="l" defTabSz="685800" rtl="0" eaLnBrk="1" latinLnBrk="0" hangingPunct="1">
+              <a:lnSpc>
+                <a:spcPct val="90000"/>
+              </a:lnSpc>
+              <a:spcBef>
+                <a:spcPts val="375"/>
+              </a:spcBef>
+              <a:buFont typeface="Arial" panose="020B0604020202020204" pitchFamily="34" charset="0"/>
+              <a:buChar char="•"/>
+              <a:defRPr sz="1350" kern="1200">
+                <a:solidFill>
+                  <a:schemeClr val="tx1"/>
+                </a:solidFill>
+                <a:latin typeface="+mn-lt"/>
+                <a:ea typeface="+mn-ea"/>
+                <a:cs typeface="+mn-cs"/>
+              </a:defRPr>
+            </a:lvl9pPr>
+          </a:lstStyle>
+          <a:p>
+            <a:pPr marL="0" indent="0">
+              <a:buNone/>
+            </a:pPr>
+            <a:r>
+              <a:rPr lang="en-US" sz="1600" b="1" dirty="0" err="1"/>
+              <a:t>Podroben</a:t>
+            </a:r>
+            <a:r>
+              <a:rPr lang="en-US" sz="1600" b="1" dirty="0"/>
+              <a:t> </a:t>
+            </a:r>
+            <a:r>
+              <a:rPr lang="en-US" sz="1600" b="1" dirty="0" err="1"/>
+              <a:t>opis</a:t>
+            </a:r>
+            <a:r>
+              <a:rPr lang="en-US" sz="1600" b="1" dirty="0"/>
+              <a:t> </a:t>
+            </a:r>
+            <a:r>
+              <a:rPr lang="en-US" sz="1600" b="1" dirty="0" err="1"/>
+              <a:t>ciljev</a:t>
+            </a:r>
+            <a:r>
+              <a:rPr lang="en-US" sz="1600" b="1" dirty="0"/>
+              <a:t> in </a:t>
+            </a:r>
+            <a:r>
+              <a:rPr lang="en-US" sz="1600" b="1" dirty="0" err="1"/>
+              <a:t>metod</a:t>
+            </a:r>
+            <a:endParaRPr lang="en-US" sz="1600" b="1" dirty="0"/>
+          </a:p>
+        </p:txBody>
+      </p:sp>
+      <p:sp>
+        <p:nvSpPr>
+          <p:cNvPr id="11" name="Content Placeholder 11">
+            <a:extLst>
+              <a:ext uri="{FF2B5EF4-FFF2-40B4-BE49-F238E27FC236}">
+                <a16:creationId xmlns:a16="http://schemas.microsoft.com/office/drawing/2014/main" id="{7B9F5A0B-66B3-574B-8ADF-47E9BEA982E5}"/>
+              </a:ext>
+            </a:extLst>
+          </p:cNvPr>
+          <p:cNvSpPr txBox="1">
+            <a:spLocks/>
+          </p:cNvSpPr>
+          <p:nvPr/>
+        </p:nvSpPr>
+        <p:spPr>
+          <a:xfrm>
+            <a:off x="4572000" y="720327"/>
+            <a:ext cx="4436828" cy="3040640"/>
+          </a:xfrm>
+          <a:prstGeom prst="rect">
+            <a:avLst/>
+          </a:prstGeom>
+        </p:spPr>
+        <p:txBody>
+          <a:bodyPr/>
+          <a:lstStyle>
+            <a:lvl1pPr marL="171450" indent="-171450" algn="l" defTabSz="685800" rtl="0" eaLnBrk="1" latinLnBrk="0" hangingPunct="1">
+              <a:lnSpc>
+                <a:spcPct val="90000"/>
+              </a:lnSpc>
+              <a:spcBef>
+                <a:spcPts val="750"/>
+              </a:spcBef>
+              <a:buFont typeface="Arial" panose="020B0604020202020204" pitchFamily="34" charset="0"/>
+              <a:buChar char="•"/>
+              <a:defRPr sz="2100" kern="1200">
+                <a:solidFill>
+                  <a:schemeClr val="tx1"/>
+                </a:solidFill>
+                <a:latin typeface="+mn-lt"/>
+                <a:ea typeface="+mn-ea"/>
+                <a:cs typeface="+mn-cs"/>
+              </a:defRPr>
+            </a:lvl1pPr>
+            <a:lvl2pPr marL="514350" indent="-171450" algn="l" defTabSz="685800" rtl="0" eaLnBrk="1" latinLnBrk="0" hangingPunct="1">
+              <a:lnSpc>
+                <a:spcPct val="90000"/>
+              </a:lnSpc>
+              <a:spcBef>
+                <a:spcPts val="375"/>
+              </a:spcBef>
+              <a:buFont typeface="Arial" panose="020B0604020202020204" pitchFamily="34" charset="0"/>
+              <a:buChar char="•"/>
+              <a:defRPr sz="1800" kern="1200">
+                <a:solidFill>
+                  <a:schemeClr val="tx1"/>
+                </a:solidFill>
+                <a:latin typeface="+mn-lt"/>
+                <a:ea typeface="+mn-ea"/>
+                <a:cs typeface="+mn-cs"/>
+              </a:defRPr>
+            </a:lvl2pPr>
+            <a:lvl3pPr marL="857250" indent="-171450" algn="l" defTabSz="685800" rtl="0" eaLnBrk="1" latinLnBrk="0" hangingPunct="1">
+              <a:lnSpc>
+                <a:spcPct val="90000"/>
+              </a:lnSpc>
+              <a:spcBef>
+                <a:spcPts val="375"/>
+              </a:spcBef>
+              <a:buFont typeface="Arial" panose="020B0604020202020204" pitchFamily="34" charset="0"/>
+              <a:buChar char="•"/>
+              <a:defRPr sz="1500" kern="1200">
+                <a:solidFill>
+                  <a:schemeClr val="tx1"/>
+                </a:solidFill>
+                <a:latin typeface="+mn-lt"/>
+                <a:ea typeface="+mn-ea"/>
+                <a:cs typeface="+mn-cs"/>
+              </a:defRPr>
+            </a:lvl3pPr>
+            <a:lvl4pPr marL="1200150" indent="-171450" algn="l" defTabSz="685800" rtl="0" eaLnBrk="1" latinLnBrk="0" hangingPunct="1">
+              <a:lnSpc>
+                <a:spcPct val="90000"/>
+              </a:lnSpc>
+              <a:spcBef>
+                <a:spcPts val="375"/>
+              </a:spcBef>
+              <a:buFont typeface="Arial" panose="020B0604020202020204" pitchFamily="34" charset="0"/>
+              <a:buChar char="•"/>
+              <a:defRPr sz="1350" kern="1200">
+                <a:solidFill>
+                  <a:schemeClr val="tx1"/>
+                </a:solidFill>
+                <a:latin typeface="+mn-lt"/>
+                <a:ea typeface="+mn-ea"/>
+                <a:cs typeface="+mn-cs"/>
+              </a:defRPr>
+            </a:lvl4pPr>
+            <a:lvl5pPr marL="1543050" indent="-171450" algn="l" defTabSz="685800" rtl="0" eaLnBrk="1" latinLnBrk="0" hangingPunct="1">
+              <a:lnSpc>
+                <a:spcPct val="90000"/>
+              </a:lnSpc>
+              <a:spcBef>
+                <a:spcPts val="375"/>
+              </a:spcBef>
+              <a:buFont typeface="Arial" panose="020B0604020202020204" pitchFamily="34" charset="0"/>
+              <a:buChar char="•"/>
+              <a:defRPr sz="1350" kern="1200">
+                <a:solidFill>
+                  <a:schemeClr val="tx1"/>
+                </a:solidFill>
+                <a:latin typeface="+mn-lt"/>
+                <a:ea typeface="+mn-ea"/>
+                <a:cs typeface="+mn-cs"/>
+              </a:defRPr>
+            </a:lvl5pPr>
+            <a:lvl6pPr marL="1885950" indent="-171450" algn="l" defTabSz="685800" rtl="0" eaLnBrk="1" latinLnBrk="0" hangingPunct="1">
+              <a:lnSpc>
+                <a:spcPct val="90000"/>
+              </a:lnSpc>
+              <a:spcBef>
+                <a:spcPts val="375"/>
+              </a:spcBef>
+              <a:buFont typeface="Arial" panose="020B0604020202020204" pitchFamily="34" charset="0"/>
+              <a:buChar char="•"/>
+              <a:defRPr sz="1350" kern="1200">
+                <a:solidFill>
+                  <a:schemeClr val="tx1"/>
+                </a:solidFill>
+                <a:latin typeface="+mn-lt"/>
+                <a:ea typeface="+mn-ea"/>
+                <a:cs typeface="+mn-cs"/>
+              </a:defRPr>
+            </a:lvl6pPr>
+            <a:lvl7pPr marL="2228850" indent="-171450" algn="l" defTabSz="685800" rtl="0" eaLnBrk="1" latinLnBrk="0" hangingPunct="1">
+              <a:lnSpc>
+                <a:spcPct val="90000"/>
+              </a:lnSpc>
+              <a:spcBef>
+                <a:spcPts val="375"/>
+              </a:spcBef>
+              <a:buFont typeface="Arial" panose="020B0604020202020204" pitchFamily="34" charset="0"/>
+              <a:buChar char="•"/>
+              <a:defRPr sz="1350" kern="1200">
+                <a:solidFill>
+                  <a:schemeClr val="tx1"/>
+                </a:solidFill>
+                <a:latin typeface="+mn-lt"/>
+                <a:ea typeface="+mn-ea"/>
+                <a:cs typeface="+mn-cs"/>
+              </a:defRPr>
+            </a:lvl7pPr>
+            <a:lvl8pPr marL="2571750" indent="-171450" algn="l" defTabSz="685800" rtl="0" eaLnBrk="1" latinLnBrk="0" hangingPunct="1">
+              <a:lnSpc>
+                <a:spcPct val="90000"/>
+              </a:lnSpc>
+              <a:spcBef>
+                <a:spcPts val="375"/>
+              </a:spcBef>
+              <a:buFont typeface="Arial" panose="020B0604020202020204" pitchFamily="34" charset="0"/>
+              <a:buChar char="•"/>
+              <a:defRPr sz="1350" kern="1200">
+                <a:solidFill>
+                  <a:schemeClr val="tx1"/>
+                </a:solidFill>
+                <a:latin typeface="+mn-lt"/>
+                <a:ea typeface="+mn-ea"/>
+                <a:cs typeface="+mn-cs"/>
+              </a:defRPr>
+            </a:lvl8pPr>
+            <a:lvl9pPr marL="2914650" indent="-171450" algn="l" defTabSz="685800" rtl="0" eaLnBrk="1" latinLnBrk="0" hangingPunct="1">
+              <a:lnSpc>
+                <a:spcPct val="90000"/>
+              </a:lnSpc>
+              <a:spcBef>
+                <a:spcPts val="375"/>
+              </a:spcBef>
+              <a:buFont typeface="Arial" panose="020B0604020202020204" pitchFamily="34" charset="0"/>
+              <a:buChar char="•"/>
+              <a:defRPr sz="1350" kern="1200">
+                <a:solidFill>
+                  <a:schemeClr val="tx1"/>
+                </a:solidFill>
+                <a:latin typeface="+mn-lt"/>
+                <a:ea typeface="+mn-ea"/>
+                <a:cs typeface="+mn-cs"/>
+              </a:defRPr>
+            </a:lvl9pPr>
+          </a:lstStyle>
+          <a:p>
+            <a:pPr marL="0" indent="0">
+              <a:buFont typeface="Arial" panose="020B0604020202020204" pitchFamily="34" charset="0"/>
+              <a:buNone/>
+            </a:pPr>
+            <a:endParaRPr lang="en-US" sz="1600" dirty="0"/>
+          </a:p>
+        </p:txBody>
+      </p:sp>
+      <p:sp>
+        <p:nvSpPr>
+          <p:cNvPr id="19" name="Content Placeholder 2">
+            <a:extLst>
+              <a:ext uri="{FF2B5EF4-FFF2-40B4-BE49-F238E27FC236}">
+                <a16:creationId xmlns:a16="http://schemas.microsoft.com/office/drawing/2014/main" id="{990225E6-F674-D74E-9E6E-25DF3C6A53B1}"/>
+              </a:ext>
+            </a:extLst>
+          </p:cNvPr>
+          <p:cNvSpPr txBox="1">
+            <a:spLocks/>
+          </p:cNvSpPr>
+          <p:nvPr/>
+        </p:nvSpPr>
+        <p:spPr>
+          <a:xfrm>
+            <a:off x="4588962" y="82696"/>
+            <a:ext cx="4462272" cy="372120"/>
+          </a:xfrm>
+          <a:prstGeom prst="rect">
+            <a:avLst/>
+          </a:prstGeom>
+          <a:ln>
+            <a:noFill/>
+          </a:ln>
+        </p:spPr>
+        <p:txBody>
+          <a:bodyPr vert="horz" lIns="91440" tIns="45720" rIns="91440" bIns="45720" rtlCol="0">
+            <a:normAutofit/>
+          </a:bodyPr>
+          <a:lstStyle>
+            <a:lvl1pPr marL="171450" indent="-171450" algn="l" defTabSz="685800" rtl="0" eaLnBrk="1" latinLnBrk="0" hangingPunct="1">
+              <a:lnSpc>
+                <a:spcPct val="90000"/>
+              </a:lnSpc>
+              <a:spcBef>
+                <a:spcPts val="750"/>
+              </a:spcBef>
+              <a:buFont typeface="Arial" panose="020B0604020202020204" pitchFamily="34" charset="0"/>
+              <a:buChar char="•"/>
+              <a:defRPr sz="2100" kern="1200">
+                <a:solidFill>
+                  <a:schemeClr val="tx1"/>
+                </a:solidFill>
+                <a:latin typeface="+mn-lt"/>
+                <a:ea typeface="+mn-ea"/>
+                <a:cs typeface="+mn-cs"/>
+              </a:defRPr>
+            </a:lvl1pPr>
+            <a:lvl2pPr marL="514350" indent="-171450" algn="l" defTabSz="685800" rtl="0" eaLnBrk="1" latinLnBrk="0" hangingPunct="1">
+              <a:lnSpc>
+                <a:spcPct val="90000"/>
+              </a:lnSpc>
+              <a:spcBef>
+                <a:spcPts val="375"/>
+              </a:spcBef>
+              <a:buFont typeface="Arial" panose="020B0604020202020204" pitchFamily="34" charset="0"/>
+              <a:buChar char="•"/>
+              <a:defRPr sz="1800" kern="1200">
+                <a:solidFill>
+                  <a:schemeClr val="tx1"/>
+                </a:solidFill>
+                <a:latin typeface="+mn-lt"/>
+                <a:ea typeface="+mn-ea"/>
+                <a:cs typeface="+mn-cs"/>
+              </a:defRPr>
+            </a:lvl2pPr>
+            <a:lvl3pPr marL="857250" indent="-171450" algn="l" defTabSz="685800" rtl="0" eaLnBrk="1" latinLnBrk="0" hangingPunct="1">
+              <a:lnSpc>
+                <a:spcPct val="90000"/>
+              </a:lnSpc>
+              <a:spcBef>
+                <a:spcPts val="375"/>
+              </a:spcBef>
+              <a:buFont typeface="Arial" panose="020B0604020202020204" pitchFamily="34" charset="0"/>
+              <a:buChar char="•"/>
+              <a:defRPr sz="1500" kern="1200">
+                <a:solidFill>
+                  <a:schemeClr val="tx1"/>
+                </a:solidFill>
+                <a:latin typeface="+mn-lt"/>
+                <a:ea typeface="+mn-ea"/>
+                <a:cs typeface="+mn-cs"/>
+              </a:defRPr>
+            </a:lvl3pPr>
+            <a:lvl4pPr marL="1200150" indent="-171450" algn="l" defTabSz="685800" rtl="0" eaLnBrk="1" latinLnBrk="0" hangingPunct="1">
+              <a:lnSpc>
+                <a:spcPct val="90000"/>
+              </a:lnSpc>
+              <a:spcBef>
+                <a:spcPts val="375"/>
+              </a:spcBef>
+              <a:buFont typeface="Arial" panose="020B0604020202020204" pitchFamily="34" charset="0"/>
+              <a:buChar char="•"/>
+              <a:defRPr sz="1350" kern="1200">
+                <a:solidFill>
+                  <a:schemeClr val="tx1"/>
+                </a:solidFill>
+                <a:latin typeface="+mn-lt"/>
+                <a:ea typeface="+mn-ea"/>
+                <a:cs typeface="+mn-cs"/>
+              </a:defRPr>
+            </a:lvl4pPr>
+            <a:lvl5pPr marL="1543050" indent="-171450" algn="l" defTabSz="685800" rtl="0" eaLnBrk="1" latinLnBrk="0" hangingPunct="1">
+              <a:lnSpc>
+                <a:spcPct val="90000"/>
+              </a:lnSpc>
+              <a:spcBef>
+                <a:spcPts val="375"/>
+              </a:spcBef>
+              <a:buFont typeface="Arial" panose="020B0604020202020204" pitchFamily="34" charset="0"/>
+              <a:buChar char="•"/>
+              <a:defRPr sz="1350" kern="1200">
+                <a:solidFill>
+                  <a:schemeClr val="tx1"/>
+                </a:solidFill>
+                <a:latin typeface="+mn-lt"/>
+                <a:ea typeface="+mn-ea"/>
+                <a:cs typeface="+mn-cs"/>
+              </a:defRPr>
+            </a:lvl5pPr>
+            <a:lvl6pPr marL="1885950" indent="-171450" algn="l" defTabSz="685800" rtl="0" eaLnBrk="1" latinLnBrk="0" hangingPunct="1">
+              <a:lnSpc>
+                <a:spcPct val="90000"/>
+              </a:lnSpc>
+              <a:spcBef>
+                <a:spcPts val="375"/>
+              </a:spcBef>
+              <a:buFont typeface="Arial" panose="020B0604020202020204" pitchFamily="34" charset="0"/>
+              <a:buChar char="•"/>
+              <a:defRPr sz="1350" kern="1200">
+                <a:solidFill>
+                  <a:schemeClr val="tx1"/>
+                </a:solidFill>
+                <a:latin typeface="+mn-lt"/>
+                <a:ea typeface="+mn-ea"/>
+                <a:cs typeface="+mn-cs"/>
+              </a:defRPr>
+            </a:lvl6pPr>
+            <a:lvl7pPr marL="2228850" indent="-171450" algn="l" defTabSz="685800" rtl="0" eaLnBrk="1" latinLnBrk="0" hangingPunct="1">
+              <a:lnSpc>
+                <a:spcPct val="90000"/>
+              </a:lnSpc>
+              <a:spcBef>
+                <a:spcPts val="375"/>
+              </a:spcBef>
+              <a:buFont typeface="Arial" panose="020B0604020202020204" pitchFamily="34" charset="0"/>
+              <a:buChar char="•"/>
+              <a:defRPr sz="1350" kern="1200">
+                <a:solidFill>
+                  <a:schemeClr val="tx1"/>
+                </a:solidFill>
+                <a:latin typeface="+mn-lt"/>
+                <a:ea typeface="+mn-ea"/>
+                <a:cs typeface="+mn-cs"/>
+              </a:defRPr>
+            </a:lvl7pPr>
+            <a:lvl8pPr marL="2571750" indent="-171450" algn="l" defTabSz="685800" rtl="0" eaLnBrk="1" latinLnBrk="0" hangingPunct="1">
+              <a:lnSpc>
+                <a:spcPct val="90000"/>
+              </a:lnSpc>
+              <a:spcBef>
+                <a:spcPts val="375"/>
+              </a:spcBef>
+              <a:buFont typeface="Arial" panose="020B0604020202020204" pitchFamily="34" charset="0"/>
+              <a:buChar char="•"/>
+              <a:defRPr sz="1350" kern="1200">
+                <a:solidFill>
+                  <a:schemeClr val="tx1"/>
+                </a:solidFill>
+                <a:latin typeface="+mn-lt"/>
+                <a:ea typeface="+mn-ea"/>
+                <a:cs typeface="+mn-cs"/>
+              </a:defRPr>
+            </a:lvl8pPr>
+            <a:lvl9pPr marL="2914650" indent="-171450" algn="l" defTabSz="685800" rtl="0" eaLnBrk="1" latinLnBrk="0" hangingPunct="1">
+              <a:lnSpc>
+                <a:spcPct val="90000"/>
+              </a:lnSpc>
+              <a:spcBef>
+                <a:spcPts val="375"/>
+              </a:spcBef>
+              <a:buFont typeface="Arial" panose="020B0604020202020204" pitchFamily="34" charset="0"/>
+              <a:buChar char="•"/>
+              <a:defRPr sz="1350" kern="1200">
+                <a:solidFill>
+                  <a:schemeClr val="tx1"/>
+                </a:solidFill>
+                <a:latin typeface="+mn-lt"/>
+                <a:ea typeface="+mn-ea"/>
+                <a:cs typeface="+mn-cs"/>
+              </a:defRPr>
+            </a:lvl9pPr>
+          </a:lstStyle>
+          <a:p>
+            <a:pPr marL="0" indent="0">
+              <a:buFont typeface="Arial" panose="020B0604020202020204" pitchFamily="34" charset="0"/>
+              <a:buNone/>
+            </a:pPr>
+            <a:r>
+              <a:rPr lang="en-US" sz="1600" b="1" dirty="0" err="1"/>
+              <a:t>Rezultati</a:t>
+            </a:r>
+            <a:r>
+              <a:rPr lang="en-US" sz="1600" b="1" dirty="0"/>
+              <a:t>/</a:t>
+            </a:r>
+            <a:r>
+              <a:rPr lang="en-US" sz="1600" b="1" dirty="0" err="1"/>
+              <a:t>dosedanje</a:t>
+            </a:r>
+            <a:r>
+              <a:rPr lang="en-US" sz="1600" b="1" dirty="0"/>
+              <a:t> </a:t>
+            </a:r>
+            <a:r>
+              <a:rPr lang="en-US" sz="1600" b="1" dirty="0" err="1"/>
+              <a:t>ugotovitve</a:t>
+            </a:r>
+            <a:r>
+              <a:rPr lang="en-US" sz="1600" b="1" dirty="0"/>
+              <a:t>/</a:t>
+            </a:r>
+            <a:r>
+              <a:rPr lang="en-US" sz="1600" b="1" dirty="0" err="1"/>
+              <a:t>odprta</a:t>
+            </a:r>
+            <a:r>
+              <a:rPr lang="en-US" sz="1600" b="1" dirty="0"/>
+              <a:t> </a:t>
+            </a:r>
+            <a:r>
+              <a:rPr lang="en-US" sz="1600" b="1" dirty="0" err="1"/>
+              <a:t>vprašanja</a:t>
+            </a:r>
+            <a:endParaRPr lang="en-US" sz="1600" b="1" dirty="0"/>
+          </a:p>
+        </p:txBody>
+      </p:sp>
+      <p:sp>
+        <p:nvSpPr>
+          <p:cNvPr id="12" name="Date Placeholder 11">
+            <a:extLst>
+              <a:ext uri="{FF2B5EF4-FFF2-40B4-BE49-F238E27FC236}">
+                <a16:creationId xmlns:a16="http://schemas.microsoft.com/office/drawing/2014/main" id="{482387C3-9A8A-9A47-8F63-FDB8F168E7F2}"/>
               </a:ext>
             </a:extLst>
           </p:cNvPr>
@@ -6721,10 +8065,10 @@
       </p:sp>
       <p:sp>
         <p:nvSpPr>
-          <p:cNvPr id="9" name="Footer Placeholder 12">
+          <p:cNvPr id="13" name="Footer Placeholder 12">
             <a:extLst>
               <a:ext uri="{FF2B5EF4-FFF2-40B4-BE49-F238E27FC236}">
-                <a16:creationId xmlns:a16="http://schemas.microsoft.com/office/drawing/2014/main" id="{1E484604-5097-374A-BB61-C5B3CD4C807B}"/>
+                <a16:creationId xmlns:a16="http://schemas.microsoft.com/office/drawing/2014/main" id="{ED533418-37C8-B143-91FA-663B1D494022}"/>
               </a:ext>
             </a:extLst>
           </p:cNvPr>
@@ -6765,10 +8109,5137 @@
           </a:p>
         </p:txBody>
       </p:sp>
+      <p:pic>
+        <p:nvPicPr>
+          <p:cNvPr id="4" name="Slika 3">
+            <a:extLst>
+              <a:ext uri="{FF2B5EF4-FFF2-40B4-BE49-F238E27FC236}">
+                <a16:creationId xmlns:a16="http://schemas.microsoft.com/office/drawing/2014/main" id="{FE94B155-BD43-C953-FD64-6E4F4BC00AEB}"/>
+              </a:ext>
+            </a:extLst>
+          </p:cNvPr>
+          <p:cNvPicPr>
+            <a:picLocks noChangeAspect="1"/>
+          </p:cNvPicPr>
+          <p:nvPr/>
+        </p:nvPicPr>
+        <p:blipFill>
+          <a:blip r:embed="rId3"/>
+          <a:stretch>
+            <a:fillRect/>
+          </a:stretch>
+        </p:blipFill>
+        <p:spPr>
+          <a:xfrm>
+            <a:off x="281813" y="1752145"/>
+            <a:ext cx="4025335" cy="2386102"/>
+          </a:xfrm>
+          <a:prstGeom prst="rect">
+            <a:avLst/>
+          </a:prstGeom>
+        </p:spPr>
+      </p:pic>
     </p:spTree>
     <p:extLst>
       <p:ext uri="{BB962C8B-B14F-4D97-AF65-F5344CB8AC3E}">
-        <p14:creationId xmlns:p14="http://schemas.microsoft.com/office/powerpoint/2010/main" val="3280023697"/>
+        <p14:creationId xmlns:p14="http://schemas.microsoft.com/office/powerpoint/2010/main" val="3539064323"/>
+      </p:ext>
+    </p:extLst>
+  </p:cSld>
+  <p:clrMapOvr>
+    <a:masterClrMapping/>
+  </p:clrMapOvr>
+</p:sld>
+</file>
+
+<file path=ppt/slides/slide5.xml><?xml version="1.0" encoding="utf-8"?>
+<p:sld xmlns:a="http://schemas.openxmlformats.org/drawingml/2006/main" xmlns:r="http://schemas.openxmlformats.org/officeDocument/2006/relationships" xmlns:p="http://schemas.openxmlformats.org/presentationml/2006/main">
+  <p:cSld>
+    <p:spTree>
+      <p:nvGrpSpPr>
+        <p:cNvPr id="1" name=""/>
+        <p:cNvGrpSpPr/>
+        <p:nvPr/>
+      </p:nvGrpSpPr>
+      <p:grpSpPr>
+        <a:xfrm>
+          <a:off x="0" y="0"/>
+          <a:ext cx="0" cy="0"/>
+          <a:chOff x="0" y="0"/>
+          <a:chExt cx="0" cy="0"/>
+        </a:xfrm>
+      </p:grpSpPr>
+      <p:sp>
+        <p:nvSpPr>
+          <p:cNvPr id="3" name="Content Placeholder 2">
+            <a:extLst>
+              <a:ext uri="{FF2B5EF4-FFF2-40B4-BE49-F238E27FC236}">
+                <a16:creationId xmlns:a16="http://schemas.microsoft.com/office/drawing/2014/main" id="{9D9094EB-9AF8-C443-A38F-2140C80C75A0}"/>
+              </a:ext>
+            </a:extLst>
+          </p:cNvPr>
+          <p:cNvSpPr>
+            <a:spLocks noGrp="1"/>
+          </p:cNvSpPr>
+          <p:nvPr>
+            <p:ph sz="half" idx="1"/>
+          </p:nvPr>
+        </p:nvSpPr>
+        <p:spPr>
+          <a:xfrm>
+            <a:off x="92765" y="589356"/>
+            <a:ext cx="4403432" cy="4177907"/>
+          </a:xfrm>
+          <a:ln>
+            <a:solidFill>
+              <a:schemeClr val="tx1"/>
+            </a:solidFill>
+          </a:ln>
+        </p:spPr>
+        <p:txBody>
+          <a:bodyPr>
+            <a:normAutofit/>
+          </a:bodyPr>
+          <a:lstStyle/>
+          <a:p>
+            <a:pPr marL="0" indent="0">
+              <a:buNone/>
+            </a:pPr>
+            <a:r>
+              <a:rPr lang="sl-SI" sz="1600" b="1" dirty="0"/>
+              <a:t>Cilj4: </a:t>
+            </a:r>
+            <a:r>
+              <a:rPr lang="sl-SI" sz="1600" dirty="0"/>
+              <a:t>Kateri modeli letal so najbolj izpostavljena nesrečam?</a:t>
+            </a:r>
+          </a:p>
+          <a:p>
+            <a:r>
+              <a:rPr lang="sl-SI" sz="1600" dirty="0"/>
+              <a:t>Prešteli smo nesreče za posamezen model in narisali graf za top 10</a:t>
+            </a:r>
+          </a:p>
+          <a:p>
+            <a:pPr marL="0" indent="0">
+              <a:buNone/>
+            </a:pPr>
+            <a:endParaRPr lang="sl-SI" sz="1600" b="1" dirty="0"/>
+          </a:p>
+        </p:txBody>
+      </p:sp>
+      <p:sp>
+        <p:nvSpPr>
+          <p:cNvPr id="18" name="Content Placeholder 17">
+            <a:extLst>
+              <a:ext uri="{FF2B5EF4-FFF2-40B4-BE49-F238E27FC236}">
+                <a16:creationId xmlns:a16="http://schemas.microsoft.com/office/drawing/2014/main" id="{BFC9798E-C22A-6049-8D8E-80BEDDEA70AA}"/>
+              </a:ext>
+            </a:extLst>
+          </p:cNvPr>
+          <p:cNvSpPr>
+            <a:spLocks noGrp="1"/>
+          </p:cNvSpPr>
+          <p:nvPr>
+            <p:ph sz="half" idx="2"/>
+          </p:nvPr>
+        </p:nvSpPr>
+        <p:spPr>
+          <a:xfrm>
+            <a:off x="4588962" y="589356"/>
+            <a:ext cx="4462272" cy="4177907"/>
+          </a:xfrm>
+          <a:ln>
+            <a:solidFill>
+              <a:schemeClr val="tx1"/>
+            </a:solidFill>
+          </a:ln>
+        </p:spPr>
+        <p:txBody>
+          <a:bodyPr>
+            <a:normAutofit/>
+          </a:bodyPr>
+          <a:lstStyle/>
+          <a:p>
+            <a:r>
+              <a:rPr lang="sl-SI" sz="1600" dirty="0" err="1"/>
+              <a:t>Douglass</a:t>
+            </a:r>
+            <a:r>
+              <a:rPr lang="sl-SI" sz="1600" dirty="0"/>
+              <a:t> DC-3 (potniško letalo): s 334 nesrečami daleč najbolj pogosto vpleten v nesreče – dolga operativna dobe (več desetletij). Danes je operativnih 150 letal.</a:t>
+            </a:r>
+            <a:endParaRPr lang="en-US" sz="1600" dirty="0"/>
+          </a:p>
+        </p:txBody>
+      </p:sp>
+      <p:sp>
+        <p:nvSpPr>
+          <p:cNvPr id="7" name="Slide Number Placeholder 6">
+            <a:extLst>
+              <a:ext uri="{FF2B5EF4-FFF2-40B4-BE49-F238E27FC236}">
+                <a16:creationId xmlns:a16="http://schemas.microsoft.com/office/drawing/2014/main" id="{C24814E3-8963-334D-848C-E4EE0D7A5ECE}"/>
+              </a:ext>
+            </a:extLst>
+          </p:cNvPr>
+          <p:cNvSpPr>
+            <a:spLocks noGrp="1"/>
+          </p:cNvSpPr>
+          <p:nvPr>
+            <p:ph type="sldNum" sz="quarter" idx="12"/>
+          </p:nvPr>
+        </p:nvSpPr>
+        <p:spPr/>
+        <p:txBody>
+          <a:bodyPr/>
+          <a:lstStyle/>
+          <a:p>
+            <a:fld id="{03BC8BC1-971C-5C4D-898D-87CE7EF1EB36}" type="slidenum">
+              <a:rPr lang="en-US" smtClean="0"/>
+              <a:t>5</a:t>
+            </a:fld>
+            <a:endParaRPr lang="en-US"/>
+          </a:p>
+        </p:txBody>
+      </p:sp>
+      <p:sp>
+        <p:nvSpPr>
+          <p:cNvPr id="8" name="Content Placeholder 2">
+            <a:extLst>
+              <a:ext uri="{FF2B5EF4-FFF2-40B4-BE49-F238E27FC236}">
+                <a16:creationId xmlns:a16="http://schemas.microsoft.com/office/drawing/2014/main" id="{194343F5-9AFD-314A-B851-B4B16EF4AB6C}"/>
+              </a:ext>
+            </a:extLst>
+          </p:cNvPr>
+          <p:cNvSpPr txBox="1">
+            <a:spLocks/>
+          </p:cNvSpPr>
+          <p:nvPr/>
+        </p:nvSpPr>
+        <p:spPr>
+          <a:xfrm>
+            <a:off x="92765" y="82696"/>
+            <a:ext cx="4403432" cy="372120"/>
+          </a:xfrm>
+          <a:prstGeom prst="rect">
+            <a:avLst/>
+          </a:prstGeom>
+          <a:ln>
+            <a:noFill/>
+          </a:ln>
+        </p:spPr>
+        <p:txBody>
+          <a:bodyPr vert="horz" lIns="91440" tIns="45720" rIns="91440" bIns="45720" rtlCol="0">
+            <a:normAutofit/>
+          </a:bodyPr>
+          <a:lstStyle>
+            <a:lvl1pPr marL="171450" indent="-171450" algn="l" defTabSz="685800" rtl="0" eaLnBrk="1" latinLnBrk="0" hangingPunct="1">
+              <a:lnSpc>
+                <a:spcPct val="90000"/>
+              </a:lnSpc>
+              <a:spcBef>
+                <a:spcPts val="750"/>
+              </a:spcBef>
+              <a:buFont typeface="Arial" panose="020B0604020202020204" pitchFamily="34" charset="0"/>
+              <a:buChar char="•"/>
+              <a:defRPr sz="2100" kern="1200">
+                <a:solidFill>
+                  <a:schemeClr val="tx1"/>
+                </a:solidFill>
+                <a:latin typeface="+mn-lt"/>
+                <a:ea typeface="+mn-ea"/>
+                <a:cs typeface="+mn-cs"/>
+              </a:defRPr>
+            </a:lvl1pPr>
+            <a:lvl2pPr marL="514350" indent="-171450" algn="l" defTabSz="685800" rtl="0" eaLnBrk="1" latinLnBrk="0" hangingPunct="1">
+              <a:lnSpc>
+                <a:spcPct val="90000"/>
+              </a:lnSpc>
+              <a:spcBef>
+                <a:spcPts val="375"/>
+              </a:spcBef>
+              <a:buFont typeface="Arial" panose="020B0604020202020204" pitchFamily="34" charset="0"/>
+              <a:buChar char="•"/>
+              <a:defRPr sz="1800" kern="1200">
+                <a:solidFill>
+                  <a:schemeClr val="tx1"/>
+                </a:solidFill>
+                <a:latin typeface="+mn-lt"/>
+                <a:ea typeface="+mn-ea"/>
+                <a:cs typeface="+mn-cs"/>
+              </a:defRPr>
+            </a:lvl2pPr>
+            <a:lvl3pPr marL="857250" indent="-171450" algn="l" defTabSz="685800" rtl="0" eaLnBrk="1" latinLnBrk="0" hangingPunct="1">
+              <a:lnSpc>
+                <a:spcPct val="90000"/>
+              </a:lnSpc>
+              <a:spcBef>
+                <a:spcPts val="375"/>
+              </a:spcBef>
+              <a:buFont typeface="Arial" panose="020B0604020202020204" pitchFamily="34" charset="0"/>
+              <a:buChar char="•"/>
+              <a:defRPr sz="1500" kern="1200">
+                <a:solidFill>
+                  <a:schemeClr val="tx1"/>
+                </a:solidFill>
+                <a:latin typeface="+mn-lt"/>
+                <a:ea typeface="+mn-ea"/>
+                <a:cs typeface="+mn-cs"/>
+              </a:defRPr>
+            </a:lvl3pPr>
+            <a:lvl4pPr marL="1200150" indent="-171450" algn="l" defTabSz="685800" rtl="0" eaLnBrk="1" latinLnBrk="0" hangingPunct="1">
+              <a:lnSpc>
+                <a:spcPct val="90000"/>
+              </a:lnSpc>
+              <a:spcBef>
+                <a:spcPts val="375"/>
+              </a:spcBef>
+              <a:buFont typeface="Arial" panose="020B0604020202020204" pitchFamily="34" charset="0"/>
+              <a:buChar char="•"/>
+              <a:defRPr sz="1350" kern="1200">
+                <a:solidFill>
+                  <a:schemeClr val="tx1"/>
+                </a:solidFill>
+                <a:latin typeface="+mn-lt"/>
+                <a:ea typeface="+mn-ea"/>
+                <a:cs typeface="+mn-cs"/>
+              </a:defRPr>
+            </a:lvl4pPr>
+            <a:lvl5pPr marL="1543050" indent="-171450" algn="l" defTabSz="685800" rtl="0" eaLnBrk="1" latinLnBrk="0" hangingPunct="1">
+              <a:lnSpc>
+                <a:spcPct val="90000"/>
+              </a:lnSpc>
+              <a:spcBef>
+                <a:spcPts val="375"/>
+              </a:spcBef>
+              <a:buFont typeface="Arial" panose="020B0604020202020204" pitchFamily="34" charset="0"/>
+              <a:buChar char="•"/>
+              <a:defRPr sz="1350" kern="1200">
+                <a:solidFill>
+                  <a:schemeClr val="tx1"/>
+                </a:solidFill>
+                <a:latin typeface="+mn-lt"/>
+                <a:ea typeface="+mn-ea"/>
+                <a:cs typeface="+mn-cs"/>
+              </a:defRPr>
+            </a:lvl5pPr>
+            <a:lvl6pPr marL="1885950" indent="-171450" algn="l" defTabSz="685800" rtl="0" eaLnBrk="1" latinLnBrk="0" hangingPunct="1">
+              <a:lnSpc>
+                <a:spcPct val="90000"/>
+              </a:lnSpc>
+              <a:spcBef>
+                <a:spcPts val="375"/>
+              </a:spcBef>
+              <a:buFont typeface="Arial" panose="020B0604020202020204" pitchFamily="34" charset="0"/>
+              <a:buChar char="•"/>
+              <a:defRPr sz="1350" kern="1200">
+                <a:solidFill>
+                  <a:schemeClr val="tx1"/>
+                </a:solidFill>
+                <a:latin typeface="+mn-lt"/>
+                <a:ea typeface="+mn-ea"/>
+                <a:cs typeface="+mn-cs"/>
+              </a:defRPr>
+            </a:lvl6pPr>
+            <a:lvl7pPr marL="2228850" indent="-171450" algn="l" defTabSz="685800" rtl="0" eaLnBrk="1" latinLnBrk="0" hangingPunct="1">
+              <a:lnSpc>
+                <a:spcPct val="90000"/>
+              </a:lnSpc>
+              <a:spcBef>
+                <a:spcPts val="375"/>
+              </a:spcBef>
+              <a:buFont typeface="Arial" panose="020B0604020202020204" pitchFamily="34" charset="0"/>
+              <a:buChar char="•"/>
+              <a:defRPr sz="1350" kern="1200">
+                <a:solidFill>
+                  <a:schemeClr val="tx1"/>
+                </a:solidFill>
+                <a:latin typeface="+mn-lt"/>
+                <a:ea typeface="+mn-ea"/>
+                <a:cs typeface="+mn-cs"/>
+              </a:defRPr>
+            </a:lvl7pPr>
+            <a:lvl8pPr marL="2571750" indent="-171450" algn="l" defTabSz="685800" rtl="0" eaLnBrk="1" latinLnBrk="0" hangingPunct="1">
+              <a:lnSpc>
+                <a:spcPct val="90000"/>
+              </a:lnSpc>
+              <a:spcBef>
+                <a:spcPts val="375"/>
+              </a:spcBef>
+              <a:buFont typeface="Arial" panose="020B0604020202020204" pitchFamily="34" charset="0"/>
+              <a:buChar char="•"/>
+              <a:defRPr sz="1350" kern="1200">
+                <a:solidFill>
+                  <a:schemeClr val="tx1"/>
+                </a:solidFill>
+                <a:latin typeface="+mn-lt"/>
+                <a:ea typeface="+mn-ea"/>
+                <a:cs typeface="+mn-cs"/>
+              </a:defRPr>
+            </a:lvl8pPr>
+            <a:lvl9pPr marL="2914650" indent="-171450" algn="l" defTabSz="685800" rtl="0" eaLnBrk="1" latinLnBrk="0" hangingPunct="1">
+              <a:lnSpc>
+                <a:spcPct val="90000"/>
+              </a:lnSpc>
+              <a:spcBef>
+                <a:spcPts val="375"/>
+              </a:spcBef>
+              <a:buFont typeface="Arial" panose="020B0604020202020204" pitchFamily="34" charset="0"/>
+              <a:buChar char="•"/>
+              <a:defRPr sz="1350" kern="1200">
+                <a:solidFill>
+                  <a:schemeClr val="tx1"/>
+                </a:solidFill>
+                <a:latin typeface="+mn-lt"/>
+                <a:ea typeface="+mn-ea"/>
+                <a:cs typeface="+mn-cs"/>
+              </a:defRPr>
+            </a:lvl9pPr>
+          </a:lstStyle>
+          <a:p>
+            <a:pPr marL="0" indent="0">
+              <a:buNone/>
+            </a:pPr>
+            <a:r>
+              <a:rPr lang="en-US" sz="1600" b="1" dirty="0" err="1"/>
+              <a:t>Podroben</a:t>
+            </a:r>
+            <a:r>
+              <a:rPr lang="en-US" sz="1600" b="1" dirty="0"/>
+              <a:t> </a:t>
+            </a:r>
+            <a:r>
+              <a:rPr lang="en-US" sz="1600" b="1" dirty="0" err="1"/>
+              <a:t>opis</a:t>
+            </a:r>
+            <a:r>
+              <a:rPr lang="en-US" sz="1600" b="1" dirty="0"/>
+              <a:t> </a:t>
+            </a:r>
+            <a:r>
+              <a:rPr lang="en-US" sz="1600" b="1" dirty="0" err="1"/>
+              <a:t>ciljev</a:t>
+            </a:r>
+            <a:r>
+              <a:rPr lang="en-US" sz="1600" b="1" dirty="0"/>
+              <a:t> in </a:t>
+            </a:r>
+            <a:r>
+              <a:rPr lang="en-US" sz="1600" b="1" dirty="0" err="1"/>
+              <a:t>metod</a:t>
+            </a:r>
+            <a:endParaRPr lang="en-US" sz="1600" b="1" dirty="0"/>
+          </a:p>
+        </p:txBody>
+      </p:sp>
+      <p:sp>
+        <p:nvSpPr>
+          <p:cNvPr id="11" name="Content Placeholder 11">
+            <a:extLst>
+              <a:ext uri="{FF2B5EF4-FFF2-40B4-BE49-F238E27FC236}">
+                <a16:creationId xmlns:a16="http://schemas.microsoft.com/office/drawing/2014/main" id="{7B9F5A0B-66B3-574B-8ADF-47E9BEA982E5}"/>
+              </a:ext>
+            </a:extLst>
+          </p:cNvPr>
+          <p:cNvSpPr txBox="1">
+            <a:spLocks/>
+          </p:cNvSpPr>
+          <p:nvPr/>
+        </p:nvSpPr>
+        <p:spPr>
+          <a:xfrm>
+            <a:off x="4572000" y="720327"/>
+            <a:ext cx="4436828" cy="3040640"/>
+          </a:xfrm>
+          <a:prstGeom prst="rect">
+            <a:avLst/>
+          </a:prstGeom>
+        </p:spPr>
+        <p:txBody>
+          <a:bodyPr/>
+          <a:lstStyle>
+            <a:lvl1pPr marL="171450" indent="-171450" algn="l" defTabSz="685800" rtl="0" eaLnBrk="1" latinLnBrk="0" hangingPunct="1">
+              <a:lnSpc>
+                <a:spcPct val="90000"/>
+              </a:lnSpc>
+              <a:spcBef>
+                <a:spcPts val="750"/>
+              </a:spcBef>
+              <a:buFont typeface="Arial" panose="020B0604020202020204" pitchFamily="34" charset="0"/>
+              <a:buChar char="•"/>
+              <a:defRPr sz="2100" kern="1200">
+                <a:solidFill>
+                  <a:schemeClr val="tx1"/>
+                </a:solidFill>
+                <a:latin typeface="+mn-lt"/>
+                <a:ea typeface="+mn-ea"/>
+                <a:cs typeface="+mn-cs"/>
+              </a:defRPr>
+            </a:lvl1pPr>
+            <a:lvl2pPr marL="514350" indent="-171450" algn="l" defTabSz="685800" rtl="0" eaLnBrk="1" latinLnBrk="0" hangingPunct="1">
+              <a:lnSpc>
+                <a:spcPct val="90000"/>
+              </a:lnSpc>
+              <a:spcBef>
+                <a:spcPts val="375"/>
+              </a:spcBef>
+              <a:buFont typeface="Arial" panose="020B0604020202020204" pitchFamily="34" charset="0"/>
+              <a:buChar char="•"/>
+              <a:defRPr sz="1800" kern="1200">
+                <a:solidFill>
+                  <a:schemeClr val="tx1"/>
+                </a:solidFill>
+                <a:latin typeface="+mn-lt"/>
+                <a:ea typeface="+mn-ea"/>
+                <a:cs typeface="+mn-cs"/>
+              </a:defRPr>
+            </a:lvl2pPr>
+            <a:lvl3pPr marL="857250" indent="-171450" algn="l" defTabSz="685800" rtl="0" eaLnBrk="1" latinLnBrk="0" hangingPunct="1">
+              <a:lnSpc>
+                <a:spcPct val="90000"/>
+              </a:lnSpc>
+              <a:spcBef>
+                <a:spcPts val="375"/>
+              </a:spcBef>
+              <a:buFont typeface="Arial" panose="020B0604020202020204" pitchFamily="34" charset="0"/>
+              <a:buChar char="•"/>
+              <a:defRPr sz="1500" kern="1200">
+                <a:solidFill>
+                  <a:schemeClr val="tx1"/>
+                </a:solidFill>
+                <a:latin typeface="+mn-lt"/>
+                <a:ea typeface="+mn-ea"/>
+                <a:cs typeface="+mn-cs"/>
+              </a:defRPr>
+            </a:lvl3pPr>
+            <a:lvl4pPr marL="1200150" indent="-171450" algn="l" defTabSz="685800" rtl="0" eaLnBrk="1" latinLnBrk="0" hangingPunct="1">
+              <a:lnSpc>
+                <a:spcPct val="90000"/>
+              </a:lnSpc>
+              <a:spcBef>
+                <a:spcPts val="375"/>
+              </a:spcBef>
+              <a:buFont typeface="Arial" panose="020B0604020202020204" pitchFamily="34" charset="0"/>
+              <a:buChar char="•"/>
+              <a:defRPr sz="1350" kern="1200">
+                <a:solidFill>
+                  <a:schemeClr val="tx1"/>
+                </a:solidFill>
+                <a:latin typeface="+mn-lt"/>
+                <a:ea typeface="+mn-ea"/>
+                <a:cs typeface="+mn-cs"/>
+              </a:defRPr>
+            </a:lvl4pPr>
+            <a:lvl5pPr marL="1543050" indent="-171450" algn="l" defTabSz="685800" rtl="0" eaLnBrk="1" latinLnBrk="0" hangingPunct="1">
+              <a:lnSpc>
+                <a:spcPct val="90000"/>
+              </a:lnSpc>
+              <a:spcBef>
+                <a:spcPts val="375"/>
+              </a:spcBef>
+              <a:buFont typeface="Arial" panose="020B0604020202020204" pitchFamily="34" charset="0"/>
+              <a:buChar char="•"/>
+              <a:defRPr sz="1350" kern="1200">
+                <a:solidFill>
+                  <a:schemeClr val="tx1"/>
+                </a:solidFill>
+                <a:latin typeface="+mn-lt"/>
+                <a:ea typeface="+mn-ea"/>
+                <a:cs typeface="+mn-cs"/>
+              </a:defRPr>
+            </a:lvl5pPr>
+            <a:lvl6pPr marL="1885950" indent="-171450" algn="l" defTabSz="685800" rtl="0" eaLnBrk="1" latinLnBrk="0" hangingPunct="1">
+              <a:lnSpc>
+                <a:spcPct val="90000"/>
+              </a:lnSpc>
+              <a:spcBef>
+                <a:spcPts val="375"/>
+              </a:spcBef>
+              <a:buFont typeface="Arial" panose="020B0604020202020204" pitchFamily="34" charset="0"/>
+              <a:buChar char="•"/>
+              <a:defRPr sz="1350" kern="1200">
+                <a:solidFill>
+                  <a:schemeClr val="tx1"/>
+                </a:solidFill>
+                <a:latin typeface="+mn-lt"/>
+                <a:ea typeface="+mn-ea"/>
+                <a:cs typeface="+mn-cs"/>
+              </a:defRPr>
+            </a:lvl6pPr>
+            <a:lvl7pPr marL="2228850" indent="-171450" algn="l" defTabSz="685800" rtl="0" eaLnBrk="1" latinLnBrk="0" hangingPunct="1">
+              <a:lnSpc>
+                <a:spcPct val="90000"/>
+              </a:lnSpc>
+              <a:spcBef>
+                <a:spcPts val="375"/>
+              </a:spcBef>
+              <a:buFont typeface="Arial" panose="020B0604020202020204" pitchFamily="34" charset="0"/>
+              <a:buChar char="•"/>
+              <a:defRPr sz="1350" kern="1200">
+                <a:solidFill>
+                  <a:schemeClr val="tx1"/>
+                </a:solidFill>
+                <a:latin typeface="+mn-lt"/>
+                <a:ea typeface="+mn-ea"/>
+                <a:cs typeface="+mn-cs"/>
+              </a:defRPr>
+            </a:lvl7pPr>
+            <a:lvl8pPr marL="2571750" indent="-171450" algn="l" defTabSz="685800" rtl="0" eaLnBrk="1" latinLnBrk="0" hangingPunct="1">
+              <a:lnSpc>
+                <a:spcPct val="90000"/>
+              </a:lnSpc>
+              <a:spcBef>
+                <a:spcPts val="375"/>
+              </a:spcBef>
+              <a:buFont typeface="Arial" panose="020B0604020202020204" pitchFamily="34" charset="0"/>
+              <a:buChar char="•"/>
+              <a:defRPr sz="1350" kern="1200">
+                <a:solidFill>
+                  <a:schemeClr val="tx1"/>
+                </a:solidFill>
+                <a:latin typeface="+mn-lt"/>
+                <a:ea typeface="+mn-ea"/>
+                <a:cs typeface="+mn-cs"/>
+              </a:defRPr>
+            </a:lvl8pPr>
+            <a:lvl9pPr marL="2914650" indent="-171450" algn="l" defTabSz="685800" rtl="0" eaLnBrk="1" latinLnBrk="0" hangingPunct="1">
+              <a:lnSpc>
+                <a:spcPct val="90000"/>
+              </a:lnSpc>
+              <a:spcBef>
+                <a:spcPts val="375"/>
+              </a:spcBef>
+              <a:buFont typeface="Arial" panose="020B0604020202020204" pitchFamily="34" charset="0"/>
+              <a:buChar char="•"/>
+              <a:defRPr sz="1350" kern="1200">
+                <a:solidFill>
+                  <a:schemeClr val="tx1"/>
+                </a:solidFill>
+                <a:latin typeface="+mn-lt"/>
+                <a:ea typeface="+mn-ea"/>
+                <a:cs typeface="+mn-cs"/>
+              </a:defRPr>
+            </a:lvl9pPr>
+          </a:lstStyle>
+          <a:p>
+            <a:pPr marL="0" indent="0">
+              <a:buFont typeface="Arial" panose="020B0604020202020204" pitchFamily="34" charset="0"/>
+              <a:buNone/>
+            </a:pPr>
+            <a:endParaRPr lang="en-US" sz="1600" dirty="0"/>
+          </a:p>
+        </p:txBody>
+      </p:sp>
+      <p:sp>
+        <p:nvSpPr>
+          <p:cNvPr id="19" name="Content Placeholder 2">
+            <a:extLst>
+              <a:ext uri="{FF2B5EF4-FFF2-40B4-BE49-F238E27FC236}">
+                <a16:creationId xmlns:a16="http://schemas.microsoft.com/office/drawing/2014/main" id="{990225E6-F674-D74E-9E6E-25DF3C6A53B1}"/>
+              </a:ext>
+            </a:extLst>
+          </p:cNvPr>
+          <p:cNvSpPr txBox="1">
+            <a:spLocks/>
+          </p:cNvSpPr>
+          <p:nvPr/>
+        </p:nvSpPr>
+        <p:spPr>
+          <a:xfrm>
+            <a:off x="4588962" y="82696"/>
+            <a:ext cx="4462272" cy="372120"/>
+          </a:xfrm>
+          <a:prstGeom prst="rect">
+            <a:avLst/>
+          </a:prstGeom>
+          <a:ln>
+            <a:noFill/>
+          </a:ln>
+        </p:spPr>
+        <p:txBody>
+          <a:bodyPr vert="horz" lIns="91440" tIns="45720" rIns="91440" bIns="45720" rtlCol="0">
+            <a:normAutofit/>
+          </a:bodyPr>
+          <a:lstStyle>
+            <a:lvl1pPr marL="171450" indent="-171450" algn="l" defTabSz="685800" rtl="0" eaLnBrk="1" latinLnBrk="0" hangingPunct="1">
+              <a:lnSpc>
+                <a:spcPct val="90000"/>
+              </a:lnSpc>
+              <a:spcBef>
+                <a:spcPts val="750"/>
+              </a:spcBef>
+              <a:buFont typeface="Arial" panose="020B0604020202020204" pitchFamily="34" charset="0"/>
+              <a:buChar char="•"/>
+              <a:defRPr sz="2100" kern="1200">
+                <a:solidFill>
+                  <a:schemeClr val="tx1"/>
+                </a:solidFill>
+                <a:latin typeface="+mn-lt"/>
+                <a:ea typeface="+mn-ea"/>
+                <a:cs typeface="+mn-cs"/>
+              </a:defRPr>
+            </a:lvl1pPr>
+            <a:lvl2pPr marL="514350" indent="-171450" algn="l" defTabSz="685800" rtl="0" eaLnBrk="1" latinLnBrk="0" hangingPunct="1">
+              <a:lnSpc>
+                <a:spcPct val="90000"/>
+              </a:lnSpc>
+              <a:spcBef>
+                <a:spcPts val="375"/>
+              </a:spcBef>
+              <a:buFont typeface="Arial" panose="020B0604020202020204" pitchFamily="34" charset="0"/>
+              <a:buChar char="•"/>
+              <a:defRPr sz="1800" kern="1200">
+                <a:solidFill>
+                  <a:schemeClr val="tx1"/>
+                </a:solidFill>
+                <a:latin typeface="+mn-lt"/>
+                <a:ea typeface="+mn-ea"/>
+                <a:cs typeface="+mn-cs"/>
+              </a:defRPr>
+            </a:lvl2pPr>
+            <a:lvl3pPr marL="857250" indent="-171450" algn="l" defTabSz="685800" rtl="0" eaLnBrk="1" latinLnBrk="0" hangingPunct="1">
+              <a:lnSpc>
+                <a:spcPct val="90000"/>
+              </a:lnSpc>
+              <a:spcBef>
+                <a:spcPts val="375"/>
+              </a:spcBef>
+              <a:buFont typeface="Arial" panose="020B0604020202020204" pitchFamily="34" charset="0"/>
+              <a:buChar char="•"/>
+              <a:defRPr sz="1500" kern="1200">
+                <a:solidFill>
+                  <a:schemeClr val="tx1"/>
+                </a:solidFill>
+                <a:latin typeface="+mn-lt"/>
+                <a:ea typeface="+mn-ea"/>
+                <a:cs typeface="+mn-cs"/>
+              </a:defRPr>
+            </a:lvl3pPr>
+            <a:lvl4pPr marL="1200150" indent="-171450" algn="l" defTabSz="685800" rtl="0" eaLnBrk="1" latinLnBrk="0" hangingPunct="1">
+              <a:lnSpc>
+                <a:spcPct val="90000"/>
+              </a:lnSpc>
+              <a:spcBef>
+                <a:spcPts val="375"/>
+              </a:spcBef>
+              <a:buFont typeface="Arial" panose="020B0604020202020204" pitchFamily="34" charset="0"/>
+              <a:buChar char="•"/>
+              <a:defRPr sz="1350" kern="1200">
+                <a:solidFill>
+                  <a:schemeClr val="tx1"/>
+                </a:solidFill>
+                <a:latin typeface="+mn-lt"/>
+                <a:ea typeface="+mn-ea"/>
+                <a:cs typeface="+mn-cs"/>
+              </a:defRPr>
+            </a:lvl4pPr>
+            <a:lvl5pPr marL="1543050" indent="-171450" algn="l" defTabSz="685800" rtl="0" eaLnBrk="1" latinLnBrk="0" hangingPunct="1">
+              <a:lnSpc>
+                <a:spcPct val="90000"/>
+              </a:lnSpc>
+              <a:spcBef>
+                <a:spcPts val="375"/>
+              </a:spcBef>
+              <a:buFont typeface="Arial" panose="020B0604020202020204" pitchFamily="34" charset="0"/>
+              <a:buChar char="•"/>
+              <a:defRPr sz="1350" kern="1200">
+                <a:solidFill>
+                  <a:schemeClr val="tx1"/>
+                </a:solidFill>
+                <a:latin typeface="+mn-lt"/>
+                <a:ea typeface="+mn-ea"/>
+                <a:cs typeface="+mn-cs"/>
+              </a:defRPr>
+            </a:lvl5pPr>
+            <a:lvl6pPr marL="1885950" indent="-171450" algn="l" defTabSz="685800" rtl="0" eaLnBrk="1" latinLnBrk="0" hangingPunct="1">
+              <a:lnSpc>
+                <a:spcPct val="90000"/>
+              </a:lnSpc>
+              <a:spcBef>
+                <a:spcPts val="375"/>
+              </a:spcBef>
+              <a:buFont typeface="Arial" panose="020B0604020202020204" pitchFamily="34" charset="0"/>
+              <a:buChar char="•"/>
+              <a:defRPr sz="1350" kern="1200">
+                <a:solidFill>
+                  <a:schemeClr val="tx1"/>
+                </a:solidFill>
+                <a:latin typeface="+mn-lt"/>
+                <a:ea typeface="+mn-ea"/>
+                <a:cs typeface="+mn-cs"/>
+              </a:defRPr>
+            </a:lvl6pPr>
+            <a:lvl7pPr marL="2228850" indent="-171450" algn="l" defTabSz="685800" rtl="0" eaLnBrk="1" latinLnBrk="0" hangingPunct="1">
+              <a:lnSpc>
+                <a:spcPct val="90000"/>
+              </a:lnSpc>
+              <a:spcBef>
+                <a:spcPts val="375"/>
+              </a:spcBef>
+              <a:buFont typeface="Arial" panose="020B0604020202020204" pitchFamily="34" charset="0"/>
+              <a:buChar char="•"/>
+              <a:defRPr sz="1350" kern="1200">
+                <a:solidFill>
+                  <a:schemeClr val="tx1"/>
+                </a:solidFill>
+                <a:latin typeface="+mn-lt"/>
+                <a:ea typeface="+mn-ea"/>
+                <a:cs typeface="+mn-cs"/>
+              </a:defRPr>
+            </a:lvl7pPr>
+            <a:lvl8pPr marL="2571750" indent="-171450" algn="l" defTabSz="685800" rtl="0" eaLnBrk="1" latinLnBrk="0" hangingPunct="1">
+              <a:lnSpc>
+                <a:spcPct val="90000"/>
+              </a:lnSpc>
+              <a:spcBef>
+                <a:spcPts val="375"/>
+              </a:spcBef>
+              <a:buFont typeface="Arial" panose="020B0604020202020204" pitchFamily="34" charset="0"/>
+              <a:buChar char="•"/>
+              <a:defRPr sz="1350" kern="1200">
+                <a:solidFill>
+                  <a:schemeClr val="tx1"/>
+                </a:solidFill>
+                <a:latin typeface="+mn-lt"/>
+                <a:ea typeface="+mn-ea"/>
+                <a:cs typeface="+mn-cs"/>
+              </a:defRPr>
+            </a:lvl8pPr>
+            <a:lvl9pPr marL="2914650" indent="-171450" algn="l" defTabSz="685800" rtl="0" eaLnBrk="1" latinLnBrk="0" hangingPunct="1">
+              <a:lnSpc>
+                <a:spcPct val="90000"/>
+              </a:lnSpc>
+              <a:spcBef>
+                <a:spcPts val="375"/>
+              </a:spcBef>
+              <a:buFont typeface="Arial" panose="020B0604020202020204" pitchFamily="34" charset="0"/>
+              <a:buChar char="•"/>
+              <a:defRPr sz="1350" kern="1200">
+                <a:solidFill>
+                  <a:schemeClr val="tx1"/>
+                </a:solidFill>
+                <a:latin typeface="+mn-lt"/>
+                <a:ea typeface="+mn-ea"/>
+                <a:cs typeface="+mn-cs"/>
+              </a:defRPr>
+            </a:lvl9pPr>
+          </a:lstStyle>
+          <a:p>
+            <a:pPr marL="0" indent="0">
+              <a:buFont typeface="Arial" panose="020B0604020202020204" pitchFamily="34" charset="0"/>
+              <a:buNone/>
+            </a:pPr>
+            <a:r>
+              <a:rPr lang="en-US" sz="1600" b="1" dirty="0" err="1"/>
+              <a:t>Rezultati</a:t>
+            </a:r>
+            <a:r>
+              <a:rPr lang="en-US" sz="1600" b="1" dirty="0"/>
+              <a:t>/</a:t>
+            </a:r>
+            <a:r>
+              <a:rPr lang="en-US" sz="1600" b="1" dirty="0" err="1"/>
+              <a:t>dosedanje</a:t>
+            </a:r>
+            <a:r>
+              <a:rPr lang="en-US" sz="1600" b="1" dirty="0"/>
+              <a:t> </a:t>
+            </a:r>
+            <a:r>
+              <a:rPr lang="en-US" sz="1600" b="1" dirty="0" err="1"/>
+              <a:t>ugotovitve</a:t>
+            </a:r>
+            <a:r>
+              <a:rPr lang="en-US" sz="1600" b="1" dirty="0"/>
+              <a:t>/</a:t>
+            </a:r>
+            <a:r>
+              <a:rPr lang="en-US" sz="1600" b="1" dirty="0" err="1"/>
+              <a:t>odprta</a:t>
+            </a:r>
+            <a:r>
+              <a:rPr lang="en-US" sz="1600" b="1" dirty="0"/>
+              <a:t> </a:t>
+            </a:r>
+            <a:r>
+              <a:rPr lang="en-US" sz="1600" b="1" dirty="0" err="1"/>
+              <a:t>vprašanja</a:t>
+            </a:r>
+            <a:endParaRPr lang="en-US" sz="1600" b="1" dirty="0"/>
+          </a:p>
+        </p:txBody>
+      </p:sp>
+      <p:sp>
+        <p:nvSpPr>
+          <p:cNvPr id="12" name="Date Placeholder 11">
+            <a:extLst>
+              <a:ext uri="{FF2B5EF4-FFF2-40B4-BE49-F238E27FC236}">
+                <a16:creationId xmlns:a16="http://schemas.microsoft.com/office/drawing/2014/main" id="{482387C3-9A8A-9A47-8F63-FDB8F168E7F2}"/>
+              </a:ext>
+            </a:extLst>
+          </p:cNvPr>
+          <p:cNvSpPr>
+            <a:spLocks noGrp="1"/>
+          </p:cNvSpPr>
+          <p:nvPr>
+            <p:ph type="dt" sz="half" idx="10"/>
+          </p:nvPr>
+        </p:nvSpPr>
+        <p:spPr>
+          <a:xfrm>
+            <a:off x="76857" y="4800600"/>
+            <a:ext cx="3754164" cy="273844"/>
+          </a:xfrm>
+        </p:spPr>
+        <p:txBody>
+          <a:bodyPr/>
+          <a:lstStyle/>
+          <a:p>
+            <a:r>
+              <a:rPr lang="en-US" dirty="0"/>
+              <a:t>18. 4. 2024</a:t>
+            </a:r>
+          </a:p>
+        </p:txBody>
+      </p:sp>
+      <p:sp>
+        <p:nvSpPr>
+          <p:cNvPr id="13" name="Footer Placeholder 12">
+            <a:extLst>
+              <a:ext uri="{FF2B5EF4-FFF2-40B4-BE49-F238E27FC236}">
+                <a16:creationId xmlns:a16="http://schemas.microsoft.com/office/drawing/2014/main" id="{ED533418-37C8-B143-91FA-663B1D494022}"/>
+              </a:ext>
+            </a:extLst>
+          </p:cNvPr>
+          <p:cNvSpPr>
+            <a:spLocks noGrp="1"/>
+          </p:cNvSpPr>
+          <p:nvPr>
+            <p:ph type="ftr" sz="quarter" idx="11"/>
+          </p:nvPr>
+        </p:nvSpPr>
+        <p:spPr>
+          <a:xfrm>
+            <a:off x="3028950" y="4767263"/>
+            <a:ext cx="3086100" cy="273844"/>
+          </a:xfrm>
+        </p:spPr>
+        <p:txBody>
+          <a:bodyPr/>
+          <a:lstStyle/>
+          <a:p>
+            <a:r>
+              <a:rPr lang="en-US" dirty="0"/>
+              <a:t>PR23-24, </a:t>
+            </a:r>
+            <a:r>
+              <a:rPr lang="en-US" dirty="0" err="1"/>
+              <a:t>Vmesna</a:t>
+            </a:r>
+            <a:r>
+              <a:rPr lang="en-US" dirty="0"/>
+              <a:t> </a:t>
+            </a:r>
+            <a:r>
+              <a:rPr lang="en-US" dirty="0" err="1"/>
+              <a:t>predstavitev</a:t>
+            </a:r>
+            <a:endParaRPr lang="en-US" dirty="0"/>
+          </a:p>
+        </p:txBody>
+      </p:sp>
+      <p:pic>
+        <p:nvPicPr>
+          <p:cNvPr id="4" name="Slika 3">
+            <a:extLst>
+              <a:ext uri="{FF2B5EF4-FFF2-40B4-BE49-F238E27FC236}">
+                <a16:creationId xmlns:a16="http://schemas.microsoft.com/office/drawing/2014/main" id="{B0278AE3-5F07-D1B2-A7BB-64316C566E23}"/>
+              </a:ext>
+            </a:extLst>
+          </p:cNvPr>
+          <p:cNvPicPr>
+            <a:picLocks noChangeAspect="1"/>
+          </p:cNvPicPr>
+          <p:nvPr/>
+        </p:nvPicPr>
+        <p:blipFill>
+          <a:blip r:embed="rId3"/>
+          <a:stretch>
+            <a:fillRect/>
+          </a:stretch>
+        </p:blipFill>
+        <p:spPr>
+          <a:xfrm>
+            <a:off x="2150097" y="1676400"/>
+            <a:ext cx="4869557" cy="2877743"/>
+          </a:xfrm>
+          <a:prstGeom prst="rect">
+            <a:avLst/>
+          </a:prstGeom>
+        </p:spPr>
+      </p:pic>
+    </p:spTree>
+    <p:extLst>
+      <p:ext uri="{BB962C8B-B14F-4D97-AF65-F5344CB8AC3E}">
+        <p14:creationId xmlns:p14="http://schemas.microsoft.com/office/powerpoint/2010/main" val="256728256"/>
+      </p:ext>
+    </p:extLst>
+  </p:cSld>
+  <p:clrMapOvr>
+    <a:masterClrMapping/>
+  </p:clrMapOvr>
+</p:sld>
+</file>
+
+<file path=ppt/slides/slide6.xml><?xml version="1.0" encoding="utf-8"?>
+<p:sld xmlns:a="http://schemas.openxmlformats.org/drawingml/2006/main" xmlns:r="http://schemas.openxmlformats.org/officeDocument/2006/relationships" xmlns:p="http://schemas.openxmlformats.org/presentationml/2006/main">
+  <p:cSld>
+    <p:spTree>
+      <p:nvGrpSpPr>
+        <p:cNvPr id="1" name=""/>
+        <p:cNvGrpSpPr/>
+        <p:nvPr/>
+      </p:nvGrpSpPr>
+      <p:grpSpPr>
+        <a:xfrm>
+          <a:off x="0" y="0"/>
+          <a:ext cx="0" cy="0"/>
+          <a:chOff x="0" y="0"/>
+          <a:chExt cx="0" cy="0"/>
+        </a:xfrm>
+      </p:grpSpPr>
+      <p:sp>
+        <p:nvSpPr>
+          <p:cNvPr id="3" name="Content Placeholder 2">
+            <a:extLst>
+              <a:ext uri="{FF2B5EF4-FFF2-40B4-BE49-F238E27FC236}">
+                <a16:creationId xmlns:a16="http://schemas.microsoft.com/office/drawing/2014/main" id="{9D9094EB-9AF8-C443-A38F-2140C80C75A0}"/>
+              </a:ext>
+            </a:extLst>
+          </p:cNvPr>
+          <p:cNvSpPr>
+            <a:spLocks noGrp="1"/>
+          </p:cNvSpPr>
+          <p:nvPr>
+            <p:ph sz="half" idx="1"/>
+          </p:nvPr>
+        </p:nvSpPr>
+        <p:spPr>
+          <a:xfrm>
+            <a:off x="92765" y="589356"/>
+            <a:ext cx="4403432" cy="4177907"/>
+          </a:xfrm>
+          <a:ln>
+            <a:solidFill>
+              <a:schemeClr val="tx1"/>
+            </a:solidFill>
+          </a:ln>
+        </p:spPr>
+        <p:txBody>
+          <a:bodyPr>
+            <a:normAutofit/>
+          </a:bodyPr>
+          <a:lstStyle/>
+          <a:p>
+            <a:pPr marL="0" indent="0">
+              <a:buNone/>
+            </a:pPr>
+            <a:r>
+              <a:rPr lang="sl-SI" sz="1600" b="1" dirty="0"/>
+              <a:t>Cilj5: </a:t>
+            </a:r>
+            <a:r>
+              <a:rPr lang="sl-SI" sz="1600" dirty="0"/>
+              <a:t>Vzroki letalskih nesreč</a:t>
+            </a:r>
+          </a:p>
+          <a:p>
+            <a:pPr marL="0" indent="0">
+              <a:buNone/>
+            </a:pPr>
+            <a:endParaRPr lang="sl-SI" sz="1600" dirty="0"/>
+          </a:p>
+          <a:p>
+            <a:pPr marL="0" indent="0">
+              <a:buNone/>
+            </a:pPr>
+            <a:endParaRPr lang="sl-SI" sz="1600" dirty="0"/>
+          </a:p>
+          <a:p>
+            <a:r>
+              <a:rPr lang="sl-SI" sz="1600" b="1" dirty="0"/>
+              <a:t>Napadi na letala</a:t>
+            </a:r>
+            <a:r>
+              <a:rPr lang="sl-SI" sz="1600" dirty="0"/>
+              <a:t> – besede za iskanje: </a:t>
+            </a:r>
+            <a:r>
+              <a:rPr lang="sl-SI" sz="1600" dirty="0" err="1"/>
+              <a:t>shoot</a:t>
+            </a:r>
+            <a:r>
+              <a:rPr lang="sl-SI" sz="1600" dirty="0"/>
+              <a:t>, </a:t>
+            </a:r>
+            <a:r>
+              <a:rPr lang="sl-SI" sz="1600" dirty="0" err="1"/>
+              <a:t>shot</a:t>
+            </a:r>
+            <a:r>
+              <a:rPr lang="sl-SI" sz="1600" dirty="0"/>
+              <a:t>, </a:t>
+            </a:r>
+            <a:r>
+              <a:rPr lang="sl-SI" sz="1600" dirty="0" err="1"/>
+              <a:t>attack</a:t>
+            </a:r>
+            <a:r>
+              <a:rPr lang="sl-SI" sz="1600" dirty="0"/>
+              <a:t>, </a:t>
+            </a:r>
+            <a:r>
+              <a:rPr lang="sl-SI" sz="1600" dirty="0" err="1"/>
+              <a:t>overshoot</a:t>
+            </a:r>
+            <a:r>
+              <a:rPr lang="sl-SI" sz="1600" dirty="0"/>
+              <a:t>, </a:t>
+            </a:r>
+            <a:r>
+              <a:rPr lang="sl-SI" sz="1600" dirty="0" err="1"/>
+              <a:t>undershoot</a:t>
+            </a:r>
+            <a:endParaRPr lang="sl-SI" sz="1600" dirty="0"/>
+          </a:p>
+          <a:p>
+            <a:pPr lvl="2"/>
+            <a:r>
+              <a:rPr lang="sl-SI" sz="1300" dirty="0"/>
+              <a:t>1940-1945: 2. svetovna vojna</a:t>
+            </a:r>
+          </a:p>
+          <a:p>
+            <a:pPr lvl="2"/>
+            <a:r>
+              <a:rPr lang="sl-SI" sz="1300" dirty="0"/>
+              <a:t>1965-1970 Vietnamska vojna</a:t>
+            </a:r>
+          </a:p>
+          <a:p>
+            <a:pPr lvl="2"/>
+            <a:r>
+              <a:rPr lang="sl-SI" sz="1300" dirty="0"/>
+              <a:t>1985-1995 vojna v Jugoslaviji, ostali vojaški konflikti v srednjem vzhodu</a:t>
+            </a:r>
+          </a:p>
+          <a:p>
+            <a:pPr lvl="2"/>
+            <a:endParaRPr lang="sl-SI" sz="1600" dirty="0"/>
+          </a:p>
+          <a:p>
+            <a:r>
+              <a:rPr lang="sl-SI" sz="1600" b="1" dirty="0"/>
+              <a:t>Sistemske napake </a:t>
+            </a:r>
+            <a:r>
+              <a:rPr lang="sl-SI" sz="1600" dirty="0"/>
+              <a:t>– besede: </a:t>
+            </a:r>
+            <a:r>
+              <a:rPr lang="sl-SI" sz="1600" dirty="0" err="1"/>
+              <a:t>faulty</a:t>
+            </a:r>
+            <a:r>
+              <a:rPr lang="sl-SI" sz="1600" dirty="0"/>
+              <a:t> design </a:t>
+            </a:r>
+            <a:r>
+              <a:rPr lang="sl-SI" sz="1600" dirty="0" err="1"/>
+              <a:t>design</a:t>
+            </a:r>
+            <a:r>
+              <a:rPr lang="sl-SI" sz="1600" dirty="0"/>
+              <a:t> </a:t>
+            </a:r>
+            <a:r>
+              <a:rPr lang="sl-SI" sz="1600" dirty="0" err="1"/>
+              <a:t>flaw</a:t>
+            </a:r>
+            <a:r>
+              <a:rPr lang="sl-SI" sz="1600" dirty="0"/>
+              <a:t>, design </a:t>
+            </a:r>
+            <a:r>
+              <a:rPr lang="sl-SI" sz="1600" dirty="0" err="1"/>
+              <a:t>deficiencies</a:t>
+            </a:r>
+            <a:endParaRPr lang="sl-SI" sz="1600" dirty="0"/>
+          </a:p>
+          <a:p>
+            <a:pPr lvl="1"/>
+            <a:r>
+              <a:rPr lang="sl-SI" sz="1300" dirty="0"/>
+              <a:t>16 nesreč</a:t>
+            </a:r>
+          </a:p>
+          <a:p>
+            <a:endParaRPr lang="sl-SI" sz="1600" dirty="0"/>
+          </a:p>
+          <a:p>
+            <a:pPr marL="342900" lvl="1" indent="0">
+              <a:buNone/>
+            </a:pPr>
+            <a:endParaRPr lang="sl-SI" sz="1600" b="1" dirty="0"/>
+          </a:p>
+          <a:p>
+            <a:pPr marL="0" indent="0">
+              <a:buNone/>
+            </a:pPr>
+            <a:endParaRPr lang="sl-SI" sz="1600" dirty="0"/>
+          </a:p>
+        </p:txBody>
+      </p:sp>
+      <p:sp>
+        <p:nvSpPr>
+          <p:cNvPr id="18" name="Content Placeholder 17">
+            <a:extLst>
+              <a:ext uri="{FF2B5EF4-FFF2-40B4-BE49-F238E27FC236}">
+                <a16:creationId xmlns:a16="http://schemas.microsoft.com/office/drawing/2014/main" id="{BFC9798E-C22A-6049-8D8E-80BEDDEA70AA}"/>
+              </a:ext>
+            </a:extLst>
+          </p:cNvPr>
+          <p:cNvSpPr>
+            <a:spLocks noGrp="1"/>
+          </p:cNvSpPr>
+          <p:nvPr>
+            <p:ph sz="half" idx="2"/>
+          </p:nvPr>
+        </p:nvSpPr>
+        <p:spPr>
+          <a:xfrm>
+            <a:off x="4588962" y="589356"/>
+            <a:ext cx="4462272" cy="4177907"/>
+          </a:xfrm>
+          <a:ln>
+            <a:solidFill>
+              <a:schemeClr val="tx1"/>
+            </a:solidFill>
+          </a:ln>
+        </p:spPr>
+        <p:txBody>
+          <a:bodyPr>
+            <a:normAutofit/>
+          </a:bodyPr>
+          <a:lstStyle/>
+          <a:p>
+            <a:endParaRPr lang="sl-SI" sz="1600" b="1" dirty="0"/>
+          </a:p>
+          <a:p>
+            <a:r>
+              <a:rPr lang="sl-SI" sz="1600" b="1" dirty="0"/>
+              <a:t>Primanjkovanje goriva </a:t>
+            </a:r>
+            <a:r>
+              <a:rPr lang="sl-SI" sz="1600" dirty="0"/>
+              <a:t>– besede: </a:t>
+            </a:r>
+            <a:r>
+              <a:rPr lang="sl-SI" sz="1600" dirty="0" err="1"/>
+              <a:t>low</a:t>
+            </a:r>
+            <a:r>
+              <a:rPr lang="sl-SI" sz="1600" dirty="0"/>
+              <a:t> </a:t>
+            </a:r>
+            <a:r>
+              <a:rPr lang="sl-SI" sz="1600" dirty="0" err="1"/>
+              <a:t>fuel</a:t>
+            </a:r>
+            <a:r>
+              <a:rPr lang="sl-SI" sz="1600" dirty="0"/>
+              <a:t>, </a:t>
+            </a:r>
+            <a:r>
+              <a:rPr lang="sl-SI" sz="1600" dirty="0" err="1"/>
+              <a:t>fuel</a:t>
+            </a:r>
+            <a:r>
+              <a:rPr lang="sl-SI" sz="1600" dirty="0"/>
+              <a:t> </a:t>
+            </a:r>
+            <a:r>
+              <a:rPr lang="sl-SI" sz="1600" dirty="0" err="1"/>
+              <a:t>exhaustion</a:t>
+            </a:r>
+            <a:r>
+              <a:rPr lang="sl-SI" sz="1600" dirty="0"/>
+              <a:t>, ran out </a:t>
+            </a:r>
+            <a:r>
+              <a:rPr lang="sl-SI" sz="1600" dirty="0" err="1"/>
+              <a:t>of</a:t>
+            </a:r>
+            <a:r>
+              <a:rPr lang="sl-SI" sz="1600" dirty="0"/>
+              <a:t> </a:t>
+            </a:r>
+            <a:r>
+              <a:rPr lang="sl-SI" sz="1600" dirty="0" err="1"/>
+              <a:t>fuel</a:t>
+            </a:r>
+            <a:r>
+              <a:rPr lang="sl-SI" sz="1600" dirty="0"/>
+              <a:t>, </a:t>
+            </a:r>
+            <a:r>
+              <a:rPr lang="sl-SI" sz="1600" dirty="0" err="1"/>
+              <a:t>running</a:t>
+            </a:r>
+            <a:r>
+              <a:rPr lang="sl-SI" sz="1600" dirty="0"/>
+              <a:t> out </a:t>
+            </a:r>
+            <a:r>
+              <a:rPr lang="sl-SI" sz="1600" dirty="0" err="1"/>
+              <a:t>of</a:t>
+            </a:r>
+            <a:r>
+              <a:rPr lang="sl-SI" sz="1600" dirty="0"/>
+              <a:t> </a:t>
+            </a:r>
+            <a:r>
+              <a:rPr lang="sl-SI" sz="1600" dirty="0" err="1"/>
+              <a:t>fuel</a:t>
+            </a:r>
+            <a:endParaRPr lang="sl-SI" sz="1600" dirty="0"/>
+          </a:p>
+          <a:p>
+            <a:pPr lvl="1"/>
+            <a:r>
+              <a:rPr lang="sl-SI" sz="1300" dirty="0"/>
+              <a:t>66 nesreč</a:t>
+            </a:r>
+            <a:endParaRPr lang="sl-SI" sz="1600" b="1" dirty="0"/>
+          </a:p>
+          <a:p>
+            <a:pPr lvl="1"/>
+            <a:endParaRPr lang="sl-SI" sz="1600" b="1" dirty="0"/>
+          </a:p>
+          <a:p>
+            <a:r>
+              <a:rPr lang="sl-SI" sz="1600" b="1" dirty="0"/>
+              <a:t>Ptice </a:t>
+            </a:r>
+            <a:r>
+              <a:rPr lang="sl-SI" sz="1600" dirty="0"/>
+              <a:t>– besede: </a:t>
+            </a:r>
+            <a:r>
+              <a:rPr lang="sl-SI" sz="1600" dirty="0" err="1"/>
+              <a:t>bird</a:t>
+            </a:r>
+            <a:r>
+              <a:rPr lang="sl-SI" sz="1600" dirty="0"/>
+              <a:t>, </a:t>
+            </a:r>
+            <a:r>
+              <a:rPr lang="sl-SI" sz="1600" dirty="0" err="1"/>
+              <a:t>geese</a:t>
+            </a:r>
+            <a:r>
+              <a:rPr lang="sl-SI" sz="1600" dirty="0"/>
+              <a:t>, </a:t>
+            </a:r>
+            <a:r>
+              <a:rPr lang="sl-SI" sz="1600" dirty="0" err="1"/>
+              <a:t>flock</a:t>
+            </a:r>
+            <a:endParaRPr lang="sl-SI" sz="1300" b="1" dirty="0"/>
+          </a:p>
+          <a:p>
+            <a:pPr lvl="1"/>
+            <a:r>
+              <a:rPr lang="sl-SI" sz="1300" dirty="0"/>
+              <a:t>12 nesreč</a:t>
+            </a:r>
+          </a:p>
+          <a:p>
+            <a:pPr lvl="1"/>
+            <a:endParaRPr lang="sl-SI" sz="1300" dirty="0"/>
+          </a:p>
+          <a:p>
+            <a:r>
+              <a:rPr lang="sl-SI" sz="1600" b="1" dirty="0"/>
+              <a:t>Terorizem </a:t>
+            </a:r>
+            <a:r>
+              <a:rPr lang="sl-SI" sz="1300" b="1" dirty="0"/>
+              <a:t>– </a:t>
+            </a:r>
+            <a:r>
+              <a:rPr lang="sl-SI" sz="1600" dirty="0"/>
+              <a:t>besede: </a:t>
+            </a:r>
+            <a:r>
+              <a:rPr lang="sl-SI" sz="1600" dirty="0" err="1"/>
+              <a:t>terrorism</a:t>
+            </a:r>
+            <a:r>
+              <a:rPr lang="sl-SI" sz="1600" dirty="0"/>
+              <a:t>, </a:t>
+            </a:r>
+            <a:r>
+              <a:rPr lang="sl-SI" sz="1600" dirty="0" err="1"/>
+              <a:t>terrorist</a:t>
+            </a:r>
+            <a:endParaRPr lang="sl-SI" sz="1600" dirty="0"/>
+          </a:p>
+          <a:p>
+            <a:pPr lvl="1"/>
+            <a:r>
+              <a:rPr lang="sl-SI" sz="1300" dirty="0"/>
+              <a:t>12 nesreč</a:t>
+            </a:r>
+          </a:p>
+          <a:p>
+            <a:pPr lvl="1"/>
+            <a:endParaRPr lang="sl-SI" sz="1300" dirty="0"/>
+          </a:p>
+          <a:p>
+            <a:r>
+              <a:rPr lang="sl-SI" sz="1600" b="1" dirty="0"/>
+              <a:t>Nesreče okrog vodnih površin </a:t>
+            </a:r>
+            <a:r>
+              <a:rPr lang="sl-SI" sz="1600" dirty="0"/>
+              <a:t>– besede: ocean, </a:t>
+            </a:r>
+            <a:r>
+              <a:rPr lang="sl-SI" sz="1600" dirty="0" err="1"/>
+              <a:t>water</a:t>
+            </a:r>
+            <a:r>
+              <a:rPr lang="sl-SI" sz="1600" dirty="0"/>
+              <a:t>, </a:t>
+            </a:r>
+            <a:r>
+              <a:rPr lang="sl-SI" sz="1600" dirty="0" err="1"/>
+              <a:t>swamp</a:t>
+            </a:r>
+            <a:r>
+              <a:rPr lang="sl-SI" sz="1600" dirty="0"/>
+              <a:t>, </a:t>
+            </a:r>
+            <a:r>
+              <a:rPr lang="sl-SI" sz="1600" dirty="0" err="1"/>
+              <a:t>sea</a:t>
+            </a:r>
+            <a:r>
+              <a:rPr lang="sl-SI" sz="1600" dirty="0"/>
+              <a:t>, </a:t>
+            </a:r>
+            <a:r>
+              <a:rPr lang="sl-SI" sz="1600" dirty="0" err="1"/>
+              <a:t>river</a:t>
+            </a:r>
+            <a:endParaRPr lang="sl-SI" sz="1600" dirty="0"/>
+          </a:p>
+          <a:p>
+            <a:pPr lvl="1"/>
+            <a:r>
+              <a:rPr lang="sl-SI" sz="1300" dirty="0"/>
+              <a:t>617 nesreč</a:t>
+            </a:r>
+          </a:p>
+          <a:p>
+            <a:endParaRPr lang="sl-SI" sz="1600" dirty="0"/>
+          </a:p>
+          <a:p>
+            <a:endParaRPr lang="sl-SI" sz="1600" dirty="0"/>
+          </a:p>
+          <a:p>
+            <a:endParaRPr lang="sl-SI" sz="1600" dirty="0"/>
+          </a:p>
+        </p:txBody>
+      </p:sp>
+      <p:sp>
+        <p:nvSpPr>
+          <p:cNvPr id="7" name="Slide Number Placeholder 6">
+            <a:extLst>
+              <a:ext uri="{FF2B5EF4-FFF2-40B4-BE49-F238E27FC236}">
+                <a16:creationId xmlns:a16="http://schemas.microsoft.com/office/drawing/2014/main" id="{C24814E3-8963-334D-848C-E4EE0D7A5ECE}"/>
+              </a:ext>
+            </a:extLst>
+          </p:cNvPr>
+          <p:cNvSpPr>
+            <a:spLocks noGrp="1"/>
+          </p:cNvSpPr>
+          <p:nvPr>
+            <p:ph type="sldNum" sz="quarter" idx="12"/>
+          </p:nvPr>
+        </p:nvSpPr>
+        <p:spPr/>
+        <p:txBody>
+          <a:bodyPr/>
+          <a:lstStyle/>
+          <a:p>
+            <a:fld id="{03BC8BC1-971C-5C4D-898D-87CE7EF1EB36}" type="slidenum">
+              <a:rPr lang="en-US" smtClean="0"/>
+              <a:t>6</a:t>
+            </a:fld>
+            <a:endParaRPr lang="en-US"/>
+          </a:p>
+        </p:txBody>
+      </p:sp>
+      <p:sp>
+        <p:nvSpPr>
+          <p:cNvPr id="8" name="Content Placeholder 2">
+            <a:extLst>
+              <a:ext uri="{FF2B5EF4-FFF2-40B4-BE49-F238E27FC236}">
+                <a16:creationId xmlns:a16="http://schemas.microsoft.com/office/drawing/2014/main" id="{194343F5-9AFD-314A-B851-B4B16EF4AB6C}"/>
+              </a:ext>
+            </a:extLst>
+          </p:cNvPr>
+          <p:cNvSpPr txBox="1">
+            <a:spLocks/>
+          </p:cNvSpPr>
+          <p:nvPr/>
+        </p:nvSpPr>
+        <p:spPr>
+          <a:xfrm>
+            <a:off x="92765" y="82696"/>
+            <a:ext cx="4403432" cy="372120"/>
+          </a:xfrm>
+          <a:prstGeom prst="rect">
+            <a:avLst/>
+          </a:prstGeom>
+          <a:ln>
+            <a:noFill/>
+          </a:ln>
+        </p:spPr>
+        <p:txBody>
+          <a:bodyPr vert="horz" lIns="91440" tIns="45720" rIns="91440" bIns="45720" rtlCol="0">
+            <a:normAutofit/>
+          </a:bodyPr>
+          <a:lstStyle>
+            <a:lvl1pPr marL="171450" indent="-171450" algn="l" defTabSz="685800" rtl="0" eaLnBrk="1" latinLnBrk="0" hangingPunct="1">
+              <a:lnSpc>
+                <a:spcPct val="90000"/>
+              </a:lnSpc>
+              <a:spcBef>
+                <a:spcPts val="750"/>
+              </a:spcBef>
+              <a:buFont typeface="Arial" panose="020B0604020202020204" pitchFamily="34" charset="0"/>
+              <a:buChar char="•"/>
+              <a:defRPr sz="2100" kern="1200">
+                <a:solidFill>
+                  <a:schemeClr val="tx1"/>
+                </a:solidFill>
+                <a:latin typeface="+mn-lt"/>
+                <a:ea typeface="+mn-ea"/>
+                <a:cs typeface="+mn-cs"/>
+              </a:defRPr>
+            </a:lvl1pPr>
+            <a:lvl2pPr marL="514350" indent="-171450" algn="l" defTabSz="685800" rtl="0" eaLnBrk="1" latinLnBrk="0" hangingPunct="1">
+              <a:lnSpc>
+                <a:spcPct val="90000"/>
+              </a:lnSpc>
+              <a:spcBef>
+                <a:spcPts val="375"/>
+              </a:spcBef>
+              <a:buFont typeface="Arial" panose="020B0604020202020204" pitchFamily="34" charset="0"/>
+              <a:buChar char="•"/>
+              <a:defRPr sz="1800" kern="1200">
+                <a:solidFill>
+                  <a:schemeClr val="tx1"/>
+                </a:solidFill>
+                <a:latin typeface="+mn-lt"/>
+                <a:ea typeface="+mn-ea"/>
+                <a:cs typeface="+mn-cs"/>
+              </a:defRPr>
+            </a:lvl2pPr>
+            <a:lvl3pPr marL="857250" indent="-171450" algn="l" defTabSz="685800" rtl="0" eaLnBrk="1" latinLnBrk="0" hangingPunct="1">
+              <a:lnSpc>
+                <a:spcPct val="90000"/>
+              </a:lnSpc>
+              <a:spcBef>
+                <a:spcPts val="375"/>
+              </a:spcBef>
+              <a:buFont typeface="Arial" panose="020B0604020202020204" pitchFamily="34" charset="0"/>
+              <a:buChar char="•"/>
+              <a:defRPr sz="1500" kern="1200">
+                <a:solidFill>
+                  <a:schemeClr val="tx1"/>
+                </a:solidFill>
+                <a:latin typeface="+mn-lt"/>
+                <a:ea typeface="+mn-ea"/>
+                <a:cs typeface="+mn-cs"/>
+              </a:defRPr>
+            </a:lvl3pPr>
+            <a:lvl4pPr marL="1200150" indent="-171450" algn="l" defTabSz="685800" rtl="0" eaLnBrk="1" latinLnBrk="0" hangingPunct="1">
+              <a:lnSpc>
+                <a:spcPct val="90000"/>
+              </a:lnSpc>
+              <a:spcBef>
+                <a:spcPts val="375"/>
+              </a:spcBef>
+              <a:buFont typeface="Arial" panose="020B0604020202020204" pitchFamily="34" charset="0"/>
+              <a:buChar char="•"/>
+              <a:defRPr sz="1350" kern="1200">
+                <a:solidFill>
+                  <a:schemeClr val="tx1"/>
+                </a:solidFill>
+                <a:latin typeface="+mn-lt"/>
+                <a:ea typeface="+mn-ea"/>
+                <a:cs typeface="+mn-cs"/>
+              </a:defRPr>
+            </a:lvl4pPr>
+            <a:lvl5pPr marL="1543050" indent="-171450" algn="l" defTabSz="685800" rtl="0" eaLnBrk="1" latinLnBrk="0" hangingPunct="1">
+              <a:lnSpc>
+                <a:spcPct val="90000"/>
+              </a:lnSpc>
+              <a:spcBef>
+                <a:spcPts val="375"/>
+              </a:spcBef>
+              <a:buFont typeface="Arial" panose="020B0604020202020204" pitchFamily="34" charset="0"/>
+              <a:buChar char="•"/>
+              <a:defRPr sz="1350" kern="1200">
+                <a:solidFill>
+                  <a:schemeClr val="tx1"/>
+                </a:solidFill>
+                <a:latin typeface="+mn-lt"/>
+                <a:ea typeface="+mn-ea"/>
+                <a:cs typeface="+mn-cs"/>
+              </a:defRPr>
+            </a:lvl5pPr>
+            <a:lvl6pPr marL="1885950" indent="-171450" algn="l" defTabSz="685800" rtl="0" eaLnBrk="1" latinLnBrk="0" hangingPunct="1">
+              <a:lnSpc>
+                <a:spcPct val="90000"/>
+              </a:lnSpc>
+              <a:spcBef>
+                <a:spcPts val="375"/>
+              </a:spcBef>
+              <a:buFont typeface="Arial" panose="020B0604020202020204" pitchFamily="34" charset="0"/>
+              <a:buChar char="•"/>
+              <a:defRPr sz="1350" kern="1200">
+                <a:solidFill>
+                  <a:schemeClr val="tx1"/>
+                </a:solidFill>
+                <a:latin typeface="+mn-lt"/>
+                <a:ea typeface="+mn-ea"/>
+                <a:cs typeface="+mn-cs"/>
+              </a:defRPr>
+            </a:lvl6pPr>
+            <a:lvl7pPr marL="2228850" indent="-171450" algn="l" defTabSz="685800" rtl="0" eaLnBrk="1" latinLnBrk="0" hangingPunct="1">
+              <a:lnSpc>
+                <a:spcPct val="90000"/>
+              </a:lnSpc>
+              <a:spcBef>
+                <a:spcPts val="375"/>
+              </a:spcBef>
+              <a:buFont typeface="Arial" panose="020B0604020202020204" pitchFamily="34" charset="0"/>
+              <a:buChar char="•"/>
+              <a:defRPr sz="1350" kern="1200">
+                <a:solidFill>
+                  <a:schemeClr val="tx1"/>
+                </a:solidFill>
+                <a:latin typeface="+mn-lt"/>
+                <a:ea typeface="+mn-ea"/>
+                <a:cs typeface="+mn-cs"/>
+              </a:defRPr>
+            </a:lvl7pPr>
+            <a:lvl8pPr marL="2571750" indent="-171450" algn="l" defTabSz="685800" rtl="0" eaLnBrk="1" latinLnBrk="0" hangingPunct="1">
+              <a:lnSpc>
+                <a:spcPct val="90000"/>
+              </a:lnSpc>
+              <a:spcBef>
+                <a:spcPts val="375"/>
+              </a:spcBef>
+              <a:buFont typeface="Arial" panose="020B0604020202020204" pitchFamily="34" charset="0"/>
+              <a:buChar char="•"/>
+              <a:defRPr sz="1350" kern="1200">
+                <a:solidFill>
+                  <a:schemeClr val="tx1"/>
+                </a:solidFill>
+                <a:latin typeface="+mn-lt"/>
+                <a:ea typeface="+mn-ea"/>
+                <a:cs typeface="+mn-cs"/>
+              </a:defRPr>
+            </a:lvl8pPr>
+            <a:lvl9pPr marL="2914650" indent="-171450" algn="l" defTabSz="685800" rtl="0" eaLnBrk="1" latinLnBrk="0" hangingPunct="1">
+              <a:lnSpc>
+                <a:spcPct val="90000"/>
+              </a:lnSpc>
+              <a:spcBef>
+                <a:spcPts val="375"/>
+              </a:spcBef>
+              <a:buFont typeface="Arial" panose="020B0604020202020204" pitchFamily="34" charset="0"/>
+              <a:buChar char="•"/>
+              <a:defRPr sz="1350" kern="1200">
+                <a:solidFill>
+                  <a:schemeClr val="tx1"/>
+                </a:solidFill>
+                <a:latin typeface="+mn-lt"/>
+                <a:ea typeface="+mn-ea"/>
+                <a:cs typeface="+mn-cs"/>
+              </a:defRPr>
+            </a:lvl9pPr>
+          </a:lstStyle>
+          <a:p>
+            <a:pPr marL="0" indent="0">
+              <a:buNone/>
+            </a:pPr>
+            <a:r>
+              <a:rPr lang="en-US" sz="1600" b="1" dirty="0" err="1"/>
+              <a:t>Podroben</a:t>
+            </a:r>
+            <a:r>
+              <a:rPr lang="en-US" sz="1600" b="1" dirty="0"/>
+              <a:t> </a:t>
+            </a:r>
+            <a:r>
+              <a:rPr lang="en-US" sz="1600" b="1" dirty="0" err="1"/>
+              <a:t>opis</a:t>
+            </a:r>
+            <a:r>
+              <a:rPr lang="en-US" sz="1600" b="1" dirty="0"/>
+              <a:t> </a:t>
+            </a:r>
+            <a:r>
+              <a:rPr lang="en-US" sz="1600" b="1" dirty="0" err="1"/>
+              <a:t>ciljev</a:t>
+            </a:r>
+            <a:r>
+              <a:rPr lang="en-US" sz="1600" b="1" dirty="0"/>
+              <a:t> in </a:t>
+            </a:r>
+            <a:r>
+              <a:rPr lang="en-US" sz="1600" b="1" dirty="0" err="1"/>
+              <a:t>metod</a:t>
+            </a:r>
+            <a:endParaRPr lang="en-US" sz="1600" b="1" dirty="0"/>
+          </a:p>
+        </p:txBody>
+      </p:sp>
+      <p:sp>
+        <p:nvSpPr>
+          <p:cNvPr id="11" name="Content Placeholder 11">
+            <a:extLst>
+              <a:ext uri="{FF2B5EF4-FFF2-40B4-BE49-F238E27FC236}">
+                <a16:creationId xmlns:a16="http://schemas.microsoft.com/office/drawing/2014/main" id="{7B9F5A0B-66B3-574B-8ADF-47E9BEA982E5}"/>
+              </a:ext>
+            </a:extLst>
+          </p:cNvPr>
+          <p:cNvSpPr txBox="1">
+            <a:spLocks/>
+          </p:cNvSpPr>
+          <p:nvPr/>
+        </p:nvSpPr>
+        <p:spPr>
+          <a:xfrm>
+            <a:off x="4572000" y="720327"/>
+            <a:ext cx="4436828" cy="3040640"/>
+          </a:xfrm>
+          <a:prstGeom prst="rect">
+            <a:avLst/>
+          </a:prstGeom>
+        </p:spPr>
+        <p:txBody>
+          <a:bodyPr/>
+          <a:lstStyle>
+            <a:lvl1pPr marL="171450" indent="-171450" algn="l" defTabSz="685800" rtl="0" eaLnBrk="1" latinLnBrk="0" hangingPunct="1">
+              <a:lnSpc>
+                <a:spcPct val="90000"/>
+              </a:lnSpc>
+              <a:spcBef>
+                <a:spcPts val="750"/>
+              </a:spcBef>
+              <a:buFont typeface="Arial" panose="020B0604020202020204" pitchFamily="34" charset="0"/>
+              <a:buChar char="•"/>
+              <a:defRPr sz="2100" kern="1200">
+                <a:solidFill>
+                  <a:schemeClr val="tx1"/>
+                </a:solidFill>
+                <a:latin typeface="+mn-lt"/>
+                <a:ea typeface="+mn-ea"/>
+                <a:cs typeface="+mn-cs"/>
+              </a:defRPr>
+            </a:lvl1pPr>
+            <a:lvl2pPr marL="514350" indent="-171450" algn="l" defTabSz="685800" rtl="0" eaLnBrk="1" latinLnBrk="0" hangingPunct="1">
+              <a:lnSpc>
+                <a:spcPct val="90000"/>
+              </a:lnSpc>
+              <a:spcBef>
+                <a:spcPts val="375"/>
+              </a:spcBef>
+              <a:buFont typeface="Arial" panose="020B0604020202020204" pitchFamily="34" charset="0"/>
+              <a:buChar char="•"/>
+              <a:defRPr sz="1800" kern="1200">
+                <a:solidFill>
+                  <a:schemeClr val="tx1"/>
+                </a:solidFill>
+                <a:latin typeface="+mn-lt"/>
+                <a:ea typeface="+mn-ea"/>
+                <a:cs typeface="+mn-cs"/>
+              </a:defRPr>
+            </a:lvl2pPr>
+            <a:lvl3pPr marL="857250" indent="-171450" algn="l" defTabSz="685800" rtl="0" eaLnBrk="1" latinLnBrk="0" hangingPunct="1">
+              <a:lnSpc>
+                <a:spcPct val="90000"/>
+              </a:lnSpc>
+              <a:spcBef>
+                <a:spcPts val="375"/>
+              </a:spcBef>
+              <a:buFont typeface="Arial" panose="020B0604020202020204" pitchFamily="34" charset="0"/>
+              <a:buChar char="•"/>
+              <a:defRPr sz="1500" kern="1200">
+                <a:solidFill>
+                  <a:schemeClr val="tx1"/>
+                </a:solidFill>
+                <a:latin typeface="+mn-lt"/>
+                <a:ea typeface="+mn-ea"/>
+                <a:cs typeface="+mn-cs"/>
+              </a:defRPr>
+            </a:lvl3pPr>
+            <a:lvl4pPr marL="1200150" indent="-171450" algn="l" defTabSz="685800" rtl="0" eaLnBrk="1" latinLnBrk="0" hangingPunct="1">
+              <a:lnSpc>
+                <a:spcPct val="90000"/>
+              </a:lnSpc>
+              <a:spcBef>
+                <a:spcPts val="375"/>
+              </a:spcBef>
+              <a:buFont typeface="Arial" panose="020B0604020202020204" pitchFamily="34" charset="0"/>
+              <a:buChar char="•"/>
+              <a:defRPr sz="1350" kern="1200">
+                <a:solidFill>
+                  <a:schemeClr val="tx1"/>
+                </a:solidFill>
+                <a:latin typeface="+mn-lt"/>
+                <a:ea typeface="+mn-ea"/>
+                <a:cs typeface="+mn-cs"/>
+              </a:defRPr>
+            </a:lvl4pPr>
+            <a:lvl5pPr marL="1543050" indent="-171450" algn="l" defTabSz="685800" rtl="0" eaLnBrk="1" latinLnBrk="0" hangingPunct="1">
+              <a:lnSpc>
+                <a:spcPct val="90000"/>
+              </a:lnSpc>
+              <a:spcBef>
+                <a:spcPts val="375"/>
+              </a:spcBef>
+              <a:buFont typeface="Arial" panose="020B0604020202020204" pitchFamily="34" charset="0"/>
+              <a:buChar char="•"/>
+              <a:defRPr sz="1350" kern="1200">
+                <a:solidFill>
+                  <a:schemeClr val="tx1"/>
+                </a:solidFill>
+                <a:latin typeface="+mn-lt"/>
+                <a:ea typeface="+mn-ea"/>
+                <a:cs typeface="+mn-cs"/>
+              </a:defRPr>
+            </a:lvl5pPr>
+            <a:lvl6pPr marL="1885950" indent="-171450" algn="l" defTabSz="685800" rtl="0" eaLnBrk="1" latinLnBrk="0" hangingPunct="1">
+              <a:lnSpc>
+                <a:spcPct val="90000"/>
+              </a:lnSpc>
+              <a:spcBef>
+                <a:spcPts val="375"/>
+              </a:spcBef>
+              <a:buFont typeface="Arial" panose="020B0604020202020204" pitchFamily="34" charset="0"/>
+              <a:buChar char="•"/>
+              <a:defRPr sz="1350" kern="1200">
+                <a:solidFill>
+                  <a:schemeClr val="tx1"/>
+                </a:solidFill>
+                <a:latin typeface="+mn-lt"/>
+                <a:ea typeface="+mn-ea"/>
+                <a:cs typeface="+mn-cs"/>
+              </a:defRPr>
+            </a:lvl6pPr>
+            <a:lvl7pPr marL="2228850" indent="-171450" algn="l" defTabSz="685800" rtl="0" eaLnBrk="1" latinLnBrk="0" hangingPunct="1">
+              <a:lnSpc>
+                <a:spcPct val="90000"/>
+              </a:lnSpc>
+              <a:spcBef>
+                <a:spcPts val="375"/>
+              </a:spcBef>
+              <a:buFont typeface="Arial" panose="020B0604020202020204" pitchFamily="34" charset="0"/>
+              <a:buChar char="•"/>
+              <a:defRPr sz="1350" kern="1200">
+                <a:solidFill>
+                  <a:schemeClr val="tx1"/>
+                </a:solidFill>
+                <a:latin typeface="+mn-lt"/>
+                <a:ea typeface="+mn-ea"/>
+                <a:cs typeface="+mn-cs"/>
+              </a:defRPr>
+            </a:lvl7pPr>
+            <a:lvl8pPr marL="2571750" indent="-171450" algn="l" defTabSz="685800" rtl="0" eaLnBrk="1" latinLnBrk="0" hangingPunct="1">
+              <a:lnSpc>
+                <a:spcPct val="90000"/>
+              </a:lnSpc>
+              <a:spcBef>
+                <a:spcPts val="375"/>
+              </a:spcBef>
+              <a:buFont typeface="Arial" panose="020B0604020202020204" pitchFamily="34" charset="0"/>
+              <a:buChar char="•"/>
+              <a:defRPr sz="1350" kern="1200">
+                <a:solidFill>
+                  <a:schemeClr val="tx1"/>
+                </a:solidFill>
+                <a:latin typeface="+mn-lt"/>
+                <a:ea typeface="+mn-ea"/>
+                <a:cs typeface="+mn-cs"/>
+              </a:defRPr>
+            </a:lvl8pPr>
+            <a:lvl9pPr marL="2914650" indent="-171450" algn="l" defTabSz="685800" rtl="0" eaLnBrk="1" latinLnBrk="0" hangingPunct="1">
+              <a:lnSpc>
+                <a:spcPct val="90000"/>
+              </a:lnSpc>
+              <a:spcBef>
+                <a:spcPts val="375"/>
+              </a:spcBef>
+              <a:buFont typeface="Arial" panose="020B0604020202020204" pitchFamily="34" charset="0"/>
+              <a:buChar char="•"/>
+              <a:defRPr sz="1350" kern="1200">
+                <a:solidFill>
+                  <a:schemeClr val="tx1"/>
+                </a:solidFill>
+                <a:latin typeface="+mn-lt"/>
+                <a:ea typeface="+mn-ea"/>
+                <a:cs typeface="+mn-cs"/>
+              </a:defRPr>
+            </a:lvl9pPr>
+          </a:lstStyle>
+          <a:p>
+            <a:pPr marL="0" indent="0">
+              <a:buFont typeface="Arial" panose="020B0604020202020204" pitchFamily="34" charset="0"/>
+              <a:buNone/>
+            </a:pPr>
+            <a:endParaRPr lang="en-US" sz="1600" dirty="0"/>
+          </a:p>
+        </p:txBody>
+      </p:sp>
+      <p:sp>
+        <p:nvSpPr>
+          <p:cNvPr id="19" name="Content Placeholder 2">
+            <a:extLst>
+              <a:ext uri="{FF2B5EF4-FFF2-40B4-BE49-F238E27FC236}">
+                <a16:creationId xmlns:a16="http://schemas.microsoft.com/office/drawing/2014/main" id="{990225E6-F674-D74E-9E6E-25DF3C6A53B1}"/>
+              </a:ext>
+            </a:extLst>
+          </p:cNvPr>
+          <p:cNvSpPr txBox="1">
+            <a:spLocks/>
+          </p:cNvSpPr>
+          <p:nvPr/>
+        </p:nvSpPr>
+        <p:spPr>
+          <a:xfrm>
+            <a:off x="4588962" y="82696"/>
+            <a:ext cx="4462272" cy="372120"/>
+          </a:xfrm>
+          <a:prstGeom prst="rect">
+            <a:avLst/>
+          </a:prstGeom>
+          <a:ln>
+            <a:noFill/>
+          </a:ln>
+        </p:spPr>
+        <p:txBody>
+          <a:bodyPr vert="horz" lIns="91440" tIns="45720" rIns="91440" bIns="45720" rtlCol="0">
+            <a:normAutofit/>
+          </a:bodyPr>
+          <a:lstStyle>
+            <a:lvl1pPr marL="171450" indent="-171450" algn="l" defTabSz="685800" rtl="0" eaLnBrk="1" latinLnBrk="0" hangingPunct="1">
+              <a:lnSpc>
+                <a:spcPct val="90000"/>
+              </a:lnSpc>
+              <a:spcBef>
+                <a:spcPts val="750"/>
+              </a:spcBef>
+              <a:buFont typeface="Arial" panose="020B0604020202020204" pitchFamily="34" charset="0"/>
+              <a:buChar char="•"/>
+              <a:defRPr sz="2100" kern="1200">
+                <a:solidFill>
+                  <a:schemeClr val="tx1"/>
+                </a:solidFill>
+                <a:latin typeface="+mn-lt"/>
+                <a:ea typeface="+mn-ea"/>
+                <a:cs typeface="+mn-cs"/>
+              </a:defRPr>
+            </a:lvl1pPr>
+            <a:lvl2pPr marL="514350" indent="-171450" algn="l" defTabSz="685800" rtl="0" eaLnBrk="1" latinLnBrk="0" hangingPunct="1">
+              <a:lnSpc>
+                <a:spcPct val="90000"/>
+              </a:lnSpc>
+              <a:spcBef>
+                <a:spcPts val="375"/>
+              </a:spcBef>
+              <a:buFont typeface="Arial" panose="020B0604020202020204" pitchFamily="34" charset="0"/>
+              <a:buChar char="•"/>
+              <a:defRPr sz="1800" kern="1200">
+                <a:solidFill>
+                  <a:schemeClr val="tx1"/>
+                </a:solidFill>
+                <a:latin typeface="+mn-lt"/>
+                <a:ea typeface="+mn-ea"/>
+                <a:cs typeface="+mn-cs"/>
+              </a:defRPr>
+            </a:lvl2pPr>
+            <a:lvl3pPr marL="857250" indent="-171450" algn="l" defTabSz="685800" rtl="0" eaLnBrk="1" latinLnBrk="0" hangingPunct="1">
+              <a:lnSpc>
+                <a:spcPct val="90000"/>
+              </a:lnSpc>
+              <a:spcBef>
+                <a:spcPts val="375"/>
+              </a:spcBef>
+              <a:buFont typeface="Arial" panose="020B0604020202020204" pitchFamily="34" charset="0"/>
+              <a:buChar char="•"/>
+              <a:defRPr sz="1500" kern="1200">
+                <a:solidFill>
+                  <a:schemeClr val="tx1"/>
+                </a:solidFill>
+                <a:latin typeface="+mn-lt"/>
+                <a:ea typeface="+mn-ea"/>
+                <a:cs typeface="+mn-cs"/>
+              </a:defRPr>
+            </a:lvl3pPr>
+            <a:lvl4pPr marL="1200150" indent="-171450" algn="l" defTabSz="685800" rtl="0" eaLnBrk="1" latinLnBrk="0" hangingPunct="1">
+              <a:lnSpc>
+                <a:spcPct val="90000"/>
+              </a:lnSpc>
+              <a:spcBef>
+                <a:spcPts val="375"/>
+              </a:spcBef>
+              <a:buFont typeface="Arial" panose="020B0604020202020204" pitchFamily="34" charset="0"/>
+              <a:buChar char="•"/>
+              <a:defRPr sz="1350" kern="1200">
+                <a:solidFill>
+                  <a:schemeClr val="tx1"/>
+                </a:solidFill>
+                <a:latin typeface="+mn-lt"/>
+                <a:ea typeface="+mn-ea"/>
+                <a:cs typeface="+mn-cs"/>
+              </a:defRPr>
+            </a:lvl4pPr>
+            <a:lvl5pPr marL="1543050" indent="-171450" algn="l" defTabSz="685800" rtl="0" eaLnBrk="1" latinLnBrk="0" hangingPunct="1">
+              <a:lnSpc>
+                <a:spcPct val="90000"/>
+              </a:lnSpc>
+              <a:spcBef>
+                <a:spcPts val="375"/>
+              </a:spcBef>
+              <a:buFont typeface="Arial" panose="020B0604020202020204" pitchFamily="34" charset="0"/>
+              <a:buChar char="•"/>
+              <a:defRPr sz="1350" kern="1200">
+                <a:solidFill>
+                  <a:schemeClr val="tx1"/>
+                </a:solidFill>
+                <a:latin typeface="+mn-lt"/>
+                <a:ea typeface="+mn-ea"/>
+                <a:cs typeface="+mn-cs"/>
+              </a:defRPr>
+            </a:lvl5pPr>
+            <a:lvl6pPr marL="1885950" indent="-171450" algn="l" defTabSz="685800" rtl="0" eaLnBrk="1" latinLnBrk="0" hangingPunct="1">
+              <a:lnSpc>
+                <a:spcPct val="90000"/>
+              </a:lnSpc>
+              <a:spcBef>
+                <a:spcPts val="375"/>
+              </a:spcBef>
+              <a:buFont typeface="Arial" panose="020B0604020202020204" pitchFamily="34" charset="0"/>
+              <a:buChar char="•"/>
+              <a:defRPr sz="1350" kern="1200">
+                <a:solidFill>
+                  <a:schemeClr val="tx1"/>
+                </a:solidFill>
+                <a:latin typeface="+mn-lt"/>
+                <a:ea typeface="+mn-ea"/>
+                <a:cs typeface="+mn-cs"/>
+              </a:defRPr>
+            </a:lvl6pPr>
+            <a:lvl7pPr marL="2228850" indent="-171450" algn="l" defTabSz="685800" rtl="0" eaLnBrk="1" latinLnBrk="0" hangingPunct="1">
+              <a:lnSpc>
+                <a:spcPct val="90000"/>
+              </a:lnSpc>
+              <a:spcBef>
+                <a:spcPts val="375"/>
+              </a:spcBef>
+              <a:buFont typeface="Arial" panose="020B0604020202020204" pitchFamily="34" charset="0"/>
+              <a:buChar char="•"/>
+              <a:defRPr sz="1350" kern="1200">
+                <a:solidFill>
+                  <a:schemeClr val="tx1"/>
+                </a:solidFill>
+                <a:latin typeface="+mn-lt"/>
+                <a:ea typeface="+mn-ea"/>
+                <a:cs typeface="+mn-cs"/>
+              </a:defRPr>
+            </a:lvl7pPr>
+            <a:lvl8pPr marL="2571750" indent="-171450" algn="l" defTabSz="685800" rtl="0" eaLnBrk="1" latinLnBrk="0" hangingPunct="1">
+              <a:lnSpc>
+                <a:spcPct val="90000"/>
+              </a:lnSpc>
+              <a:spcBef>
+                <a:spcPts val="375"/>
+              </a:spcBef>
+              <a:buFont typeface="Arial" panose="020B0604020202020204" pitchFamily="34" charset="0"/>
+              <a:buChar char="•"/>
+              <a:defRPr sz="1350" kern="1200">
+                <a:solidFill>
+                  <a:schemeClr val="tx1"/>
+                </a:solidFill>
+                <a:latin typeface="+mn-lt"/>
+                <a:ea typeface="+mn-ea"/>
+                <a:cs typeface="+mn-cs"/>
+              </a:defRPr>
+            </a:lvl8pPr>
+            <a:lvl9pPr marL="2914650" indent="-171450" algn="l" defTabSz="685800" rtl="0" eaLnBrk="1" latinLnBrk="0" hangingPunct="1">
+              <a:lnSpc>
+                <a:spcPct val="90000"/>
+              </a:lnSpc>
+              <a:spcBef>
+                <a:spcPts val="375"/>
+              </a:spcBef>
+              <a:buFont typeface="Arial" panose="020B0604020202020204" pitchFamily="34" charset="0"/>
+              <a:buChar char="•"/>
+              <a:defRPr sz="1350" kern="1200">
+                <a:solidFill>
+                  <a:schemeClr val="tx1"/>
+                </a:solidFill>
+                <a:latin typeface="+mn-lt"/>
+                <a:ea typeface="+mn-ea"/>
+                <a:cs typeface="+mn-cs"/>
+              </a:defRPr>
+            </a:lvl9pPr>
+          </a:lstStyle>
+          <a:p>
+            <a:pPr marL="0" indent="0">
+              <a:buFont typeface="Arial" panose="020B0604020202020204" pitchFamily="34" charset="0"/>
+              <a:buNone/>
+            </a:pPr>
+            <a:r>
+              <a:rPr lang="en-US" sz="1600" b="1" dirty="0" err="1"/>
+              <a:t>Rezultati</a:t>
+            </a:r>
+            <a:r>
+              <a:rPr lang="en-US" sz="1600" b="1" dirty="0"/>
+              <a:t>/</a:t>
+            </a:r>
+            <a:r>
+              <a:rPr lang="en-US" sz="1600" b="1" dirty="0" err="1"/>
+              <a:t>dosedanje</a:t>
+            </a:r>
+            <a:r>
+              <a:rPr lang="en-US" sz="1600" b="1" dirty="0"/>
+              <a:t> </a:t>
+            </a:r>
+            <a:r>
+              <a:rPr lang="en-US" sz="1600" b="1" dirty="0" err="1"/>
+              <a:t>ugotovitve</a:t>
+            </a:r>
+            <a:r>
+              <a:rPr lang="en-US" sz="1600" b="1" dirty="0"/>
+              <a:t>/</a:t>
+            </a:r>
+            <a:r>
+              <a:rPr lang="en-US" sz="1600" b="1" dirty="0" err="1"/>
+              <a:t>odprta</a:t>
+            </a:r>
+            <a:r>
+              <a:rPr lang="en-US" sz="1600" b="1" dirty="0"/>
+              <a:t> </a:t>
+            </a:r>
+            <a:r>
+              <a:rPr lang="en-US" sz="1600" b="1" dirty="0" err="1"/>
+              <a:t>vprašanja</a:t>
+            </a:r>
+            <a:endParaRPr lang="en-US" sz="1600" b="1" dirty="0"/>
+          </a:p>
+        </p:txBody>
+      </p:sp>
+      <p:sp>
+        <p:nvSpPr>
+          <p:cNvPr id="12" name="Date Placeholder 11">
+            <a:extLst>
+              <a:ext uri="{FF2B5EF4-FFF2-40B4-BE49-F238E27FC236}">
+                <a16:creationId xmlns:a16="http://schemas.microsoft.com/office/drawing/2014/main" id="{482387C3-9A8A-9A47-8F63-FDB8F168E7F2}"/>
+              </a:ext>
+            </a:extLst>
+          </p:cNvPr>
+          <p:cNvSpPr>
+            <a:spLocks noGrp="1"/>
+          </p:cNvSpPr>
+          <p:nvPr>
+            <p:ph type="dt" sz="half" idx="10"/>
+          </p:nvPr>
+        </p:nvSpPr>
+        <p:spPr>
+          <a:xfrm>
+            <a:off x="76857" y="4800600"/>
+            <a:ext cx="3754164" cy="273844"/>
+          </a:xfrm>
+        </p:spPr>
+        <p:txBody>
+          <a:bodyPr/>
+          <a:lstStyle/>
+          <a:p>
+            <a:r>
+              <a:rPr lang="en-US" dirty="0"/>
+              <a:t>18. 4. 2024</a:t>
+            </a:r>
+          </a:p>
+        </p:txBody>
+      </p:sp>
+      <p:sp>
+        <p:nvSpPr>
+          <p:cNvPr id="13" name="Footer Placeholder 12">
+            <a:extLst>
+              <a:ext uri="{FF2B5EF4-FFF2-40B4-BE49-F238E27FC236}">
+                <a16:creationId xmlns:a16="http://schemas.microsoft.com/office/drawing/2014/main" id="{ED533418-37C8-B143-91FA-663B1D494022}"/>
+              </a:ext>
+            </a:extLst>
+          </p:cNvPr>
+          <p:cNvSpPr>
+            <a:spLocks noGrp="1"/>
+          </p:cNvSpPr>
+          <p:nvPr>
+            <p:ph type="ftr" sz="quarter" idx="11"/>
+          </p:nvPr>
+        </p:nvSpPr>
+        <p:spPr>
+          <a:xfrm>
+            <a:off x="3028950" y="4767263"/>
+            <a:ext cx="3086100" cy="273844"/>
+          </a:xfrm>
+        </p:spPr>
+        <p:txBody>
+          <a:bodyPr/>
+          <a:lstStyle/>
+          <a:p>
+            <a:r>
+              <a:rPr lang="en-US" dirty="0"/>
+              <a:t>PR23-24, </a:t>
+            </a:r>
+            <a:r>
+              <a:rPr lang="en-US" dirty="0" err="1"/>
+              <a:t>Vmesna</a:t>
+            </a:r>
+            <a:r>
+              <a:rPr lang="en-US" dirty="0"/>
+              <a:t> </a:t>
+            </a:r>
+            <a:r>
+              <a:rPr lang="en-US" dirty="0" err="1"/>
+              <a:t>predstavitev</a:t>
+            </a:r>
+            <a:endParaRPr lang="en-US" dirty="0"/>
+          </a:p>
+        </p:txBody>
+      </p:sp>
+    </p:spTree>
+    <p:extLst>
+      <p:ext uri="{BB962C8B-B14F-4D97-AF65-F5344CB8AC3E}">
+        <p14:creationId xmlns:p14="http://schemas.microsoft.com/office/powerpoint/2010/main" val="296469910"/>
+      </p:ext>
+    </p:extLst>
+  </p:cSld>
+  <p:clrMapOvr>
+    <a:masterClrMapping/>
+  </p:clrMapOvr>
+</p:sld>
+</file>
+
+<file path=ppt/slides/slide7.xml><?xml version="1.0" encoding="utf-8"?>
+<p:sld xmlns:a="http://schemas.openxmlformats.org/drawingml/2006/main" xmlns:r="http://schemas.openxmlformats.org/officeDocument/2006/relationships" xmlns:p="http://schemas.openxmlformats.org/presentationml/2006/main">
+  <p:cSld>
+    <p:spTree>
+      <p:nvGrpSpPr>
+        <p:cNvPr id="1" name=""/>
+        <p:cNvGrpSpPr/>
+        <p:nvPr/>
+      </p:nvGrpSpPr>
+      <p:grpSpPr>
+        <a:xfrm>
+          <a:off x="0" y="0"/>
+          <a:ext cx="0" cy="0"/>
+          <a:chOff x="0" y="0"/>
+          <a:chExt cx="0" cy="0"/>
+        </a:xfrm>
+      </p:grpSpPr>
+      <p:sp>
+        <p:nvSpPr>
+          <p:cNvPr id="3" name="Content Placeholder 2">
+            <a:extLst>
+              <a:ext uri="{FF2B5EF4-FFF2-40B4-BE49-F238E27FC236}">
+                <a16:creationId xmlns:a16="http://schemas.microsoft.com/office/drawing/2014/main" id="{9D9094EB-9AF8-C443-A38F-2140C80C75A0}"/>
+              </a:ext>
+            </a:extLst>
+          </p:cNvPr>
+          <p:cNvSpPr>
+            <a:spLocks noGrp="1"/>
+          </p:cNvSpPr>
+          <p:nvPr>
+            <p:ph sz="half" idx="1"/>
+          </p:nvPr>
+        </p:nvSpPr>
+        <p:spPr>
+          <a:xfrm>
+            <a:off x="92765" y="589356"/>
+            <a:ext cx="4403432" cy="4177907"/>
+          </a:xfrm>
+          <a:ln>
+            <a:solidFill>
+              <a:schemeClr val="tx1"/>
+            </a:solidFill>
+          </a:ln>
+        </p:spPr>
+        <p:txBody>
+          <a:bodyPr>
+            <a:normAutofit/>
+          </a:bodyPr>
+          <a:lstStyle/>
+          <a:p>
+            <a:pPr marL="0" indent="0">
+              <a:buNone/>
+            </a:pPr>
+            <a:endParaRPr lang="sl-SI" sz="1600" dirty="0"/>
+          </a:p>
+          <a:p>
+            <a:pPr marL="0" indent="0">
+              <a:buNone/>
+            </a:pPr>
+            <a:r>
+              <a:rPr lang="sl-SI" sz="1600" b="1" dirty="0"/>
+              <a:t>Cilj6: </a:t>
+            </a:r>
+            <a:r>
+              <a:rPr lang="sl-SI" sz="1600" dirty="0"/>
+              <a:t>nesreče glede na vrsto poletov</a:t>
+            </a:r>
+            <a:endParaRPr lang="en-US" sz="1600" dirty="0"/>
+          </a:p>
+          <a:p>
+            <a:r>
+              <a:rPr lang="sl-SI" sz="1600" dirty="0"/>
+              <a:t>Kateri poleti so bili največkrat vpleteni v nesrečo? Komercialni/vojaški</a:t>
+            </a:r>
+          </a:p>
+          <a:p>
+            <a:pPr marL="0" indent="0">
+              <a:buNone/>
+            </a:pPr>
+            <a:endParaRPr lang="sl-SI" sz="1600" dirty="0"/>
+          </a:p>
+        </p:txBody>
+      </p:sp>
+      <p:sp>
+        <p:nvSpPr>
+          <p:cNvPr id="18" name="Content Placeholder 17">
+            <a:extLst>
+              <a:ext uri="{FF2B5EF4-FFF2-40B4-BE49-F238E27FC236}">
+                <a16:creationId xmlns:a16="http://schemas.microsoft.com/office/drawing/2014/main" id="{BFC9798E-C22A-6049-8D8E-80BEDDEA70AA}"/>
+              </a:ext>
+            </a:extLst>
+          </p:cNvPr>
+          <p:cNvSpPr>
+            <a:spLocks noGrp="1"/>
+          </p:cNvSpPr>
+          <p:nvPr>
+            <p:ph sz="half" idx="2"/>
+          </p:nvPr>
+        </p:nvSpPr>
+        <p:spPr>
+          <a:xfrm>
+            <a:off x="4588962" y="589356"/>
+            <a:ext cx="4462272" cy="4177907"/>
+          </a:xfrm>
+          <a:ln>
+            <a:solidFill>
+              <a:schemeClr val="tx1"/>
+            </a:solidFill>
+          </a:ln>
+        </p:spPr>
+        <p:txBody>
+          <a:bodyPr>
+            <a:normAutofit/>
+          </a:bodyPr>
+          <a:lstStyle/>
+          <a:p>
+            <a:pPr marL="0" indent="0">
+              <a:buNone/>
+            </a:pPr>
+            <a:endParaRPr lang="sl-SI" sz="1600" dirty="0"/>
+          </a:p>
+          <a:p>
+            <a:pPr marL="0" indent="0">
+              <a:buNone/>
+            </a:pPr>
+            <a:endParaRPr lang="sl-SI" sz="1600" dirty="0"/>
+          </a:p>
+          <a:p>
+            <a:r>
+              <a:rPr lang="sl-SI" sz="1600" b="1" dirty="0"/>
+              <a:t>Komercialni </a:t>
+            </a:r>
+            <a:r>
+              <a:rPr lang="sl-SI" sz="1600" dirty="0"/>
+              <a:t>– 85,2%</a:t>
+            </a:r>
+            <a:endParaRPr lang="sl-SI" sz="1600" b="1" dirty="0"/>
+          </a:p>
+          <a:p>
+            <a:r>
+              <a:rPr lang="sl-SI" sz="1600" b="1" dirty="0"/>
+              <a:t>Vojaški </a:t>
+            </a:r>
+            <a:r>
+              <a:rPr lang="sl-SI" sz="1600" dirty="0"/>
+              <a:t>– 14,8%</a:t>
+            </a:r>
+            <a:endParaRPr lang="sl-SI" sz="1600" b="1" dirty="0"/>
+          </a:p>
+          <a:p>
+            <a:endParaRPr lang="sl-SI" sz="1600" dirty="0"/>
+          </a:p>
+          <a:p>
+            <a:pPr marL="0" indent="0">
+              <a:buNone/>
+            </a:pPr>
+            <a:endParaRPr lang="sl-SI" sz="1600" dirty="0"/>
+          </a:p>
+          <a:p>
+            <a:endParaRPr lang="en-US" sz="1600" dirty="0"/>
+          </a:p>
+        </p:txBody>
+      </p:sp>
+      <p:sp>
+        <p:nvSpPr>
+          <p:cNvPr id="7" name="Slide Number Placeholder 6">
+            <a:extLst>
+              <a:ext uri="{FF2B5EF4-FFF2-40B4-BE49-F238E27FC236}">
+                <a16:creationId xmlns:a16="http://schemas.microsoft.com/office/drawing/2014/main" id="{C24814E3-8963-334D-848C-E4EE0D7A5ECE}"/>
+              </a:ext>
+            </a:extLst>
+          </p:cNvPr>
+          <p:cNvSpPr>
+            <a:spLocks noGrp="1"/>
+          </p:cNvSpPr>
+          <p:nvPr>
+            <p:ph type="sldNum" sz="quarter" idx="12"/>
+          </p:nvPr>
+        </p:nvSpPr>
+        <p:spPr/>
+        <p:txBody>
+          <a:bodyPr/>
+          <a:lstStyle/>
+          <a:p>
+            <a:fld id="{03BC8BC1-971C-5C4D-898D-87CE7EF1EB36}" type="slidenum">
+              <a:rPr lang="en-US" smtClean="0"/>
+              <a:t>7</a:t>
+            </a:fld>
+            <a:endParaRPr lang="en-US"/>
+          </a:p>
+        </p:txBody>
+      </p:sp>
+      <p:sp>
+        <p:nvSpPr>
+          <p:cNvPr id="8" name="Content Placeholder 2">
+            <a:extLst>
+              <a:ext uri="{FF2B5EF4-FFF2-40B4-BE49-F238E27FC236}">
+                <a16:creationId xmlns:a16="http://schemas.microsoft.com/office/drawing/2014/main" id="{194343F5-9AFD-314A-B851-B4B16EF4AB6C}"/>
+              </a:ext>
+            </a:extLst>
+          </p:cNvPr>
+          <p:cNvSpPr txBox="1">
+            <a:spLocks/>
+          </p:cNvSpPr>
+          <p:nvPr/>
+        </p:nvSpPr>
+        <p:spPr>
+          <a:xfrm>
+            <a:off x="92765" y="82696"/>
+            <a:ext cx="4403432" cy="372120"/>
+          </a:xfrm>
+          <a:prstGeom prst="rect">
+            <a:avLst/>
+          </a:prstGeom>
+          <a:ln>
+            <a:noFill/>
+          </a:ln>
+        </p:spPr>
+        <p:txBody>
+          <a:bodyPr vert="horz" lIns="91440" tIns="45720" rIns="91440" bIns="45720" rtlCol="0">
+            <a:normAutofit/>
+          </a:bodyPr>
+          <a:lstStyle>
+            <a:lvl1pPr marL="171450" indent="-171450" algn="l" defTabSz="685800" rtl="0" eaLnBrk="1" latinLnBrk="0" hangingPunct="1">
+              <a:lnSpc>
+                <a:spcPct val="90000"/>
+              </a:lnSpc>
+              <a:spcBef>
+                <a:spcPts val="750"/>
+              </a:spcBef>
+              <a:buFont typeface="Arial" panose="020B0604020202020204" pitchFamily="34" charset="0"/>
+              <a:buChar char="•"/>
+              <a:defRPr sz="2100" kern="1200">
+                <a:solidFill>
+                  <a:schemeClr val="tx1"/>
+                </a:solidFill>
+                <a:latin typeface="+mn-lt"/>
+                <a:ea typeface="+mn-ea"/>
+                <a:cs typeface="+mn-cs"/>
+              </a:defRPr>
+            </a:lvl1pPr>
+            <a:lvl2pPr marL="514350" indent="-171450" algn="l" defTabSz="685800" rtl="0" eaLnBrk="1" latinLnBrk="0" hangingPunct="1">
+              <a:lnSpc>
+                <a:spcPct val="90000"/>
+              </a:lnSpc>
+              <a:spcBef>
+                <a:spcPts val="375"/>
+              </a:spcBef>
+              <a:buFont typeface="Arial" panose="020B0604020202020204" pitchFamily="34" charset="0"/>
+              <a:buChar char="•"/>
+              <a:defRPr sz="1800" kern="1200">
+                <a:solidFill>
+                  <a:schemeClr val="tx1"/>
+                </a:solidFill>
+                <a:latin typeface="+mn-lt"/>
+                <a:ea typeface="+mn-ea"/>
+                <a:cs typeface="+mn-cs"/>
+              </a:defRPr>
+            </a:lvl2pPr>
+            <a:lvl3pPr marL="857250" indent="-171450" algn="l" defTabSz="685800" rtl="0" eaLnBrk="1" latinLnBrk="0" hangingPunct="1">
+              <a:lnSpc>
+                <a:spcPct val="90000"/>
+              </a:lnSpc>
+              <a:spcBef>
+                <a:spcPts val="375"/>
+              </a:spcBef>
+              <a:buFont typeface="Arial" panose="020B0604020202020204" pitchFamily="34" charset="0"/>
+              <a:buChar char="•"/>
+              <a:defRPr sz="1500" kern="1200">
+                <a:solidFill>
+                  <a:schemeClr val="tx1"/>
+                </a:solidFill>
+                <a:latin typeface="+mn-lt"/>
+                <a:ea typeface="+mn-ea"/>
+                <a:cs typeface="+mn-cs"/>
+              </a:defRPr>
+            </a:lvl3pPr>
+            <a:lvl4pPr marL="1200150" indent="-171450" algn="l" defTabSz="685800" rtl="0" eaLnBrk="1" latinLnBrk="0" hangingPunct="1">
+              <a:lnSpc>
+                <a:spcPct val="90000"/>
+              </a:lnSpc>
+              <a:spcBef>
+                <a:spcPts val="375"/>
+              </a:spcBef>
+              <a:buFont typeface="Arial" panose="020B0604020202020204" pitchFamily="34" charset="0"/>
+              <a:buChar char="•"/>
+              <a:defRPr sz="1350" kern="1200">
+                <a:solidFill>
+                  <a:schemeClr val="tx1"/>
+                </a:solidFill>
+                <a:latin typeface="+mn-lt"/>
+                <a:ea typeface="+mn-ea"/>
+                <a:cs typeface="+mn-cs"/>
+              </a:defRPr>
+            </a:lvl4pPr>
+            <a:lvl5pPr marL="1543050" indent="-171450" algn="l" defTabSz="685800" rtl="0" eaLnBrk="1" latinLnBrk="0" hangingPunct="1">
+              <a:lnSpc>
+                <a:spcPct val="90000"/>
+              </a:lnSpc>
+              <a:spcBef>
+                <a:spcPts val="375"/>
+              </a:spcBef>
+              <a:buFont typeface="Arial" panose="020B0604020202020204" pitchFamily="34" charset="0"/>
+              <a:buChar char="•"/>
+              <a:defRPr sz="1350" kern="1200">
+                <a:solidFill>
+                  <a:schemeClr val="tx1"/>
+                </a:solidFill>
+                <a:latin typeface="+mn-lt"/>
+                <a:ea typeface="+mn-ea"/>
+                <a:cs typeface="+mn-cs"/>
+              </a:defRPr>
+            </a:lvl5pPr>
+            <a:lvl6pPr marL="1885950" indent="-171450" algn="l" defTabSz="685800" rtl="0" eaLnBrk="1" latinLnBrk="0" hangingPunct="1">
+              <a:lnSpc>
+                <a:spcPct val="90000"/>
+              </a:lnSpc>
+              <a:spcBef>
+                <a:spcPts val="375"/>
+              </a:spcBef>
+              <a:buFont typeface="Arial" panose="020B0604020202020204" pitchFamily="34" charset="0"/>
+              <a:buChar char="•"/>
+              <a:defRPr sz="1350" kern="1200">
+                <a:solidFill>
+                  <a:schemeClr val="tx1"/>
+                </a:solidFill>
+                <a:latin typeface="+mn-lt"/>
+                <a:ea typeface="+mn-ea"/>
+                <a:cs typeface="+mn-cs"/>
+              </a:defRPr>
+            </a:lvl6pPr>
+            <a:lvl7pPr marL="2228850" indent="-171450" algn="l" defTabSz="685800" rtl="0" eaLnBrk="1" latinLnBrk="0" hangingPunct="1">
+              <a:lnSpc>
+                <a:spcPct val="90000"/>
+              </a:lnSpc>
+              <a:spcBef>
+                <a:spcPts val="375"/>
+              </a:spcBef>
+              <a:buFont typeface="Arial" panose="020B0604020202020204" pitchFamily="34" charset="0"/>
+              <a:buChar char="•"/>
+              <a:defRPr sz="1350" kern="1200">
+                <a:solidFill>
+                  <a:schemeClr val="tx1"/>
+                </a:solidFill>
+                <a:latin typeface="+mn-lt"/>
+                <a:ea typeface="+mn-ea"/>
+                <a:cs typeface="+mn-cs"/>
+              </a:defRPr>
+            </a:lvl7pPr>
+            <a:lvl8pPr marL="2571750" indent="-171450" algn="l" defTabSz="685800" rtl="0" eaLnBrk="1" latinLnBrk="0" hangingPunct="1">
+              <a:lnSpc>
+                <a:spcPct val="90000"/>
+              </a:lnSpc>
+              <a:spcBef>
+                <a:spcPts val="375"/>
+              </a:spcBef>
+              <a:buFont typeface="Arial" panose="020B0604020202020204" pitchFamily="34" charset="0"/>
+              <a:buChar char="•"/>
+              <a:defRPr sz="1350" kern="1200">
+                <a:solidFill>
+                  <a:schemeClr val="tx1"/>
+                </a:solidFill>
+                <a:latin typeface="+mn-lt"/>
+                <a:ea typeface="+mn-ea"/>
+                <a:cs typeface="+mn-cs"/>
+              </a:defRPr>
+            </a:lvl8pPr>
+            <a:lvl9pPr marL="2914650" indent="-171450" algn="l" defTabSz="685800" rtl="0" eaLnBrk="1" latinLnBrk="0" hangingPunct="1">
+              <a:lnSpc>
+                <a:spcPct val="90000"/>
+              </a:lnSpc>
+              <a:spcBef>
+                <a:spcPts val="375"/>
+              </a:spcBef>
+              <a:buFont typeface="Arial" panose="020B0604020202020204" pitchFamily="34" charset="0"/>
+              <a:buChar char="•"/>
+              <a:defRPr sz="1350" kern="1200">
+                <a:solidFill>
+                  <a:schemeClr val="tx1"/>
+                </a:solidFill>
+                <a:latin typeface="+mn-lt"/>
+                <a:ea typeface="+mn-ea"/>
+                <a:cs typeface="+mn-cs"/>
+              </a:defRPr>
+            </a:lvl9pPr>
+          </a:lstStyle>
+          <a:p>
+            <a:pPr marL="0" indent="0">
+              <a:buNone/>
+            </a:pPr>
+            <a:r>
+              <a:rPr lang="en-US" sz="1600" b="1" dirty="0" err="1"/>
+              <a:t>Podroben</a:t>
+            </a:r>
+            <a:r>
+              <a:rPr lang="en-US" sz="1600" b="1" dirty="0"/>
+              <a:t> </a:t>
+            </a:r>
+            <a:r>
+              <a:rPr lang="en-US" sz="1600" b="1" dirty="0" err="1"/>
+              <a:t>opis</a:t>
+            </a:r>
+            <a:r>
+              <a:rPr lang="en-US" sz="1600" b="1" dirty="0"/>
+              <a:t> </a:t>
+            </a:r>
+            <a:r>
+              <a:rPr lang="en-US" sz="1600" b="1" dirty="0" err="1"/>
+              <a:t>ciljev</a:t>
+            </a:r>
+            <a:r>
+              <a:rPr lang="en-US" sz="1600" b="1" dirty="0"/>
+              <a:t> in </a:t>
+            </a:r>
+            <a:r>
+              <a:rPr lang="en-US" sz="1600" b="1" dirty="0" err="1"/>
+              <a:t>metod</a:t>
+            </a:r>
+            <a:endParaRPr lang="en-US" sz="1600" b="1" dirty="0"/>
+          </a:p>
+        </p:txBody>
+      </p:sp>
+      <p:sp>
+        <p:nvSpPr>
+          <p:cNvPr id="11" name="Content Placeholder 11">
+            <a:extLst>
+              <a:ext uri="{FF2B5EF4-FFF2-40B4-BE49-F238E27FC236}">
+                <a16:creationId xmlns:a16="http://schemas.microsoft.com/office/drawing/2014/main" id="{7B9F5A0B-66B3-574B-8ADF-47E9BEA982E5}"/>
+              </a:ext>
+            </a:extLst>
+          </p:cNvPr>
+          <p:cNvSpPr txBox="1">
+            <a:spLocks/>
+          </p:cNvSpPr>
+          <p:nvPr/>
+        </p:nvSpPr>
+        <p:spPr>
+          <a:xfrm>
+            <a:off x="4572000" y="720327"/>
+            <a:ext cx="4436828" cy="3040640"/>
+          </a:xfrm>
+          <a:prstGeom prst="rect">
+            <a:avLst/>
+          </a:prstGeom>
+        </p:spPr>
+        <p:txBody>
+          <a:bodyPr/>
+          <a:lstStyle>
+            <a:lvl1pPr marL="171450" indent="-171450" algn="l" defTabSz="685800" rtl="0" eaLnBrk="1" latinLnBrk="0" hangingPunct="1">
+              <a:lnSpc>
+                <a:spcPct val="90000"/>
+              </a:lnSpc>
+              <a:spcBef>
+                <a:spcPts val="750"/>
+              </a:spcBef>
+              <a:buFont typeface="Arial" panose="020B0604020202020204" pitchFamily="34" charset="0"/>
+              <a:buChar char="•"/>
+              <a:defRPr sz="2100" kern="1200">
+                <a:solidFill>
+                  <a:schemeClr val="tx1"/>
+                </a:solidFill>
+                <a:latin typeface="+mn-lt"/>
+                <a:ea typeface="+mn-ea"/>
+                <a:cs typeface="+mn-cs"/>
+              </a:defRPr>
+            </a:lvl1pPr>
+            <a:lvl2pPr marL="514350" indent="-171450" algn="l" defTabSz="685800" rtl="0" eaLnBrk="1" latinLnBrk="0" hangingPunct="1">
+              <a:lnSpc>
+                <a:spcPct val="90000"/>
+              </a:lnSpc>
+              <a:spcBef>
+                <a:spcPts val="375"/>
+              </a:spcBef>
+              <a:buFont typeface="Arial" panose="020B0604020202020204" pitchFamily="34" charset="0"/>
+              <a:buChar char="•"/>
+              <a:defRPr sz="1800" kern="1200">
+                <a:solidFill>
+                  <a:schemeClr val="tx1"/>
+                </a:solidFill>
+                <a:latin typeface="+mn-lt"/>
+                <a:ea typeface="+mn-ea"/>
+                <a:cs typeface="+mn-cs"/>
+              </a:defRPr>
+            </a:lvl2pPr>
+            <a:lvl3pPr marL="857250" indent="-171450" algn="l" defTabSz="685800" rtl="0" eaLnBrk="1" latinLnBrk="0" hangingPunct="1">
+              <a:lnSpc>
+                <a:spcPct val="90000"/>
+              </a:lnSpc>
+              <a:spcBef>
+                <a:spcPts val="375"/>
+              </a:spcBef>
+              <a:buFont typeface="Arial" panose="020B0604020202020204" pitchFamily="34" charset="0"/>
+              <a:buChar char="•"/>
+              <a:defRPr sz="1500" kern="1200">
+                <a:solidFill>
+                  <a:schemeClr val="tx1"/>
+                </a:solidFill>
+                <a:latin typeface="+mn-lt"/>
+                <a:ea typeface="+mn-ea"/>
+                <a:cs typeface="+mn-cs"/>
+              </a:defRPr>
+            </a:lvl3pPr>
+            <a:lvl4pPr marL="1200150" indent="-171450" algn="l" defTabSz="685800" rtl="0" eaLnBrk="1" latinLnBrk="0" hangingPunct="1">
+              <a:lnSpc>
+                <a:spcPct val="90000"/>
+              </a:lnSpc>
+              <a:spcBef>
+                <a:spcPts val="375"/>
+              </a:spcBef>
+              <a:buFont typeface="Arial" panose="020B0604020202020204" pitchFamily="34" charset="0"/>
+              <a:buChar char="•"/>
+              <a:defRPr sz="1350" kern="1200">
+                <a:solidFill>
+                  <a:schemeClr val="tx1"/>
+                </a:solidFill>
+                <a:latin typeface="+mn-lt"/>
+                <a:ea typeface="+mn-ea"/>
+                <a:cs typeface="+mn-cs"/>
+              </a:defRPr>
+            </a:lvl4pPr>
+            <a:lvl5pPr marL="1543050" indent="-171450" algn="l" defTabSz="685800" rtl="0" eaLnBrk="1" latinLnBrk="0" hangingPunct="1">
+              <a:lnSpc>
+                <a:spcPct val="90000"/>
+              </a:lnSpc>
+              <a:spcBef>
+                <a:spcPts val="375"/>
+              </a:spcBef>
+              <a:buFont typeface="Arial" panose="020B0604020202020204" pitchFamily="34" charset="0"/>
+              <a:buChar char="•"/>
+              <a:defRPr sz="1350" kern="1200">
+                <a:solidFill>
+                  <a:schemeClr val="tx1"/>
+                </a:solidFill>
+                <a:latin typeface="+mn-lt"/>
+                <a:ea typeface="+mn-ea"/>
+                <a:cs typeface="+mn-cs"/>
+              </a:defRPr>
+            </a:lvl5pPr>
+            <a:lvl6pPr marL="1885950" indent="-171450" algn="l" defTabSz="685800" rtl="0" eaLnBrk="1" latinLnBrk="0" hangingPunct="1">
+              <a:lnSpc>
+                <a:spcPct val="90000"/>
+              </a:lnSpc>
+              <a:spcBef>
+                <a:spcPts val="375"/>
+              </a:spcBef>
+              <a:buFont typeface="Arial" panose="020B0604020202020204" pitchFamily="34" charset="0"/>
+              <a:buChar char="•"/>
+              <a:defRPr sz="1350" kern="1200">
+                <a:solidFill>
+                  <a:schemeClr val="tx1"/>
+                </a:solidFill>
+                <a:latin typeface="+mn-lt"/>
+                <a:ea typeface="+mn-ea"/>
+                <a:cs typeface="+mn-cs"/>
+              </a:defRPr>
+            </a:lvl6pPr>
+            <a:lvl7pPr marL="2228850" indent="-171450" algn="l" defTabSz="685800" rtl="0" eaLnBrk="1" latinLnBrk="0" hangingPunct="1">
+              <a:lnSpc>
+                <a:spcPct val="90000"/>
+              </a:lnSpc>
+              <a:spcBef>
+                <a:spcPts val="375"/>
+              </a:spcBef>
+              <a:buFont typeface="Arial" panose="020B0604020202020204" pitchFamily="34" charset="0"/>
+              <a:buChar char="•"/>
+              <a:defRPr sz="1350" kern="1200">
+                <a:solidFill>
+                  <a:schemeClr val="tx1"/>
+                </a:solidFill>
+                <a:latin typeface="+mn-lt"/>
+                <a:ea typeface="+mn-ea"/>
+                <a:cs typeface="+mn-cs"/>
+              </a:defRPr>
+            </a:lvl7pPr>
+            <a:lvl8pPr marL="2571750" indent="-171450" algn="l" defTabSz="685800" rtl="0" eaLnBrk="1" latinLnBrk="0" hangingPunct="1">
+              <a:lnSpc>
+                <a:spcPct val="90000"/>
+              </a:lnSpc>
+              <a:spcBef>
+                <a:spcPts val="375"/>
+              </a:spcBef>
+              <a:buFont typeface="Arial" panose="020B0604020202020204" pitchFamily="34" charset="0"/>
+              <a:buChar char="•"/>
+              <a:defRPr sz="1350" kern="1200">
+                <a:solidFill>
+                  <a:schemeClr val="tx1"/>
+                </a:solidFill>
+                <a:latin typeface="+mn-lt"/>
+                <a:ea typeface="+mn-ea"/>
+                <a:cs typeface="+mn-cs"/>
+              </a:defRPr>
+            </a:lvl8pPr>
+            <a:lvl9pPr marL="2914650" indent="-171450" algn="l" defTabSz="685800" rtl="0" eaLnBrk="1" latinLnBrk="0" hangingPunct="1">
+              <a:lnSpc>
+                <a:spcPct val="90000"/>
+              </a:lnSpc>
+              <a:spcBef>
+                <a:spcPts val="375"/>
+              </a:spcBef>
+              <a:buFont typeface="Arial" panose="020B0604020202020204" pitchFamily="34" charset="0"/>
+              <a:buChar char="•"/>
+              <a:defRPr sz="1350" kern="1200">
+                <a:solidFill>
+                  <a:schemeClr val="tx1"/>
+                </a:solidFill>
+                <a:latin typeface="+mn-lt"/>
+                <a:ea typeface="+mn-ea"/>
+                <a:cs typeface="+mn-cs"/>
+              </a:defRPr>
+            </a:lvl9pPr>
+          </a:lstStyle>
+          <a:p>
+            <a:pPr marL="0" indent="0">
+              <a:buFont typeface="Arial" panose="020B0604020202020204" pitchFamily="34" charset="0"/>
+              <a:buNone/>
+            </a:pPr>
+            <a:endParaRPr lang="en-US" sz="1600" dirty="0"/>
+          </a:p>
+        </p:txBody>
+      </p:sp>
+      <p:sp>
+        <p:nvSpPr>
+          <p:cNvPr id="19" name="Content Placeholder 2">
+            <a:extLst>
+              <a:ext uri="{FF2B5EF4-FFF2-40B4-BE49-F238E27FC236}">
+                <a16:creationId xmlns:a16="http://schemas.microsoft.com/office/drawing/2014/main" id="{990225E6-F674-D74E-9E6E-25DF3C6A53B1}"/>
+              </a:ext>
+            </a:extLst>
+          </p:cNvPr>
+          <p:cNvSpPr txBox="1">
+            <a:spLocks/>
+          </p:cNvSpPr>
+          <p:nvPr/>
+        </p:nvSpPr>
+        <p:spPr>
+          <a:xfrm>
+            <a:off x="4588962" y="82696"/>
+            <a:ext cx="4462272" cy="372120"/>
+          </a:xfrm>
+          <a:prstGeom prst="rect">
+            <a:avLst/>
+          </a:prstGeom>
+          <a:ln>
+            <a:noFill/>
+          </a:ln>
+        </p:spPr>
+        <p:txBody>
+          <a:bodyPr vert="horz" lIns="91440" tIns="45720" rIns="91440" bIns="45720" rtlCol="0">
+            <a:normAutofit/>
+          </a:bodyPr>
+          <a:lstStyle>
+            <a:lvl1pPr marL="171450" indent="-171450" algn="l" defTabSz="685800" rtl="0" eaLnBrk="1" latinLnBrk="0" hangingPunct="1">
+              <a:lnSpc>
+                <a:spcPct val="90000"/>
+              </a:lnSpc>
+              <a:spcBef>
+                <a:spcPts val="750"/>
+              </a:spcBef>
+              <a:buFont typeface="Arial" panose="020B0604020202020204" pitchFamily="34" charset="0"/>
+              <a:buChar char="•"/>
+              <a:defRPr sz="2100" kern="1200">
+                <a:solidFill>
+                  <a:schemeClr val="tx1"/>
+                </a:solidFill>
+                <a:latin typeface="+mn-lt"/>
+                <a:ea typeface="+mn-ea"/>
+                <a:cs typeface="+mn-cs"/>
+              </a:defRPr>
+            </a:lvl1pPr>
+            <a:lvl2pPr marL="514350" indent="-171450" algn="l" defTabSz="685800" rtl="0" eaLnBrk="1" latinLnBrk="0" hangingPunct="1">
+              <a:lnSpc>
+                <a:spcPct val="90000"/>
+              </a:lnSpc>
+              <a:spcBef>
+                <a:spcPts val="375"/>
+              </a:spcBef>
+              <a:buFont typeface="Arial" panose="020B0604020202020204" pitchFamily="34" charset="0"/>
+              <a:buChar char="•"/>
+              <a:defRPr sz="1800" kern="1200">
+                <a:solidFill>
+                  <a:schemeClr val="tx1"/>
+                </a:solidFill>
+                <a:latin typeface="+mn-lt"/>
+                <a:ea typeface="+mn-ea"/>
+                <a:cs typeface="+mn-cs"/>
+              </a:defRPr>
+            </a:lvl2pPr>
+            <a:lvl3pPr marL="857250" indent="-171450" algn="l" defTabSz="685800" rtl="0" eaLnBrk="1" latinLnBrk="0" hangingPunct="1">
+              <a:lnSpc>
+                <a:spcPct val="90000"/>
+              </a:lnSpc>
+              <a:spcBef>
+                <a:spcPts val="375"/>
+              </a:spcBef>
+              <a:buFont typeface="Arial" panose="020B0604020202020204" pitchFamily="34" charset="0"/>
+              <a:buChar char="•"/>
+              <a:defRPr sz="1500" kern="1200">
+                <a:solidFill>
+                  <a:schemeClr val="tx1"/>
+                </a:solidFill>
+                <a:latin typeface="+mn-lt"/>
+                <a:ea typeface="+mn-ea"/>
+                <a:cs typeface="+mn-cs"/>
+              </a:defRPr>
+            </a:lvl3pPr>
+            <a:lvl4pPr marL="1200150" indent="-171450" algn="l" defTabSz="685800" rtl="0" eaLnBrk="1" latinLnBrk="0" hangingPunct="1">
+              <a:lnSpc>
+                <a:spcPct val="90000"/>
+              </a:lnSpc>
+              <a:spcBef>
+                <a:spcPts val="375"/>
+              </a:spcBef>
+              <a:buFont typeface="Arial" panose="020B0604020202020204" pitchFamily="34" charset="0"/>
+              <a:buChar char="•"/>
+              <a:defRPr sz="1350" kern="1200">
+                <a:solidFill>
+                  <a:schemeClr val="tx1"/>
+                </a:solidFill>
+                <a:latin typeface="+mn-lt"/>
+                <a:ea typeface="+mn-ea"/>
+                <a:cs typeface="+mn-cs"/>
+              </a:defRPr>
+            </a:lvl4pPr>
+            <a:lvl5pPr marL="1543050" indent="-171450" algn="l" defTabSz="685800" rtl="0" eaLnBrk="1" latinLnBrk="0" hangingPunct="1">
+              <a:lnSpc>
+                <a:spcPct val="90000"/>
+              </a:lnSpc>
+              <a:spcBef>
+                <a:spcPts val="375"/>
+              </a:spcBef>
+              <a:buFont typeface="Arial" panose="020B0604020202020204" pitchFamily="34" charset="0"/>
+              <a:buChar char="•"/>
+              <a:defRPr sz="1350" kern="1200">
+                <a:solidFill>
+                  <a:schemeClr val="tx1"/>
+                </a:solidFill>
+                <a:latin typeface="+mn-lt"/>
+                <a:ea typeface="+mn-ea"/>
+                <a:cs typeface="+mn-cs"/>
+              </a:defRPr>
+            </a:lvl5pPr>
+            <a:lvl6pPr marL="1885950" indent="-171450" algn="l" defTabSz="685800" rtl="0" eaLnBrk="1" latinLnBrk="0" hangingPunct="1">
+              <a:lnSpc>
+                <a:spcPct val="90000"/>
+              </a:lnSpc>
+              <a:spcBef>
+                <a:spcPts val="375"/>
+              </a:spcBef>
+              <a:buFont typeface="Arial" panose="020B0604020202020204" pitchFamily="34" charset="0"/>
+              <a:buChar char="•"/>
+              <a:defRPr sz="1350" kern="1200">
+                <a:solidFill>
+                  <a:schemeClr val="tx1"/>
+                </a:solidFill>
+                <a:latin typeface="+mn-lt"/>
+                <a:ea typeface="+mn-ea"/>
+                <a:cs typeface="+mn-cs"/>
+              </a:defRPr>
+            </a:lvl6pPr>
+            <a:lvl7pPr marL="2228850" indent="-171450" algn="l" defTabSz="685800" rtl="0" eaLnBrk="1" latinLnBrk="0" hangingPunct="1">
+              <a:lnSpc>
+                <a:spcPct val="90000"/>
+              </a:lnSpc>
+              <a:spcBef>
+                <a:spcPts val="375"/>
+              </a:spcBef>
+              <a:buFont typeface="Arial" panose="020B0604020202020204" pitchFamily="34" charset="0"/>
+              <a:buChar char="•"/>
+              <a:defRPr sz="1350" kern="1200">
+                <a:solidFill>
+                  <a:schemeClr val="tx1"/>
+                </a:solidFill>
+                <a:latin typeface="+mn-lt"/>
+                <a:ea typeface="+mn-ea"/>
+                <a:cs typeface="+mn-cs"/>
+              </a:defRPr>
+            </a:lvl7pPr>
+            <a:lvl8pPr marL="2571750" indent="-171450" algn="l" defTabSz="685800" rtl="0" eaLnBrk="1" latinLnBrk="0" hangingPunct="1">
+              <a:lnSpc>
+                <a:spcPct val="90000"/>
+              </a:lnSpc>
+              <a:spcBef>
+                <a:spcPts val="375"/>
+              </a:spcBef>
+              <a:buFont typeface="Arial" panose="020B0604020202020204" pitchFamily="34" charset="0"/>
+              <a:buChar char="•"/>
+              <a:defRPr sz="1350" kern="1200">
+                <a:solidFill>
+                  <a:schemeClr val="tx1"/>
+                </a:solidFill>
+                <a:latin typeface="+mn-lt"/>
+                <a:ea typeface="+mn-ea"/>
+                <a:cs typeface="+mn-cs"/>
+              </a:defRPr>
+            </a:lvl8pPr>
+            <a:lvl9pPr marL="2914650" indent="-171450" algn="l" defTabSz="685800" rtl="0" eaLnBrk="1" latinLnBrk="0" hangingPunct="1">
+              <a:lnSpc>
+                <a:spcPct val="90000"/>
+              </a:lnSpc>
+              <a:spcBef>
+                <a:spcPts val="375"/>
+              </a:spcBef>
+              <a:buFont typeface="Arial" panose="020B0604020202020204" pitchFamily="34" charset="0"/>
+              <a:buChar char="•"/>
+              <a:defRPr sz="1350" kern="1200">
+                <a:solidFill>
+                  <a:schemeClr val="tx1"/>
+                </a:solidFill>
+                <a:latin typeface="+mn-lt"/>
+                <a:ea typeface="+mn-ea"/>
+                <a:cs typeface="+mn-cs"/>
+              </a:defRPr>
+            </a:lvl9pPr>
+          </a:lstStyle>
+          <a:p>
+            <a:pPr marL="0" indent="0">
+              <a:buFont typeface="Arial" panose="020B0604020202020204" pitchFamily="34" charset="0"/>
+              <a:buNone/>
+            </a:pPr>
+            <a:r>
+              <a:rPr lang="en-US" sz="1600" b="1" dirty="0" err="1"/>
+              <a:t>Rezultati</a:t>
+            </a:r>
+            <a:r>
+              <a:rPr lang="en-US" sz="1600" b="1" dirty="0"/>
+              <a:t>/</a:t>
+            </a:r>
+            <a:r>
+              <a:rPr lang="en-US" sz="1600" b="1" dirty="0" err="1"/>
+              <a:t>dosedanje</a:t>
+            </a:r>
+            <a:r>
+              <a:rPr lang="en-US" sz="1600" b="1" dirty="0"/>
+              <a:t> </a:t>
+            </a:r>
+            <a:r>
+              <a:rPr lang="en-US" sz="1600" b="1" dirty="0" err="1"/>
+              <a:t>ugotovitve</a:t>
+            </a:r>
+            <a:r>
+              <a:rPr lang="en-US" sz="1600" b="1" dirty="0"/>
+              <a:t>/</a:t>
+            </a:r>
+            <a:r>
+              <a:rPr lang="en-US" sz="1600" b="1" dirty="0" err="1"/>
+              <a:t>odprta</a:t>
+            </a:r>
+            <a:r>
+              <a:rPr lang="en-US" sz="1600" b="1" dirty="0"/>
+              <a:t> </a:t>
+            </a:r>
+            <a:r>
+              <a:rPr lang="en-US" sz="1600" b="1" dirty="0" err="1"/>
+              <a:t>vprašanja</a:t>
+            </a:r>
+            <a:endParaRPr lang="en-US" sz="1600" b="1" dirty="0"/>
+          </a:p>
+        </p:txBody>
+      </p:sp>
+      <p:sp>
+        <p:nvSpPr>
+          <p:cNvPr id="12" name="Date Placeholder 11">
+            <a:extLst>
+              <a:ext uri="{FF2B5EF4-FFF2-40B4-BE49-F238E27FC236}">
+                <a16:creationId xmlns:a16="http://schemas.microsoft.com/office/drawing/2014/main" id="{482387C3-9A8A-9A47-8F63-FDB8F168E7F2}"/>
+              </a:ext>
+            </a:extLst>
+          </p:cNvPr>
+          <p:cNvSpPr>
+            <a:spLocks noGrp="1"/>
+          </p:cNvSpPr>
+          <p:nvPr>
+            <p:ph type="dt" sz="half" idx="10"/>
+          </p:nvPr>
+        </p:nvSpPr>
+        <p:spPr>
+          <a:xfrm>
+            <a:off x="76857" y="4800600"/>
+            <a:ext cx="3754164" cy="273844"/>
+          </a:xfrm>
+        </p:spPr>
+        <p:txBody>
+          <a:bodyPr/>
+          <a:lstStyle/>
+          <a:p>
+            <a:r>
+              <a:rPr lang="en-US" dirty="0"/>
+              <a:t>18. 4. 2024</a:t>
+            </a:r>
+          </a:p>
+        </p:txBody>
+      </p:sp>
+      <p:sp>
+        <p:nvSpPr>
+          <p:cNvPr id="13" name="Footer Placeholder 12">
+            <a:extLst>
+              <a:ext uri="{FF2B5EF4-FFF2-40B4-BE49-F238E27FC236}">
+                <a16:creationId xmlns:a16="http://schemas.microsoft.com/office/drawing/2014/main" id="{ED533418-37C8-B143-91FA-663B1D494022}"/>
+              </a:ext>
+            </a:extLst>
+          </p:cNvPr>
+          <p:cNvSpPr>
+            <a:spLocks noGrp="1"/>
+          </p:cNvSpPr>
+          <p:nvPr>
+            <p:ph type="ftr" sz="quarter" idx="11"/>
+          </p:nvPr>
+        </p:nvSpPr>
+        <p:spPr>
+          <a:xfrm>
+            <a:off x="3028950" y="4767263"/>
+            <a:ext cx="3086100" cy="273844"/>
+          </a:xfrm>
+        </p:spPr>
+        <p:txBody>
+          <a:bodyPr/>
+          <a:lstStyle/>
+          <a:p>
+            <a:r>
+              <a:rPr lang="en-US" dirty="0"/>
+              <a:t>PR23-24, </a:t>
+            </a:r>
+            <a:r>
+              <a:rPr lang="en-US" dirty="0" err="1"/>
+              <a:t>Vmesna</a:t>
+            </a:r>
+            <a:r>
+              <a:rPr lang="en-US" dirty="0"/>
+              <a:t> </a:t>
+            </a:r>
+            <a:r>
+              <a:rPr lang="en-US" dirty="0" err="1"/>
+              <a:t>predstavitev</a:t>
+            </a:r>
+            <a:endParaRPr lang="en-US" dirty="0"/>
+          </a:p>
+        </p:txBody>
+      </p:sp>
+    </p:spTree>
+    <p:extLst>
+      <p:ext uri="{BB962C8B-B14F-4D97-AF65-F5344CB8AC3E}">
+        <p14:creationId xmlns:p14="http://schemas.microsoft.com/office/powerpoint/2010/main" val="1754104300"/>
+      </p:ext>
+    </p:extLst>
+  </p:cSld>
+  <p:clrMapOvr>
+    <a:masterClrMapping/>
+  </p:clrMapOvr>
+</p:sld>
+</file>
+
+<file path=ppt/slides/slide8.xml><?xml version="1.0" encoding="utf-8"?>
+<p:sld xmlns:a="http://schemas.openxmlformats.org/drawingml/2006/main" xmlns:r="http://schemas.openxmlformats.org/officeDocument/2006/relationships" xmlns:p="http://schemas.openxmlformats.org/presentationml/2006/main">
+  <p:cSld>
+    <p:spTree>
+      <p:nvGrpSpPr>
+        <p:cNvPr id="1" name=""/>
+        <p:cNvGrpSpPr/>
+        <p:nvPr/>
+      </p:nvGrpSpPr>
+      <p:grpSpPr>
+        <a:xfrm>
+          <a:off x="0" y="0"/>
+          <a:ext cx="0" cy="0"/>
+          <a:chOff x="0" y="0"/>
+          <a:chExt cx="0" cy="0"/>
+        </a:xfrm>
+      </p:grpSpPr>
+      <p:sp>
+        <p:nvSpPr>
+          <p:cNvPr id="3" name="Content Placeholder 2">
+            <a:extLst>
+              <a:ext uri="{FF2B5EF4-FFF2-40B4-BE49-F238E27FC236}">
+                <a16:creationId xmlns:a16="http://schemas.microsoft.com/office/drawing/2014/main" id="{9D9094EB-9AF8-C443-A38F-2140C80C75A0}"/>
+              </a:ext>
+            </a:extLst>
+          </p:cNvPr>
+          <p:cNvSpPr>
+            <a:spLocks noGrp="1"/>
+          </p:cNvSpPr>
+          <p:nvPr>
+            <p:ph sz="half" idx="1"/>
+          </p:nvPr>
+        </p:nvSpPr>
+        <p:spPr>
+          <a:xfrm>
+            <a:off x="92765" y="589356"/>
+            <a:ext cx="4403432" cy="4177907"/>
+          </a:xfrm>
+          <a:ln>
+            <a:solidFill>
+              <a:schemeClr val="tx1"/>
+            </a:solidFill>
+          </a:ln>
+        </p:spPr>
+        <p:txBody>
+          <a:bodyPr>
+            <a:normAutofit/>
+          </a:bodyPr>
+          <a:lstStyle/>
+          <a:p>
+            <a:pPr marL="0" indent="0">
+              <a:buNone/>
+            </a:pPr>
+            <a:endParaRPr lang="sl-SI" sz="1600" dirty="0"/>
+          </a:p>
+          <a:p>
+            <a:pPr marL="0" indent="0">
+              <a:buNone/>
+            </a:pPr>
+            <a:r>
+              <a:rPr lang="sl-SI" sz="1600" b="1" dirty="0"/>
+              <a:t>Cilj7: </a:t>
+            </a:r>
+            <a:r>
+              <a:rPr lang="sl-SI" sz="1600" dirty="0"/>
+              <a:t>lokacija nesreč skozi čas po celem svetu (knjižnica </a:t>
+            </a:r>
+            <a:r>
+              <a:rPr lang="sl-SI" sz="1600" dirty="0" err="1"/>
+              <a:t>PilowWriter</a:t>
+            </a:r>
+            <a:r>
+              <a:rPr lang="sl-SI" sz="1600" dirty="0"/>
+              <a:t>, </a:t>
+            </a:r>
+            <a:r>
+              <a:rPr lang="sl-SI" sz="1600" dirty="0" err="1"/>
+              <a:t>cartopy</a:t>
+            </a:r>
+            <a:r>
+              <a:rPr lang="sl-SI" sz="1600" dirty="0"/>
+              <a:t>; </a:t>
+            </a:r>
+            <a:r>
+              <a:rPr lang="sl-SI" sz="1600" dirty="0" err="1"/>
+              <a:t>Geocode</a:t>
+            </a:r>
+            <a:r>
+              <a:rPr lang="sl-SI" sz="1600" dirty="0"/>
+              <a:t> </a:t>
+            </a:r>
+            <a:r>
+              <a:rPr lang="sl-SI" sz="1600" dirty="0" err="1"/>
+              <a:t>reverse</a:t>
+            </a:r>
+            <a:r>
+              <a:rPr lang="sl-SI" sz="1600" dirty="0"/>
+              <a:t> </a:t>
+            </a:r>
+            <a:r>
+              <a:rPr lang="sl-SI" sz="1600" dirty="0" err="1"/>
+              <a:t>inžiniring</a:t>
+            </a:r>
+            <a:r>
+              <a:rPr lang="sl-SI" sz="1600" dirty="0"/>
+              <a:t>; </a:t>
+            </a:r>
+            <a:r>
+              <a:rPr lang="sl-SI" sz="1600" dirty="0" err="1"/>
+              <a:t>Nominatim</a:t>
+            </a:r>
+            <a:r>
+              <a:rPr lang="sl-SI" sz="1600" dirty="0"/>
+              <a:t> API)</a:t>
+            </a:r>
+          </a:p>
+        </p:txBody>
+      </p:sp>
+      <p:sp>
+        <p:nvSpPr>
+          <p:cNvPr id="18" name="Content Placeholder 17">
+            <a:extLst>
+              <a:ext uri="{FF2B5EF4-FFF2-40B4-BE49-F238E27FC236}">
+                <a16:creationId xmlns:a16="http://schemas.microsoft.com/office/drawing/2014/main" id="{BFC9798E-C22A-6049-8D8E-80BEDDEA70AA}"/>
+              </a:ext>
+            </a:extLst>
+          </p:cNvPr>
+          <p:cNvSpPr>
+            <a:spLocks noGrp="1"/>
+          </p:cNvSpPr>
+          <p:nvPr>
+            <p:ph sz="half" idx="2"/>
+          </p:nvPr>
+        </p:nvSpPr>
+        <p:spPr>
+          <a:xfrm>
+            <a:off x="4588962" y="589356"/>
+            <a:ext cx="4462272" cy="4177907"/>
+          </a:xfrm>
+          <a:ln>
+            <a:solidFill>
+              <a:schemeClr val="tx1"/>
+            </a:solidFill>
+          </a:ln>
+        </p:spPr>
+        <p:txBody>
+          <a:bodyPr>
+            <a:normAutofit/>
+          </a:bodyPr>
+          <a:lstStyle/>
+          <a:p>
+            <a:pPr marL="0" indent="0">
+              <a:buNone/>
+            </a:pPr>
+            <a:endParaRPr lang="sl-SI" sz="1600" dirty="0"/>
+          </a:p>
+          <a:p>
+            <a:r>
+              <a:rPr lang="sl-SI" sz="1600" dirty="0"/>
+              <a:t> </a:t>
+            </a:r>
+            <a:r>
+              <a:rPr lang="sl-SI" sz="1600" dirty="0" err="1"/>
+              <a:t>wordcloud</a:t>
+            </a:r>
+            <a:r>
+              <a:rPr lang="sl-SI" sz="1600" dirty="0"/>
+              <a:t> </a:t>
+            </a:r>
+          </a:p>
+          <a:p>
+            <a:endParaRPr lang="en-US" sz="1600" dirty="0"/>
+          </a:p>
+        </p:txBody>
+      </p:sp>
+      <p:sp>
+        <p:nvSpPr>
+          <p:cNvPr id="7" name="Slide Number Placeholder 6">
+            <a:extLst>
+              <a:ext uri="{FF2B5EF4-FFF2-40B4-BE49-F238E27FC236}">
+                <a16:creationId xmlns:a16="http://schemas.microsoft.com/office/drawing/2014/main" id="{C24814E3-8963-334D-848C-E4EE0D7A5ECE}"/>
+              </a:ext>
+            </a:extLst>
+          </p:cNvPr>
+          <p:cNvSpPr>
+            <a:spLocks noGrp="1"/>
+          </p:cNvSpPr>
+          <p:nvPr>
+            <p:ph type="sldNum" sz="quarter" idx="12"/>
+          </p:nvPr>
+        </p:nvSpPr>
+        <p:spPr/>
+        <p:txBody>
+          <a:bodyPr/>
+          <a:lstStyle/>
+          <a:p>
+            <a:fld id="{03BC8BC1-971C-5C4D-898D-87CE7EF1EB36}" type="slidenum">
+              <a:rPr lang="en-US" smtClean="0"/>
+              <a:t>8</a:t>
+            </a:fld>
+            <a:endParaRPr lang="en-US"/>
+          </a:p>
+        </p:txBody>
+      </p:sp>
+      <p:sp>
+        <p:nvSpPr>
+          <p:cNvPr id="8" name="Content Placeholder 2">
+            <a:extLst>
+              <a:ext uri="{FF2B5EF4-FFF2-40B4-BE49-F238E27FC236}">
+                <a16:creationId xmlns:a16="http://schemas.microsoft.com/office/drawing/2014/main" id="{194343F5-9AFD-314A-B851-B4B16EF4AB6C}"/>
+              </a:ext>
+            </a:extLst>
+          </p:cNvPr>
+          <p:cNvSpPr txBox="1">
+            <a:spLocks/>
+          </p:cNvSpPr>
+          <p:nvPr/>
+        </p:nvSpPr>
+        <p:spPr>
+          <a:xfrm>
+            <a:off x="92765" y="82696"/>
+            <a:ext cx="4403432" cy="372120"/>
+          </a:xfrm>
+          <a:prstGeom prst="rect">
+            <a:avLst/>
+          </a:prstGeom>
+          <a:ln>
+            <a:noFill/>
+          </a:ln>
+        </p:spPr>
+        <p:txBody>
+          <a:bodyPr vert="horz" lIns="91440" tIns="45720" rIns="91440" bIns="45720" rtlCol="0">
+            <a:normAutofit/>
+          </a:bodyPr>
+          <a:lstStyle>
+            <a:lvl1pPr marL="171450" indent="-171450" algn="l" defTabSz="685800" rtl="0" eaLnBrk="1" latinLnBrk="0" hangingPunct="1">
+              <a:lnSpc>
+                <a:spcPct val="90000"/>
+              </a:lnSpc>
+              <a:spcBef>
+                <a:spcPts val="750"/>
+              </a:spcBef>
+              <a:buFont typeface="Arial" panose="020B0604020202020204" pitchFamily="34" charset="0"/>
+              <a:buChar char="•"/>
+              <a:defRPr sz="2100" kern="1200">
+                <a:solidFill>
+                  <a:schemeClr val="tx1"/>
+                </a:solidFill>
+                <a:latin typeface="+mn-lt"/>
+                <a:ea typeface="+mn-ea"/>
+                <a:cs typeface="+mn-cs"/>
+              </a:defRPr>
+            </a:lvl1pPr>
+            <a:lvl2pPr marL="514350" indent="-171450" algn="l" defTabSz="685800" rtl="0" eaLnBrk="1" latinLnBrk="0" hangingPunct="1">
+              <a:lnSpc>
+                <a:spcPct val="90000"/>
+              </a:lnSpc>
+              <a:spcBef>
+                <a:spcPts val="375"/>
+              </a:spcBef>
+              <a:buFont typeface="Arial" panose="020B0604020202020204" pitchFamily="34" charset="0"/>
+              <a:buChar char="•"/>
+              <a:defRPr sz="1800" kern="1200">
+                <a:solidFill>
+                  <a:schemeClr val="tx1"/>
+                </a:solidFill>
+                <a:latin typeface="+mn-lt"/>
+                <a:ea typeface="+mn-ea"/>
+                <a:cs typeface="+mn-cs"/>
+              </a:defRPr>
+            </a:lvl2pPr>
+            <a:lvl3pPr marL="857250" indent="-171450" algn="l" defTabSz="685800" rtl="0" eaLnBrk="1" latinLnBrk="0" hangingPunct="1">
+              <a:lnSpc>
+                <a:spcPct val="90000"/>
+              </a:lnSpc>
+              <a:spcBef>
+                <a:spcPts val="375"/>
+              </a:spcBef>
+              <a:buFont typeface="Arial" panose="020B0604020202020204" pitchFamily="34" charset="0"/>
+              <a:buChar char="•"/>
+              <a:defRPr sz="1500" kern="1200">
+                <a:solidFill>
+                  <a:schemeClr val="tx1"/>
+                </a:solidFill>
+                <a:latin typeface="+mn-lt"/>
+                <a:ea typeface="+mn-ea"/>
+                <a:cs typeface="+mn-cs"/>
+              </a:defRPr>
+            </a:lvl3pPr>
+            <a:lvl4pPr marL="1200150" indent="-171450" algn="l" defTabSz="685800" rtl="0" eaLnBrk="1" latinLnBrk="0" hangingPunct="1">
+              <a:lnSpc>
+                <a:spcPct val="90000"/>
+              </a:lnSpc>
+              <a:spcBef>
+                <a:spcPts val="375"/>
+              </a:spcBef>
+              <a:buFont typeface="Arial" panose="020B0604020202020204" pitchFamily="34" charset="0"/>
+              <a:buChar char="•"/>
+              <a:defRPr sz="1350" kern="1200">
+                <a:solidFill>
+                  <a:schemeClr val="tx1"/>
+                </a:solidFill>
+                <a:latin typeface="+mn-lt"/>
+                <a:ea typeface="+mn-ea"/>
+                <a:cs typeface="+mn-cs"/>
+              </a:defRPr>
+            </a:lvl4pPr>
+            <a:lvl5pPr marL="1543050" indent="-171450" algn="l" defTabSz="685800" rtl="0" eaLnBrk="1" latinLnBrk="0" hangingPunct="1">
+              <a:lnSpc>
+                <a:spcPct val="90000"/>
+              </a:lnSpc>
+              <a:spcBef>
+                <a:spcPts val="375"/>
+              </a:spcBef>
+              <a:buFont typeface="Arial" panose="020B0604020202020204" pitchFamily="34" charset="0"/>
+              <a:buChar char="•"/>
+              <a:defRPr sz="1350" kern="1200">
+                <a:solidFill>
+                  <a:schemeClr val="tx1"/>
+                </a:solidFill>
+                <a:latin typeface="+mn-lt"/>
+                <a:ea typeface="+mn-ea"/>
+                <a:cs typeface="+mn-cs"/>
+              </a:defRPr>
+            </a:lvl5pPr>
+            <a:lvl6pPr marL="1885950" indent="-171450" algn="l" defTabSz="685800" rtl="0" eaLnBrk="1" latinLnBrk="0" hangingPunct="1">
+              <a:lnSpc>
+                <a:spcPct val="90000"/>
+              </a:lnSpc>
+              <a:spcBef>
+                <a:spcPts val="375"/>
+              </a:spcBef>
+              <a:buFont typeface="Arial" panose="020B0604020202020204" pitchFamily="34" charset="0"/>
+              <a:buChar char="•"/>
+              <a:defRPr sz="1350" kern="1200">
+                <a:solidFill>
+                  <a:schemeClr val="tx1"/>
+                </a:solidFill>
+                <a:latin typeface="+mn-lt"/>
+                <a:ea typeface="+mn-ea"/>
+                <a:cs typeface="+mn-cs"/>
+              </a:defRPr>
+            </a:lvl6pPr>
+            <a:lvl7pPr marL="2228850" indent="-171450" algn="l" defTabSz="685800" rtl="0" eaLnBrk="1" latinLnBrk="0" hangingPunct="1">
+              <a:lnSpc>
+                <a:spcPct val="90000"/>
+              </a:lnSpc>
+              <a:spcBef>
+                <a:spcPts val="375"/>
+              </a:spcBef>
+              <a:buFont typeface="Arial" panose="020B0604020202020204" pitchFamily="34" charset="0"/>
+              <a:buChar char="•"/>
+              <a:defRPr sz="1350" kern="1200">
+                <a:solidFill>
+                  <a:schemeClr val="tx1"/>
+                </a:solidFill>
+                <a:latin typeface="+mn-lt"/>
+                <a:ea typeface="+mn-ea"/>
+                <a:cs typeface="+mn-cs"/>
+              </a:defRPr>
+            </a:lvl7pPr>
+            <a:lvl8pPr marL="2571750" indent="-171450" algn="l" defTabSz="685800" rtl="0" eaLnBrk="1" latinLnBrk="0" hangingPunct="1">
+              <a:lnSpc>
+                <a:spcPct val="90000"/>
+              </a:lnSpc>
+              <a:spcBef>
+                <a:spcPts val="375"/>
+              </a:spcBef>
+              <a:buFont typeface="Arial" panose="020B0604020202020204" pitchFamily="34" charset="0"/>
+              <a:buChar char="•"/>
+              <a:defRPr sz="1350" kern="1200">
+                <a:solidFill>
+                  <a:schemeClr val="tx1"/>
+                </a:solidFill>
+                <a:latin typeface="+mn-lt"/>
+                <a:ea typeface="+mn-ea"/>
+                <a:cs typeface="+mn-cs"/>
+              </a:defRPr>
+            </a:lvl8pPr>
+            <a:lvl9pPr marL="2914650" indent="-171450" algn="l" defTabSz="685800" rtl="0" eaLnBrk="1" latinLnBrk="0" hangingPunct="1">
+              <a:lnSpc>
+                <a:spcPct val="90000"/>
+              </a:lnSpc>
+              <a:spcBef>
+                <a:spcPts val="375"/>
+              </a:spcBef>
+              <a:buFont typeface="Arial" panose="020B0604020202020204" pitchFamily="34" charset="0"/>
+              <a:buChar char="•"/>
+              <a:defRPr sz="1350" kern="1200">
+                <a:solidFill>
+                  <a:schemeClr val="tx1"/>
+                </a:solidFill>
+                <a:latin typeface="+mn-lt"/>
+                <a:ea typeface="+mn-ea"/>
+                <a:cs typeface="+mn-cs"/>
+              </a:defRPr>
+            </a:lvl9pPr>
+          </a:lstStyle>
+          <a:p>
+            <a:pPr marL="0" indent="0">
+              <a:buNone/>
+            </a:pPr>
+            <a:r>
+              <a:rPr lang="en-US" sz="1600" b="1" dirty="0" err="1"/>
+              <a:t>Podroben</a:t>
+            </a:r>
+            <a:r>
+              <a:rPr lang="en-US" sz="1600" b="1" dirty="0"/>
+              <a:t> </a:t>
+            </a:r>
+            <a:r>
+              <a:rPr lang="en-US" sz="1600" b="1" dirty="0" err="1"/>
+              <a:t>opis</a:t>
+            </a:r>
+            <a:r>
+              <a:rPr lang="en-US" sz="1600" b="1" dirty="0"/>
+              <a:t> </a:t>
+            </a:r>
+            <a:r>
+              <a:rPr lang="en-US" sz="1600" b="1" dirty="0" err="1"/>
+              <a:t>ciljev</a:t>
+            </a:r>
+            <a:r>
+              <a:rPr lang="en-US" sz="1600" b="1" dirty="0"/>
+              <a:t> in </a:t>
+            </a:r>
+            <a:r>
+              <a:rPr lang="en-US" sz="1600" b="1" dirty="0" err="1"/>
+              <a:t>metod</a:t>
+            </a:r>
+            <a:endParaRPr lang="en-US" sz="1600" b="1" dirty="0"/>
+          </a:p>
+        </p:txBody>
+      </p:sp>
+      <p:sp>
+        <p:nvSpPr>
+          <p:cNvPr id="11" name="Content Placeholder 11">
+            <a:extLst>
+              <a:ext uri="{FF2B5EF4-FFF2-40B4-BE49-F238E27FC236}">
+                <a16:creationId xmlns:a16="http://schemas.microsoft.com/office/drawing/2014/main" id="{7B9F5A0B-66B3-574B-8ADF-47E9BEA982E5}"/>
+              </a:ext>
+            </a:extLst>
+          </p:cNvPr>
+          <p:cNvSpPr txBox="1">
+            <a:spLocks/>
+          </p:cNvSpPr>
+          <p:nvPr/>
+        </p:nvSpPr>
+        <p:spPr>
+          <a:xfrm>
+            <a:off x="4572000" y="720327"/>
+            <a:ext cx="4436828" cy="3040640"/>
+          </a:xfrm>
+          <a:prstGeom prst="rect">
+            <a:avLst/>
+          </a:prstGeom>
+        </p:spPr>
+        <p:txBody>
+          <a:bodyPr/>
+          <a:lstStyle>
+            <a:lvl1pPr marL="171450" indent="-171450" algn="l" defTabSz="685800" rtl="0" eaLnBrk="1" latinLnBrk="0" hangingPunct="1">
+              <a:lnSpc>
+                <a:spcPct val="90000"/>
+              </a:lnSpc>
+              <a:spcBef>
+                <a:spcPts val="750"/>
+              </a:spcBef>
+              <a:buFont typeface="Arial" panose="020B0604020202020204" pitchFamily="34" charset="0"/>
+              <a:buChar char="•"/>
+              <a:defRPr sz="2100" kern="1200">
+                <a:solidFill>
+                  <a:schemeClr val="tx1"/>
+                </a:solidFill>
+                <a:latin typeface="+mn-lt"/>
+                <a:ea typeface="+mn-ea"/>
+                <a:cs typeface="+mn-cs"/>
+              </a:defRPr>
+            </a:lvl1pPr>
+            <a:lvl2pPr marL="514350" indent="-171450" algn="l" defTabSz="685800" rtl="0" eaLnBrk="1" latinLnBrk="0" hangingPunct="1">
+              <a:lnSpc>
+                <a:spcPct val="90000"/>
+              </a:lnSpc>
+              <a:spcBef>
+                <a:spcPts val="375"/>
+              </a:spcBef>
+              <a:buFont typeface="Arial" panose="020B0604020202020204" pitchFamily="34" charset="0"/>
+              <a:buChar char="•"/>
+              <a:defRPr sz="1800" kern="1200">
+                <a:solidFill>
+                  <a:schemeClr val="tx1"/>
+                </a:solidFill>
+                <a:latin typeface="+mn-lt"/>
+                <a:ea typeface="+mn-ea"/>
+                <a:cs typeface="+mn-cs"/>
+              </a:defRPr>
+            </a:lvl2pPr>
+            <a:lvl3pPr marL="857250" indent="-171450" algn="l" defTabSz="685800" rtl="0" eaLnBrk="1" latinLnBrk="0" hangingPunct="1">
+              <a:lnSpc>
+                <a:spcPct val="90000"/>
+              </a:lnSpc>
+              <a:spcBef>
+                <a:spcPts val="375"/>
+              </a:spcBef>
+              <a:buFont typeface="Arial" panose="020B0604020202020204" pitchFamily="34" charset="0"/>
+              <a:buChar char="•"/>
+              <a:defRPr sz="1500" kern="1200">
+                <a:solidFill>
+                  <a:schemeClr val="tx1"/>
+                </a:solidFill>
+                <a:latin typeface="+mn-lt"/>
+                <a:ea typeface="+mn-ea"/>
+                <a:cs typeface="+mn-cs"/>
+              </a:defRPr>
+            </a:lvl3pPr>
+            <a:lvl4pPr marL="1200150" indent="-171450" algn="l" defTabSz="685800" rtl="0" eaLnBrk="1" latinLnBrk="0" hangingPunct="1">
+              <a:lnSpc>
+                <a:spcPct val="90000"/>
+              </a:lnSpc>
+              <a:spcBef>
+                <a:spcPts val="375"/>
+              </a:spcBef>
+              <a:buFont typeface="Arial" panose="020B0604020202020204" pitchFamily="34" charset="0"/>
+              <a:buChar char="•"/>
+              <a:defRPr sz="1350" kern="1200">
+                <a:solidFill>
+                  <a:schemeClr val="tx1"/>
+                </a:solidFill>
+                <a:latin typeface="+mn-lt"/>
+                <a:ea typeface="+mn-ea"/>
+                <a:cs typeface="+mn-cs"/>
+              </a:defRPr>
+            </a:lvl4pPr>
+            <a:lvl5pPr marL="1543050" indent="-171450" algn="l" defTabSz="685800" rtl="0" eaLnBrk="1" latinLnBrk="0" hangingPunct="1">
+              <a:lnSpc>
+                <a:spcPct val="90000"/>
+              </a:lnSpc>
+              <a:spcBef>
+                <a:spcPts val="375"/>
+              </a:spcBef>
+              <a:buFont typeface="Arial" panose="020B0604020202020204" pitchFamily="34" charset="0"/>
+              <a:buChar char="•"/>
+              <a:defRPr sz="1350" kern="1200">
+                <a:solidFill>
+                  <a:schemeClr val="tx1"/>
+                </a:solidFill>
+                <a:latin typeface="+mn-lt"/>
+                <a:ea typeface="+mn-ea"/>
+                <a:cs typeface="+mn-cs"/>
+              </a:defRPr>
+            </a:lvl5pPr>
+            <a:lvl6pPr marL="1885950" indent="-171450" algn="l" defTabSz="685800" rtl="0" eaLnBrk="1" latinLnBrk="0" hangingPunct="1">
+              <a:lnSpc>
+                <a:spcPct val="90000"/>
+              </a:lnSpc>
+              <a:spcBef>
+                <a:spcPts val="375"/>
+              </a:spcBef>
+              <a:buFont typeface="Arial" panose="020B0604020202020204" pitchFamily="34" charset="0"/>
+              <a:buChar char="•"/>
+              <a:defRPr sz="1350" kern="1200">
+                <a:solidFill>
+                  <a:schemeClr val="tx1"/>
+                </a:solidFill>
+                <a:latin typeface="+mn-lt"/>
+                <a:ea typeface="+mn-ea"/>
+                <a:cs typeface="+mn-cs"/>
+              </a:defRPr>
+            </a:lvl6pPr>
+            <a:lvl7pPr marL="2228850" indent="-171450" algn="l" defTabSz="685800" rtl="0" eaLnBrk="1" latinLnBrk="0" hangingPunct="1">
+              <a:lnSpc>
+                <a:spcPct val="90000"/>
+              </a:lnSpc>
+              <a:spcBef>
+                <a:spcPts val="375"/>
+              </a:spcBef>
+              <a:buFont typeface="Arial" panose="020B0604020202020204" pitchFamily="34" charset="0"/>
+              <a:buChar char="•"/>
+              <a:defRPr sz="1350" kern="1200">
+                <a:solidFill>
+                  <a:schemeClr val="tx1"/>
+                </a:solidFill>
+                <a:latin typeface="+mn-lt"/>
+                <a:ea typeface="+mn-ea"/>
+                <a:cs typeface="+mn-cs"/>
+              </a:defRPr>
+            </a:lvl7pPr>
+            <a:lvl8pPr marL="2571750" indent="-171450" algn="l" defTabSz="685800" rtl="0" eaLnBrk="1" latinLnBrk="0" hangingPunct="1">
+              <a:lnSpc>
+                <a:spcPct val="90000"/>
+              </a:lnSpc>
+              <a:spcBef>
+                <a:spcPts val="375"/>
+              </a:spcBef>
+              <a:buFont typeface="Arial" panose="020B0604020202020204" pitchFamily="34" charset="0"/>
+              <a:buChar char="•"/>
+              <a:defRPr sz="1350" kern="1200">
+                <a:solidFill>
+                  <a:schemeClr val="tx1"/>
+                </a:solidFill>
+                <a:latin typeface="+mn-lt"/>
+                <a:ea typeface="+mn-ea"/>
+                <a:cs typeface="+mn-cs"/>
+              </a:defRPr>
+            </a:lvl8pPr>
+            <a:lvl9pPr marL="2914650" indent="-171450" algn="l" defTabSz="685800" rtl="0" eaLnBrk="1" latinLnBrk="0" hangingPunct="1">
+              <a:lnSpc>
+                <a:spcPct val="90000"/>
+              </a:lnSpc>
+              <a:spcBef>
+                <a:spcPts val="375"/>
+              </a:spcBef>
+              <a:buFont typeface="Arial" panose="020B0604020202020204" pitchFamily="34" charset="0"/>
+              <a:buChar char="•"/>
+              <a:defRPr sz="1350" kern="1200">
+                <a:solidFill>
+                  <a:schemeClr val="tx1"/>
+                </a:solidFill>
+                <a:latin typeface="+mn-lt"/>
+                <a:ea typeface="+mn-ea"/>
+                <a:cs typeface="+mn-cs"/>
+              </a:defRPr>
+            </a:lvl9pPr>
+          </a:lstStyle>
+          <a:p>
+            <a:pPr marL="0" indent="0">
+              <a:buFont typeface="Arial" panose="020B0604020202020204" pitchFamily="34" charset="0"/>
+              <a:buNone/>
+            </a:pPr>
+            <a:endParaRPr lang="en-US" sz="1600" dirty="0"/>
+          </a:p>
+        </p:txBody>
+      </p:sp>
+      <p:sp>
+        <p:nvSpPr>
+          <p:cNvPr id="19" name="Content Placeholder 2">
+            <a:extLst>
+              <a:ext uri="{FF2B5EF4-FFF2-40B4-BE49-F238E27FC236}">
+                <a16:creationId xmlns:a16="http://schemas.microsoft.com/office/drawing/2014/main" id="{990225E6-F674-D74E-9E6E-25DF3C6A53B1}"/>
+              </a:ext>
+            </a:extLst>
+          </p:cNvPr>
+          <p:cNvSpPr txBox="1">
+            <a:spLocks/>
+          </p:cNvSpPr>
+          <p:nvPr/>
+        </p:nvSpPr>
+        <p:spPr>
+          <a:xfrm>
+            <a:off x="4588962" y="82696"/>
+            <a:ext cx="4462272" cy="372120"/>
+          </a:xfrm>
+          <a:prstGeom prst="rect">
+            <a:avLst/>
+          </a:prstGeom>
+          <a:ln>
+            <a:noFill/>
+          </a:ln>
+        </p:spPr>
+        <p:txBody>
+          <a:bodyPr vert="horz" lIns="91440" tIns="45720" rIns="91440" bIns="45720" rtlCol="0">
+            <a:normAutofit/>
+          </a:bodyPr>
+          <a:lstStyle>
+            <a:lvl1pPr marL="171450" indent="-171450" algn="l" defTabSz="685800" rtl="0" eaLnBrk="1" latinLnBrk="0" hangingPunct="1">
+              <a:lnSpc>
+                <a:spcPct val="90000"/>
+              </a:lnSpc>
+              <a:spcBef>
+                <a:spcPts val="750"/>
+              </a:spcBef>
+              <a:buFont typeface="Arial" panose="020B0604020202020204" pitchFamily="34" charset="0"/>
+              <a:buChar char="•"/>
+              <a:defRPr sz="2100" kern="1200">
+                <a:solidFill>
+                  <a:schemeClr val="tx1"/>
+                </a:solidFill>
+                <a:latin typeface="+mn-lt"/>
+                <a:ea typeface="+mn-ea"/>
+                <a:cs typeface="+mn-cs"/>
+              </a:defRPr>
+            </a:lvl1pPr>
+            <a:lvl2pPr marL="514350" indent="-171450" algn="l" defTabSz="685800" rtl="0" eaLnBrk="1" latinLnBrk="0" hangingPunct="1">
+              <a:lnSpc>
+                <a:spcPct val="90000"/>
+              </a:lnSpc>
+              <a:spcBef>
+                <a:spcPts val="375"/>
+              </a:spcBef>
+              <a:buFont typeface="Arial" panose="020B0604020202020204" pitchFamily="34" charset="0"/>
+              <a:buChar char="•"/>
+              <a:defRPr sz="1800" kern="1200">
+                <a:solidFill>
+                  <a:schemeClr val="tx1"/>
+                </a:solidFill>
+                <a:latin typeface="+mn-lt"/>
+                <a:ea typeface="+mn-ea"/>
+                <a:cs typeface="+mn-cs"/>
+              </a:defRPr>
+            </a:lvl2pPr>
+            <a:lvl3pPr marL="857250" indent="-171450" algn="l" defTabSz="685800" rtl="0" eaLnBrk="1" latinLnBrk="0" hangingPunct="1">
+              <a:lnSpc>
+                <a:spcPct val="90000"/>
+              </a:lnSpc>
+              <a:spcBef>
+                <a:spcPts val="375"/>
+              </a:spcBef>
+              <a:buFont typeface="Arial" panose="020B0604020202020204" pitchFamily="34" charset="0"/>
+              <a:buChar char="•"/>
+              <a:defRPr sz="1500" kern="1200">
+                <a:solidFill>
+                  <a:schemeClr val="tx1"/>
+                </a:solidFill>
+                <a:latin typeface="+mn-lt"/>
+                <a:ea typeface="+mn-ea"/>
+                <a:cs typeface="+mn-cs"/>
+              </a:defRPr>
+            </a:lvl3pPr>
+            <a:lvl4pPr marL="1200150" indent="-171450" algn="l" defTabSz="685800" rtl="0" eaLnBrk="1" latinLnBrk="0" hangingPunct="1">
+              <a:lnSpc>
+                <a:spcPct val="90000"/>
+              </a:lnSpc>
+              <a:spcBef>
+                <a:spcPts val="375"/>
+              </a:spcBef>
+              <a:buFont typeface="Arial" panose="020B0604020202020204" pitchFamily="34" charset="0"/>
+              <a:buChar char="•"/>
+              <a:defRPr sz="1350" kern="1200">
+                <a:solidFill>
+                  <a:schemeClr val="tx1"/>
+                </a:solidFill>
+                <a:latin typeface="+mn-lt"/>
+                <a:ea typeface="+mn-ea"/>
+                <a:cs typeface="+mn-cs"/>
+              </a:defRPr>
+            </a:lvl4pPr>
+            <a:lvl5pPr marL="1543050" indent="-171450" algn="l" defTabSz="685800" rtl="0" eaLnBrk="1" latinLnBrk="0" hangingPunct="1">
+              <a:lnSpc>
+                <a:spcPct val="90000"/>
+              </a:lnSpc>
+              <a:spcBef>
+                <a:spcPts val="375"/>
+              </a:spcBef>
+              <a:buFont typeface="Arial" panose="020B0604020202020204" pitchFamily="34" charset="0"/>
+              <a:buChar char="•"/>
+              <a:defRPr sz="1350" kern="1200">
+                <a:solidFill>
+                  <a:schemeClr val="tx1"/>
+                </a:solidFill>
+                <a:latin typeface="+mn-lt"/>
+                <a:ea typeface="+mn-ea"/>
+                <a:cs typeface="+mn-cs"/>
+              </a:defRPr>
+            </a:lvl5pPr>
+            <a:lvl6pPr marL="1885950" indent="-171450" algn="l" defTabSz="685800" rtl="0" eaLnBrk="1" latinLnBrk="0" hangingPunct="1">
+              <a:lnSpc>
+                <a:spcPct val="90000"/>
+              </a:lnSpc>
+              <a:spcBef>
+                <a:spcPts val="375"/>
+              </a:spcBef>
+              <a:buFont typeface="Arial" panose="020B0604020202020204" pitchFamily="34" charset="0"/>
+              <a:buChar char="•"/>
+              <a:defRPr sz="1350" kern="1200">
+                <a:solidFill>
+                  <a:schemeClr val="tx1"/>
+                </a:solidFill>
+                <a:latin typeface="+mn-lt"/>
+                <a:ea typeface="+mn-ea"/>
+                <a:cs typeface="+mn-cs"/>
+              </a:defRPr>
+            </a:lvl6pPr>
+            <a:lvl7pPr marL="2228850" indent="-171450" algn="l" defTabSz="685800" rtl="0" eaLnBrk="1" latinLnBrk="0" hangingPunct="1">
+              <a:lnSpc>
+                <a:spcPct val="90000"/>
+              </a:lnSpc>
+              <a:spcBef>
+                <a:spcPts val="375"/>
+              </a:spcBef>
+              <a:buFont typeface="Arial" panose="020B0604020202020204" pitchFamily="34" charset="0"/>
+              <a:buChar char="•"/>
+              <a:defRPr sz="1350" kern="1200">
+                <a:solidFill>
+                  <a:schemeClr val="tx1"/>
+                </a:solidFill>
+                <a:latin typeface="+mn-lt"/>
+                <a:ea typeface="+mn-ea"/>
+                <a:cs typeface="+mn-cs"/>
+              </a:defRPr>
+            </a:lvl7pPr>
+            <a:lvl8pPr marL="2571750" indent="-171450" algn="l" defTabSz="685800" rtl="0" eaLnBrk="1" latinLnBrk="0" hangingPunct="1">
+              <a:lnSpc>
+                <a:spcPct val="90000"/>
+              </a:lnSpc>
+              <a:spcBef>
+                <a:spcPts val="375"/>
+              </a:spcBef>
+              <a:buFont typeface="Arial" panose="020B0604020202020204" pitchFamily="34" charset="0"/>
+              <a:buChar char="•"/>
+              <a:defRPr sz="1350" kern="1200">
+                <a:solidFill>
+                  <a:schemeClr val="tx1"/>
+                </a:solidFill>
+                <a:latin typeface="+mn-lt"/>
+                <a:ea typeface="+mn-ea"/>
+                <a:cs typeface="+mn-cs"/>
+              </a:defRPr>
+            </a:lvl8pPr>
+            <a:lvl9pPr marL="2914650" indent="-171450" algn="l" defTabSz="685800" rtl="0" eaLnBrk="1" latinLnBrk="0" hangingPunct="1">
+              <a:lnSpc>
+                <a:spcPct val="90000"/>
+              </a:lnSpc>
+              <a:spcBef>
+                <a:spcPts val="375"/>
+              </a:spcBef>
+              <a:buFont typeface="Arial" panose="020B0604020202020204" pitchFamily="34" charset="0"/>
+              <a:buChar char="•"/>
+              <a:defRPr sz="1350" kern="1200">
+                <a:solidFill>
+                  <a:schemeClr val="tx1"/>
+                </a:solidFill>
+                <a:latin typeface="+mn-lt"/>
+                <a:ea typeface="+mn-ea"/>
+                <a:cs typeface="+mn-cs"/>
+              </a:defRPr>
+            </a:lvl9pPr>
+          </a:lstStyle>
+          <a:p>
+            <a:pPr marL="0" indent="0">
+              <a:buFont typeface="Arial" panose="020B0604020202020204" pitchFamily="34" charset="0"/>
+              <a:buNone/>
+            </a:pPr>
+            <a:r>
+              <a:rPr lang="en-US" sz="1600" b="1" dirty="0" err="1"/>
+              <a:t>Rezultati</a:t>
+            </a:r>
+            <a:r>
+              <a:rPr lang="en-US" sz="1600" b="1" dirty="0"/>
+              <a:t>/</a:t>
+            </a:r>
+            <a:r>
+              <a:rPr lang="en-US" sz="1600" b="1" dirty="0" err="1"/>
+              <a:t>dosedanje</a:t>
+            </a:r>
+            <a:r>
+              <a:rPr lang="en-US" sz="1600" b="1" dirty="0"/>
+              <a:t> </a:t>
+            </a:r>
+            <a:r>
+              <a:rPr lang="en-US" sz="1600" b="1" dirty="0" err="1"/>
+              <a:t>ugotovitve</a:t>
+            </a:r>
+            <a:r>
+              <a:rPr lang="en-US" sz="1600" b="1" dirty="0"/>
+              <a:t>/</a:t>
+            </a:r>
+            <a:r>
+              <a:rPr lang="en-US" sz="1600" b="1" dirty="0" err="1"/>
+              <a:t>odprta</a:t>
+            </a:r>
+            <a:r>
+              <a:rPr lang="en-US" sz="1600" b="1" dirty="0"/>
+              <a:t> </a:t>
+            </a:r>
+            <a:r>
+              <a:rPr lang="en-US" sz="1600" b="1" dirty="0" err="1"/>
+              <a:t>vprašanja</a:t>
+            </a:r>
+            <a:endParaRPr lang="en-US" sz="1600" b="1" dirty="0"/>
+          </a:p>
+        </p:txBody>
+      </p:sp>
+      <p:sp>
+        <p:nvSpPr>
+          <p:cNvPr id="12" name="Date Placeholder 11">
+            <a:extLst>
+              <a:ext uri="{FF2B5EF4-FFF2-40B4-BE49-F238E27FC236}">
+                <a16:creationId xmlns:a16="http://schemas.microsoft.com/office/drawing/2014/main" id="{482387C3-9A8A-9A47-8F63-FDB8F168E7F2}"/>
+              </a:ext>
+            </a:extLst>
+          </p:cNvPr>
+          <p:cNvSpPr>
+            <a:spLocks noGrp="1"/>
+          </p:cNvSpPr>
+          <p:nvPr>
+            <p:ph type="dt" sz="half" idx="10"/>
+          </p:nvPr>
+        </p:nvSpPr>
+        <p:spPr>
+          <a:xfrm>
+            <a:off x="76857" y="4800600"/>
+            <a:ext cx="3754164" cy="273844"/>
+          </a:xfrm>
+        </p:spPr>
+        <p:txBody>
+          <a:bodyPr/>
+          <a:lstStyle/>
+          <a:p>
+            <a:r>
+              <a:rPr lang="en-US" dirty="0"/>
+              <a:t>18. 4. 2024</a:t>
+            </a:r>
+          </a:p>
+        </p:txBody>
+      </p:sp>
+      <p:sp>
+        <p:nvSpPr>
+          <p:cNvPr id="13" name="Footer Placeholder 12">
+            <a:extLst>
+              <a:ext uri="{FF2B5EF4-FFF2-40B4-BE49-F238E27FC236}">
+                <a16:creationId xmlns:a16="http://schemas.microsoft.com/office/drawing/2014/main" id="{ED533418-37C8-B143-91FA-663B1D494022}"/>
+              </a:ext>
+            </a:extLst>
+          </p:cNvPr>
+          <p:cNvSpPr>
+            <a:spLocks noGrp="1"/>
+          </p:cNvSpPr>
+          <p:nvPr>
+            <p:ph type="ftr" sz="quarter" idx="11"/>
+          </p:nvPr>
+        </p:nvSpPr>
+        <p:spPr>
+          <a:xfrm>
+            <a:off x="3028950" y="4767263"/>
+            <a:ext cx="3086100" cy="273844"/>
+          </a:xfrm>
+        </p:spPr>
+        <p:txBody>
+          <a:bodyPr/>
+          <a:lstStyle/>
+          <a:p>
+            <a:r>
+              <a:rPr lang="en-US" dirty="0"/>
+              <a:t>PR23-24, </a:t>
+            </a:r>
+            <a:r>
+              <a:rPr lang="en-US" dirty="0" err="1"/>
+              <a:t>Vmesna</a:t>
+            </a:r>
+            <a:r>
+              <a:rPr lang="en-US" dirty="0"/>
+              <a:t> </a:t>
+            </a:r>
+            <a:r>
+              <a:rPr lang="en-US" dirty="0" err="1"/>
+              <a:t>predstavitev</a:t>
+            </a:r>
+            <a:endParaRPr lang="en-US" dirty="0"/>
+          </a:p>
+        </p:txBody>
+      </p:sp>
+      <p:pic>
+        <p:nvPicPr>
+          <p:cNvPr id="4" name="Slika 3">
+            <a:extLst>
+              <a:ext uri="{FF2B5EF4-FFF2-40B4-BE49-F238E27FC236}">
+                <a16:creationId xmlns:a16="http://schemas.microsoft.com/office/drawing/2014/main" id="{FE5AC764-B64D-B6A4-C414-314D8F616F4E}"/>
+              </a:ext>
+            </a:extLst>
+          </p:cNvPr>
+          <p:cNvPicPr>
+            <a:picLocks noChangeAspect="1"/>
+          </p:cNvPicPr>
+          <p:nvPr/>
+        </p:nvPicPr>
+        <p:blipFill>
+          <a:blip r:embed="rId3"/>
+          <a:stretch>
+            <a:fillRect/>
+          </a:stretch>
+        </p:blipFill>
+        <p:spPr>
+          <a:xfrm>
+            <a:off x="5461819" y="1461112"/>
+            <a:ext cx="2657190" cy="2567116"/>
+          </a:xfrm>
+          <a:prstGeom prst="rect">
+            <a:avLst/>
+          </a:prstGeom>
+        </p:spPr>
+      </p:pic>
+      <p:pic>
+        <p:nvPicPr>
+          <p:cNvPr id="9" name="Slika 8">
+            <a:extLst>
+              <a:ext uri="{FF2B5EF4-FFF2-40B4-BE49-F238E27FC236}">
+                <a16:creationId xmlns:a16="http://schemas.microsoft.com/office/drawing/2014/main" id="{D5006090-0A6A-9303-18FD-F55B0B415994}"/>
+              </a:ext>
+            </a:extLst>
+          </p:cNvPr>
+          <p:cNvPicPr>
+            <a:picLocks noChangeAspect="1"/>
+          </p:cNvPicPr>
+          <p:nvPr/>
+        </p:nvPicPr>
+        <p:blipFill>
+          <a:blip r:embed="rId4"/>
+          <a:stretch>
+            <a:fillRect/>
+          </a:stretch>
+        </p:blipFill>
+        <p:spPr>
+          <a:xfrm>
+            <a:off x="302377" y="1726969"/>
+            <a:ext cx="4193820" cy="2905754"/>
+          </a:xfrm>
+          <a:prstGeom prst="rect">
+            <a:avLst/>
+          </a:prstGeom>
+        </p:spPr>
+      </p:pic>
+    </p:spTree>
+    <p:extLst>
+      <p:ext uri="{BB962C8B-B14F-4D97-AF65-F5344CB8AC3E}">
+        <p14:creationId xmlns:p14="http://schemas.microsoft.com/office/powerpoint/2010/main" val="2247453674"/>
+      </p:ext>
+    </p:extLst>
+  </p:cSld>
+  <p:clrMapOvr>
+    <a:masterClrMapping/>
+  </p:clrMapOvr>
+</p:sld>
+</file>
+
+<file path=ppt/slides/slide9.xml><?xml version="1.0" encoding="utf-8"?>
+<p:sld xmlns:a="http://schemas.openxmlformats.org/drawingml/2006/main" xmlns:r="http://schemas.openxmlformats.org/officeDocument/2006/relationships" xmlns:p="http://schemas.openxmlformats.org/presentationml/2006/main">
+  <p:cSld>
+    <p:spTree>
+      <p:nvGrpSpPr>
+        <p:cNvPr id="1" name=""/>
+        <p:cNvGrpSpPr/>
+        <p:nvPr/>
+      </p:nvGrpSpPr>
+      <p:grpSpPr>
+        <a:xfrm>
+          <a:off x="0" y="0"/>
+          <a:ext cx="0" cy="0"/>
+          <a:chOff x="0" y="0"/>
+          <a:chExt cx="0" cy="0"/>
+        </a:xfrm>
+      </p:grpSpPr>
+      <p:sp>
+        <p:nvSpPr>
+          <p:cNvPr id="3" name="Content Placeholder 2">
+            <a:extLst>
+              <a:ext uri="{FF2B5EF4-FFF2-40B4-BE49-F238E27FC236}">
+                <a16:creationId xmlns:a16="http://schemas.microsoft.com/office/drawing/2014/main" id="{9D9094EB-9AF8-C443-A38F-2140C80C75A0}"/>
+              </a:ext>
+            </a:extLst>
+          </p:cNvPr>
+          <p:cNvSpPr>
+            <a:spLocks noGrp="1"/>
+          </p:cNvSpPr>
+          <p:nvPr>
+            <p:ph sz="half" idx="1"/>
+          </p:nvPr>
+        </p:nvSpPr>
+        <p:spPr>
+          <a:xfrm>
+            <a:off x="92765" y="589356"/>
+            <a:ext cx="4403432" cy="4177907"/>
+          </a:xfrm>
+          <a:ln>
+            <a:solidFill>
+              <a:schemeClr val="tx1"/>
+            </a:solidFill>
+          </a:ln>
+        </p:spPr>
+        <p:txBody>
+          <a:bodyPr>
+            <a:normAutofit/>
+          </a:bodyPr>
+          <a:lstStyle/>
+          <a:p>
+            <a:pPr marL="0" indent="0">
+              <a:buNone/>
+            </a:pPr>
+            <a:endParaRPr lang="sl-SI" sz="1600" dirty="0"/>
+          </a:p>
+          <a:p>
+            <a:pPr marL="0" indent="0">
+              <a:buNone/>
+            </a:pPr>
+            <a:r>
+              <a:rPr lang="sl-SI" sz="1600" b="1" dirty="0"/>
+              <a:t>Cilj7: </a:t>
+            </a:r>
+            <a:r>
+              <a:rPr lang="sl-SI" sz="1600" dirty="0"/>
+              <a:t>operatorji in lokacija, Kateri operator je imel največ nesreč?</a:t>
+            </a:r>
+          </a:p>
+        </p:txBody>
+      </p:sp>
+      <p:sp>
+        <p:nvSpPr>
+          <p:cNvPr id="18" name="Content Placeholder 17">
+            <a:extLst>
+              <a:ext uri="{FF2B5EF4-FFF2-40B4-BE49-F238E27FC236}">
+                <a16:creationId xmlns:a16="http://schemas.microsoft.com/office/drawing/2014/main" id="{BFC9798E-C22A-6049-8D8E-80BEDDEA70AA}"/>
+              </a:ext>
+            </a:extLst>
+          </p:cNvPr>
+          <p:cNvSpPr>
+            <a:spLocks noGrp="1"/>
+          </p:cNvSpPr>
+          <p:nvPr>
+            <p:ph sz="half" idx="2"/>
+          </p:nvPr>
+        </p:nvSpPr>
+        <p:spPr>
+          <a:xfrm>
+            <a:off x="4588962" y="589356"/>
+            <a:ext cx="4462272" cy="4177907"/>
+          </a:xfrm>
+          <a:ln>
+            <a:solidFill>
+              <a:schemeClr val="tx1"/>
+            </a:solidFill>
+          </a:ln>
+        </p:spPr>
+        <p:txBody>
+          <a:bodyPr>
+            <a:normAutofit/>
+          </a:bodyPr>
+          <a:lstStyle/>
+          <a:p>
+            <a:pPr marL="0" indent="0">
+              <a:buNone/>
+            </a:pPr>
+            <a:endParaRPr lang="sl-SI" sz="1600" dirty="0"/>
+          </a:p>
+          <a:p>
+            <a:r>
+              <a:rPr lang="sl-SI" sz="1600" dirty="0"/>
+              <a:t> </a:t>
+            </a:r>
+            <a:r>
+              <a:rPr lang="en-US" sz="1600" dirty="0"/>
+              <a:t>Aeroflot: 179</a:t>
+            </a:r>
+          </a:p>
+          <a:p>
+            <a:r>
+              <a:rPr lang="en-US" sz="1600" dirty="0"/>
+              <a:t>Military - U.S. Air Force: 176</a:t>
+            </a:r>
+          </a:p>
+          <a:p>
+            <a:r>
+              <a:rPr lang="en-US" sz="1600" dirty="0"/>
+              <a:t>Air France: 70</a:t>
+            </a:r>
+            <a:endParaRPr lang="sl-SI" sz="1600" dirty="0"/>
+          </a:p>
+          <a:p>
+            <a:endParaRPr lang="en-US" sz="1600" dirty="0"/>
+          </a:p>
+        </p:txBody>
+      </p:sp>
+      <p:sp>
+        <p:nvSpPr>
+          <p:cNvPr id="7" name="Slide Number Placeholder 6">
+            <a:extLst>
+              <a:ext uri="{FF2B5EF4-FFF2-40B4-BE49-F238E27FC236}">
+                <a16:creationId xmlns:a16="http://schemas.microsoft.com/office/drawing/2014/main" id="{C24814E3-8963-334D-848C-E4EE0D7A5ECE}"/>
+              </a:ext>
+            </a:extLst>
+          </p:cNvPr>
+          <p:cNvSpPr>
+            <a:spLocks noGrp="1"/>
+          </p:cNvSpPr>
+          <p:nvPr>
+            <p:ph type="sldNum" sz="quarter" idx="12"/>
+          </p:nvPr>
+        </p:nvSpPr>
+        <p:spPr/>
+        <p:txBody>
+          <a:bodyPr/>
+          <a:lstStyle/>
+          <a:p>
+            <a:fld id="{03BC8BC1-971C-5C4D-898D-87CE7EF1EB36}" type="slidenum">
+              <a:rPr lang="en-US" smtClean="0"/>
+              <a:t>9</a:t>
+            </a:fld>
+            <a:endParaRPr lang="en-US"/>
+          </a:p>
+        </p:txBody>
+      </p:sp>
+      <p:sp>
+        <p:nvSpPr>
+          <p:cNvPr id="8" name="Content Placeholder 2">
+            <a:extLst>
+              <a:ext uri="{FF2B5EF4-FFF2-40B4-BE49-F238E27FC236}">
+                <a16:creationId xmlns:a16="http://schemas.microsoft.com/office/drawing/2014/main" id="{194343F5-9AFD-314A-B851-B4B16EF4AB6C}"/>
+              </a:ext>
+            </a:extLst>
+          </p:cNvPr>
+          <p:cNvSpPr txBox="1">
+            <a:spLocks/>
+          </p:cNvSpPr>
+          <p:nvPr/>
+        </p:nvSpPr>
+        <p:spPr>
+          <a:xfrm>
+            <a:off x="92765" y="82696"/>
+            <a:ext cx="4403432" cy="372120"/>
+          </a:xfrm>
+          <a:prstGeom prst="rect">
+            <a:avLst/>
+          </a:prstGeom>
+          <a:ln>
+            <a:noFill/>
+          </a:ln>
+        </p:spPr>
+        <p:txBody>
+          <a:bodyPr vert="horz" lIns="91440" tIns="45720" rIns="91440" bIns="45720" rtlCol="0">
+            <a:normAutofit/>
+          </a:bodyPr>
+          <a:lstStyle>
+            <a:lvl1pPr marL="171450" indent="-171450" algn="l" defTabSz="685800" rtl="0" eaLnBrk="1" latinLnBrk="0" hangingPunct="1">
+              <a:lnSpc>
+                <a:spcPct val="90000"/>
+              </a:lnSpc>
+              <a:spcBef>
+                <a:spcPts val="750"/>
+              </a:spcBef>
+              <a:buFont typeface="Arial" panose="020B0604020202020204" pitchFamily="34" charset="0"/>
+              <a:buChar char="•"/>
+              <a:defRPr sz="2100" kern="1200">
+                <a:solidFill>
+                  <a:schemeClr val="tx1"/>
+                </a:solidFill>
+                <a:latin typeface="+mn-lt"/>
+                <a:ea typeface="+mn-ea"/>
+                <a:cs typeface="+mn-cs"/>
+              </a:defRPr>
+            </a:lvl1pPr>
+            <a:lvl2pPr marL="514350" indent="-171450" algn="l" defTabSz="685800" rtl="0" eaLnBrk="1" latinLnBrk="0" hangingPunct="1">
+              <a:lnSpc>
+                <a:spcPct val="90000"/>
+              </a:lnSpc>
+              <a:spcBef>
+                <a:spcPts val="375"/>
+              </a:spcBef>
+              <a:buFont typeface="Arial" panose="020B0604020202020204" pitchFamily="34" charset="0"/>
+              <a:buChar char="•"/>
+              <a:defRPr sz="1800" kern="1200">
+                <a:solidFill>
+                  <a:schemeClr val="tx1"/>
+                </a:solidFill>
+                <a:latin typeface="+mn-lt"/>
+                <a:ea typeface="+mn-ea"/>
+                <a:cs typeface="+mn-cs"/>
+              </a:defRPr>
+            </a:lvl2pPr>
+            <a:lvl3pPr marL="857250" indent="-171450" algn="l" defTabSz="685800" rtl="0" eaLnBrk="1" latinLnBrk="0" hangingPunct="1">
+              <a:lnSpc>
+                <a:spcPct val="90000"/>
+              </a:lnSpc>
+              <a:spcBef>
+                <a:spcPts val="375"/>
+              </a:spcBef>
+              <a:buFont typeface="Arial" panose="020B0604020202020204" pitchFamily="34" charset="0"/>
+              <a:buChar char="•"/>
+              <a:defRPr sz="1500" kern="1200">
+                <a:solidFill>
+                  <a:schemeClr val="tx1"/>
+                </a:solidFill>
+                <a:latin typeface="+mn-lt"/>
+                <a:ea typeface="+mn-ea"/>
+                <a:cs typeface="+mn-cs"/>
+              </a:defRPr>
+            </a:lvl3pPr>
+            <a:lvl4pPr marL="1200150" indent="-171450" algn="l" defTabSz="685800" rtl="0" eaLnBrk="1" latinLnBrk="0" hangingPunct="1">
+              <a:lnSpc>
+                <a:spcPct val="90000"/>
+              </a:lnSpc>
+              <a:spcBef>
+                <a:spcPts val="375"/>
+              </a:spcBef>
+              <a:buFont typeface="Arial" panose="020B0604020202020204" pitchFamily="34" charset="0"/>
+              <a:buChar char="•"/>
+              <a:defRPr sz="1350" kern="1200">
+                <a:solidFill>
+                  <a:schemeClr val="tx1"/>
+                </a:solidFill>
+                <a:latin typeface="+mn-lt"/>
+                <a:ea typeface="+mn-ea"/>
+                <a:cs typeface="+mn-cs"/>
+              </a:defRPr>
+            </a:lvl4pPr>
+            <a:lvl5pPr marL="1543050" indent="-171450" algn="l" defTabSz="685800" rtl="0" eaLnBrk="1" latinLnBrk="0" hangingPunct="1">
+              <a:lnSpc>
+                <a:spcPct val="90000"/>
+              </a:lnSpc>
+              <a:spcBef>
+                <a:spcPts val="375"/>
+              </a:spcBef>
+              <a:buFont typeface="Arial" panose="020B0604020202020204" pitchFamily="34" charset="0"/>
+              <a:buChar char="•"/>
+              <a:defRPr sz="1350" kern="1200">
+                <a:solidFill>
+                  <a:schemeClr val="tx1"/>
+                </a:solidFill>
+                <a:latin typeface="+mn-lt"/>
+                <a:ea typeface="+mn-ea"/>
+                <a:cs typeface="+mn-cs"/>
+              </a:defRPr>
+            </a:lvl5pPr>
+            <a:lvl6pPr marL="1885950" indent="-171450" algn="l" defTabSz="685800" rtl="0" eaLnBrk="1" latinLnBrk="0" hangingPunct="1">
+              <a:lnSpc>
+                <a:spcPct val="90000"/>
+              </a:lnSpc>
+              <a:spcBef>
+                <a:spcPts val="375"/>
+              </a:spcBef>
+              <a:buFont typeface="Arial" panose="020B0604020202020204" pitchFamily="34" charset="0"/>
+              <a:buChar char="•"/>
+              <a:defRPr sz="1350" kern="1200">
+                <a:solidFill>
+                  <a:schemeClr val="tx1"/>
+                </a:solidFill>
+                <a:latin typeface="+mn-lt"/>
+                <a:ea typeface="+mn-ea"/>
+                <a:cs typeface="+mn-cs"/>
+              </a:defRPr>
+            </a:lvl6pPr>
+            <a:lvl7pPr marL="2228850" indent="-171450" algn="l" defTabSz="685800" rtl="0" eaLnBrk="1" latinLnBrk="0" hangingPunct="1">
+              <a:lnSpc>
+                <a:spcPct val="90000"/>
+              </a:lnSpc>
+              <a:spcBef>
+                <a:spcPts val="375"/>
+              </a:spcBef>
+              <a:buFont typeface="Arial" panose="020B0604020202020204" pitchFamily="34" charset="0"/>
+              <a:buChar char="•"/>
+              <a:defRPr sz="1350" kern="1200">
+                <a:solidFill>
+                  <a:schemeClr val="tx1"/>
+                </a:solidFill>
+                <a:latin typeface="+mn-lt"/>
+                <a:ea typeface="+mn-ea"/>
+                <a:cs typeface="+mn-cs"/>
+              </a:defRPr>
+            </a:lvl7pPr>
+            <a:lvl8pPr marL="2571750" indent="-171450" algn="l" defTabSz="685800" rtl="0" eaLnBrk="1" latinLnBrk="0" hangingPunct="1">
+              <a:lnSpc>
+                <a:spcPct val="90000"/>
+              </a:lnSpc>
+              <a:spcBef>
+                <a:spcPts val="375"/>
+              </a:spcBef>
+              <a:buFont typeface="Arial" panose="020B0604020202020204" pitchFamily="34" charset="0"/>
+              <a:buChar char="•"/>
+              <a:defRPr sz="1350" kern="1200">
+                <a:solidFill>
+                  <a:schemeClr val="tx1"/>
+                </a:solidFill>
+                <a:latin typeface="+mn-lt"/>
+                <a:ea typeface="+mn-ea"/>
+                <a:cs typeface="+mn-cs"/>
+              </a:defRPr>
+            </a:lvl8pPr>
+            <a:lvl9pPr marL="2914650" indent="-171450" algn="l" defTabSz="685800" rtl="0" eaLnBrk="1" latinLnBrk="0" hangingPunct="1">
+              <a:lnSpc>
+                <a:spcPct val="90000"/>
+              </a:lnSpc>
+              <a:spcBef>
+                <a:spcPts val="375"/>
+              </a:spcBef>
+              <a:buFont typeface="Arial" panose="020B0604020202020204" pitchFamily="34" charset="0"/>
+              <a:buChar char="•"/>
+              <a:defRPr sz="1350" kern="1200">
+                <a:solidFill>
+                  <a:schemeClr val="tx1"/>
+                </a:solidFill>
+                <a:latin typeface="+mn-lt"/>
+                <a:ea typeface="+mn-ea"/>
+                <a:cs typeface="+mn-cs"/>
+              </a:defRPr>
+            </a:lvl9pPr>
+          </a:lstStyle>
+          <a:p>
+            <a:pPr marL="0" indent="0">
+              <a:buNone/>
+            </a:pPr>
+            <a:r>
+              <a:rPr lang="en-US" sz="1600" b="1" dirty="0" err="1"/>
+              <a:t>Podroben</a:t>
+            </a:r>
+            <a:r>
+              <a:rPr lang="en-US" sz="1600" b="1" dirty="0"/>
+              <a:t> </a:t>
+            </a:r>
+            <a:r>
+              <a:rPr lang="en-US" sz="1600" b="1" dirty="0" err="1"/>
+              <a:t>opis</a:t>
+            </a:r>
+            <a:r>
+              <a:rPr lang="en-US" sz="1600" b="1" dirty="0"/>
+              <a:t> </a:t>
+            </a:r>
+            <a:r>
+              <a:rPr lang="en-US" sz="1600" b="1" dirty="0" err="1"/>
+              <a:t>ciljev</a:t>
+            </a:r>
+            <a:r>
+              <a:rPr lang="en-US" sz="1600" b="1" dirty="0"/>
+              <a:t> in </a:t>
+            </a:r>
+            <a:r>
+              <a:rPr lang="en-US" sz="1600" b="1" dirty="0" err="1"/>
+              <a:t>metod</a:t>
+            </a:r>
+            <a:endParaRPr lang="en-US" sz="1600" b="1" dirty="0"/>
+          </a:p>
+        </p:txBody>
+      </p:sp>
+      <p:sp>
+        <p:nvSpPr>
+          <p:cNvPr id="11" name="Content Placeholder 11">
+            <a:extLst>
+              <a:ext uri="{FF2B5EF4-FFF2-40B4-BE49-F238E27FC236}">
+                <a16:creationId xmlns:a16="http://schemas.microsoft.com/office/drawing/2014/main" id="{7B9F5A0B-66B3-574B-8ADF-47E9BEA982E5}"/>
+              </a:ext>
+            </a:extLst>
+          </p:cNvPr>
+          <p:cNvSpPr txBox="1">
+            <a:spLocks/>
+          </p:cNvSpPr>
+          <p:nvPr/>
+        </p:nvSpPr>
+        <p:spPr>
+          <a:xfrm>
+            <a:off x="4572000" y="720327"/>
+            <a:ext cx="4436828" cy="3040640"/>
+          </a:xfrm>
+          <a:prstGeom prst="rect">
+            <a:avLst/>
+          </a:prstGeom>
+        </p:spPr>
+        <p:txBody>
+          <a:bodyPr/>
+          <a:lstStyle>
+            <a:lvl1pPr marL="171450" indent="-171450" algn="l" defTabSz="685800" rtl="0" eaLnBrk="1" latinLnBrk="0" hangingPunct="1">
+              <a:lnSpc>
+                <a:spcPct val="90000"/>
+              </a:lnSpc>
+              <a:spcBef>
+                <a:spcPts val="750"/>
+              </a:spcBef>
+              <a:buFont typeface="Arial" panose="020B0604020202020204" pitchFamily="34" charset="0"/>
+              <a:buChar char="•"/>
+              <a:defRPr sz="2100" kern="1200">
+                <a:solidFill>
+                  <a:schemeClr val="tx1"/>
+                </a:solidFill>
+                <a:latin typeface="+mn-lt"/>
+                <a:ea typeface="+mn-ea"/>
+                <a:cs typeface="+mn-cs"/>
+              </a:defRPr>
+            </a:lvl1pPr>
+            <a:lvl2pPr marL="514350" indent="-171450" algn="l" defTabSz="685800" rtl="0" eaLnBrk="1" latinLnBrk="0" hangingPunct="1">
+              <a:lnSpc>
+                <a:spcPct val="90000"/>
+              </a:lnSpc>
+              <a:spcBef>
+                <a:spcPts val="375"/>
+              </a:spcBef>
+              <a:buFont typeface="Arial" panose="020B0604020202020204" pitchFamily="34" charset="0"/>
+              <a:buChar char="•"/>
+              <a:defRPr sz="1800" kern="1200">
+                <a:solidFill>
+                  <a:schemeClr val="tx1"/>
+                </a:solidFill>
+                <a:latin typeface="+mn-lt"/>
+                <a:ea typeface="+mn-ea"/>
+                <a:cs typeface="+mn-cs"/>
+              </a:defRPr>
+            </a:lvl2pPr>
+            <a:lvl3pPr marL="857250" indent="-171450" algn="l" defTabSz="685800" rtl="0" eaLnBrk="1" latinLnBrk="0" hangingPunct="1">
+              <a:lnSpc>
+                <a:spcPct val="90000"/>
+              </a:lnSpc>
+              <a:spcBef>
+                <a:spcPts val="375"/>
+              </a:spcBef>
+              <a:buFont typeface="Arial" panose="020B0604020202020204" pitchFamily="34" charset="0"/>
+              <a:buChar char="•"/>
+              <a:defRPr sz="1500" kern="1200">
+                <a:solidFill>
+                  <a:schemeClr val="tx1"/>
+                </a:solidFill>
+                <a:latin typeface="+mn-lt"/>
+                <a:ea typeface="+mn-ea"/>
+                <a:cs typeface="+mn-cs"/>
+              </a:defRPr>
+            </a:lvl3pPr>
+            <a:lvl4pPr marL="1200150" indent="-171450" algn="l" defTabSz="685800" rtl="0" eaLnBrk="1" latinLnBrk="0" hangingPunct="1">
+              <a:lnSpc>
+                <a:spcPct val="90000"/>
+              </a:lnSpc>
+              <a:spcBef>
+                <a:spcPts val="375"/>
+              </a:spcBef>
+              <a:buFont typeface="Arial" panose="020B0604020202020204" pitchFamily="34" charset="0"/>
+              <a:buChar char="•"/>
+              <a:defRPr sz="1350" kern="1200">
+                <a:solidFill>
+                  <a:schemeClr val="tx1"/>
+                </a:solidFill>
+                <a:latin typeface="+mn-lt"/>
+                <a:ea typeface="+mn-ea"/>
+                <a:cs typeface="+mn-cs"/>
+              </a:defRPr>
+            </a:lvl4pPr>
+            <a:lvl5pPr marL="1543050" indent="-171450" algn="l" defTabSz="685800" rtl="0" eaLnBrk="1" latinLnBrk="0" hangingPunct="1">
+              <a:lnSpc>
+                <a:spcPct val="90000"/>
+              </a:lnSpc>
+              <a:spcBef>
+                <a:spcPts val="375"/>
+              </a:spcBef>
+              <a:buFont typeface="Arial" panose="020B0604020202020204" pitchFamily="34" charset="0"/>
+              <a:buChar char="•"/>
+              <a:defRPr sz="1350" kern="1200">
+                <a:solidFill>
+                  <a:schemeClr val="tx1"/>
+                </a:solidFill>
+                <a:latin typeface="+mn-lt"/>
+                <a:ea typeface="+mn-ea"/>
+                <a:cs typeface="+mn-cs"/>
+              </a:defRPr>
+            </a:lvl5pPr>
+            <a:lvl6pPr marL="1885950" indent="-171450" algn="l" defTabSz="685800" rtl="0" eaLnBrk="1" latinLnBrk="0" hangingPunct="1">
+              <a:lnSpc>
+                <a:spcPct val="90000"/>
+              </a:lnSpc>
+              <a:spcBef>
+                <a:spcPts val="375"/>
+              </a:spcBef>
+              <a:buFont typeface="Arial" panose="020B0604020202020204" pitchFamily="34" charset="0"/>
+              <a:buChar char="•"/>
+              <a:defRPr sz="1350" kern="1200">
+                <a:solidFill>
+                  <a:schemeClr val="tx1"/>
+                </a:solidFill>
+                <a:latin typeface="+mn-lt"/>
+                <a:ea typeface="+mn-ea"/>
+                <a:cs typeface="+mn-cs"/>
+              </a:defRPr>
+            </a:lvl6pPr>
+            <a:lvl7pPr marL="2228850" indent="-171450" algn="l" defTabSz="685800" rtl="0" eaLnBrk="1" latinLnBrk="0" hangingPunct="1">
+              <a:lnSpc>
+                <a:spcPct val="90000"/>
+              </a:lnSpc>
+              <a:spcBef>
+                <a:spcPts val="375"/>
+              </a:spcBef>
+              <a:buFont typeface="Arial" panose="020B0604020202020204" pitchFamily="34" charset="0"/>
+              <a:buChar char="•"/>
+              <a:defRPr sz="1350" kern="1200">
+                <a:solidFill>
+                  <a:schemeClr val="tx1"/>
+                </a:solidFill>
+                <a:latin typeface="+mn-lt"/>
+                <a:ea typeface="+mn-ea"/>
+                <a:cs typeface="+mn-cs"/>
+              </a:defRPr>
+            </a:lvl7pPr>
+            <a:lvl8pPr marL="2571750" indent="-171450" algn="l" defTabSz="685800" rtl="0" eaLnBrk="1" latinLnBrk="0" hangingPunct="1">
+              <a:lnSpc>
+                <a:spcPct val="90000"/>
+              </a:lnSpc>
+              <a:spcBef>
+                <a:spcPts val="375"/>
+              </a:spcBef>
+              <a:buFont typeface="Arial" panose="020B0604020202020204" pitchFamily="34" charset="0"/>
+              <a:buChar char="•"/>
+              <a:defRPr sz="1350" kern="1200">
+                <a:solidFill>
+                  <a:schemeClr val="tx1"/>
+                </a:solidFill>
+                <a:latin typeface="+mn-lt"/>
+                <a:ea typeface="+mn-ea"/>
+                <a:cs typeface="+mn-cs"/>
+              </a:defRPr>
+            </a:lvl8pPr>
+            <a:lvl9pPr marL="2914650" indent="-171450" algn="l" defTabSz="685800" rtl="0" eaLnBrk="1" latinLnBrk="0" hangingPunct="1">
+              <a:lnSpc>
+                <a:spcPct val="90000"/>
+              </a:lnSpc>
+              <a:spcBef>
+                <a:spcPts val="375"/>
+              </a:spcBef>
+              <a:buFont typeface="Arial" panose="020B0604020202020204" pitchFamily="34" charset="0"/>
+              <a:buChar char="•"/>
+              <a:defRPr sz="1350" kern="1200">
+                <a:solidFill>
+                  <a:schemeClr val="tx1"/>
+                </a:solidFill>
+                <a:latin typeface="+mn-lt"/>
+                <a:ea typeface="+mn-ea"/>
+                <a:cs typeface="+mn-cs"/>
+              </a:defRPr>
+            </a:lvl9pPr>
+          </a:lstStyle>
+          <a:p>
+            <a:pPr marL="0" indent="0">
+              <a:buFont typeface="Arial" panose="020B0604020202020204" pitchFamily="34" charset="0"/>
+              <a:buNone/>
+            </a:pPr>
+            <a:endParaRPr lang="en-US" sz="1600" dirty="0"/>
+          </a:p>
+        </p:txBody>
+      </p:sp>
+      <p:sp>
+        <p:nvSpPr>
+          <p:cNvPr id="19" name="Content Placeholder 2">
+            <a:extLst>
+              <a:ext uri="{FF2B5EF4-FFF2-40B4-BE49-F238E27FC236}">
+                <a16:creationId xmlns:a16="http://schemas.microsoft.com/office/drawing/2014/main" id="{990225E6-F674-D74E-9E6E-25DF3C6A53B1}"/>
+              </a:ext>
+            </a:extLst>
+          </p:cNvPr>
+          <p:cNvSpPr txBox="1">
+            <a:spLocks/>
+          </p:cNvSpPr>
+          <p:nvPr/>
+        </p:nvSpPr>
+        <p:spPr>
+          <a:xfrm>
+            <a:off x="4588962" y="82696"/>
+            <a:ext cx="4462272" cy="372120"/>
+          </a:xfrm>
+          <a:prstGeom prst="rect">
+            <a:avLst/>
+          </a:prstGeom>
+          <a:ln>
+            <a:noFill/>
+          </a:ln>
+        </p:spPr>
+        <p:txBody>
+          <a:bodyPr vert="horz" lIns="91440" tIns="45720" rIns="91440" bIns="45720" rtlCol="0">
+            <a:normAutofit/>
+          </a:bodyPr>
+          <a:lstStyle>
+            <a:lvl1pPr marL="171450" indent="-171450" algn="l" defTabSz="685800" rtl="0" eaLnBrk="1" latinLnBrk="0" hangingPunct="1">
+              <a:lnSpc>
+                <a:spcPct val="90000"/>
+              </a:lnSpc>
+              <a:spcBef>
+                <a:spcPts val="750"/>
+              </a:spcBef>
+              <a:buFont typeface="Arial" panose="020B0604020202020204" pitchFamily="34" charset="0"/>
+              <a:buChar char="•"/>
+              <a:defRPr sz="2100" kern="1200">
+                <a:solidFill>
+                  <a:schemeClr val="tx1"/>
+                </a:solidFill>
+                <a:latin typeface="+mn-lt"/>
+                <a:ea typeface="+mn-ea"/>
+                <a:cs typeface="+mn-cs"/>
+              </a:defRPr>
+            </a:lvl1pPr>
+            <a:lvl2pPr marL="514350" indent="-171450" algn="l" defTabSz="685800" rtl="0" eaLnBrk="1" latinLnBrk="0" hangingPunct="1">
+              <a:lnSpc>
+                <a:spcPct val="90000"/>
+              </a:lnSpc>
+              <a:spcBef>
+                <a:spcPts val="375"/>
+              </a:spcBef>
+              <a:buFont typeface="Arial" panose="020B0604020202020204" pitchFamily="34" charset="0"/>
+              <a:buChar char="•"/>
+              <a:defRPr sz="1800" kern="1200">
+                <a:solidFill>
+                  <a:schemeClr val="tx1"/>
+                </a:solidFill>
+                <a:latin typeface="+mn-lt"/>
+                <a:ea typeface="+mn-ea"/>
+                <a:cs typeface="+mn-cs"/>
+              </a:defRPr>
+            </a:lvl2pPr>
+            <a:lvl3pPr marL="857250" indent="-171450" algn="l" defTabSz="685800" rtl="0" eaLnBrk="1" latinLnBrk="0" hangingPunct="1">
+              <a:lnSpc>
+                <a:spcPct val="90000"/>
+              </a:lnSpc>
+              <a:spcBef>
+                <a:spcPts val="375"/>
+              </a:spcBef>
+              <a:buFont typeface="Arial" panose="020B0604020202020204" pitchFamily="34" charset="0"/>
+              <a:buChar char="•"/>
+              <a:defRPr sz="1500" kern="1200">
+                <a:solidFill>
+                  <a:schemeClr val="tx1"/>
+                </a:solidFill>
+                <a:latin typeface="+mn-lt"/>
+                <a:ea typeface="+mn-ea"/>
+                <a:cs typeface="+mn-cs"/>
+              </a:defRPr>
+            </a:lvl3pPr>
+            <a:lvl4pPr marL="1200150" indent="-171450" algn="l" defTabSz="685800" rtl="0" eaLnBrk="1" latinLnBrk="0" hangingPunct="1">
+              <a:lnSpc>
+                <a:spcPct val="90000"/>
+              </a:lnSpc>
+              <a:spcBef>
+                <a:spcPts val="375"/>
+              </a:spcBef>
+              <a:buFont typeface="Arial" panose="020B0604020202020204" pitchFamily="34" charset="0"/>
+              <a:buChar char="•"/>
+              <a:defRPr sz="1350" kern="1200">
+                <a:solidFill>
+                  <a:schemeClr val="tx1"/>
+                </a:solidFill>
+                <a:latin typeface="+mn-lt"/>
+                <a:ea typeface="+mn-ea"/>
+                <a:cs typeface="+mn-cs"/>
+              </a:defRPr>
+            </a:lvl4pPr>
+            <a:lvl5pPr marL="1543050" indent="-171450" algn="l" defTabSz="685800" rtl="0" eaLnBrk="1" latinLnBrk="0" hangingPunct="1">
+              <a:lnSpc>
+                <a:spcPct val="90000"/>
+              </a:lnSpc>
+              <a:spcBef>
+                <a:spcPts val="375"/>
+              </a:spcBef>
+              <a:buFont typeface="Arial" panose="020B0604020202020204" pitchFamily="34" charset="0"/>
+              <a:buChar char="•"/>
+              <a:defRPr sz="1350" kern="1200">
+                <a:solidFill>
+                  <a:schemeClr val="tx1"/>
+                </a:solidFill>
+                <a:latin typeface="+mn-lt"/>
+                <a:ea typeface="+mn-ea"/>
+                <a:cs typeface="+mn-cs"/>
+              </a:defRPr>
+            </a:lvl5pPr>
+            <a:lvl6pPr marL="1885950" indent="-171450" algn="l" defTabSz="685800" rtl="0" eaLnBrk="1" latinLnBrk="0" hangingPunct="1">
+              <a:lnSpc>
+                <a:spcPct val="90000"/>
+              </a:lnSpc>
+              <a:spcBef>
+                <a:spcPts val="375"/>
+              </a:spcBef>
+              <a:buFont typeface="Arial" panose="020B0604020202020204" pitchFamily="34" charset="0"/>
+              <a:buChar char="•"/>
+              <a:defRPr sz="1350" kern="1200">
+                <a:solidFill>
+                  <a:schemeClr val="tx1"/>
+                </a:solidFill>
+                <a:latin typeface="+mn-lt"/>
+                <a:ea typeface="+mn-ea"/>
+                <a:cs typeface="+mn-cs"/>
+              </a:defRPr>
+            </a:lvl6pPr>
+            <a:lvl7pPr marL="2228850" indent="-171450" algn="l" defTabSz="685800" rtl="0" eaLnBrk="1" latinLnBrk="0" hangingPunct="1">
+              <a:lnSpc>
+                <a:spcPct val="90000"/>
+              </a:lnSpc>
+              <a:spcBef>
+                <a:spcPts val="375"/>
+              </a:spcBef>
+              <a:buFont typeface="Arial" panose="020B0604020202020204" pitchFamily="34" charset="0"/>
+              <a:buChar char="•"/>
+              <a:defRPr sz="1350" kern="1200">
+                <a:solidFill>
+                  <a:schemeClr val="tx1"/>
+                </a:solidFill>
+                <a:latin typeface="+mn-lt"/>
+                <a:ea typeface="+mn-ea"/>
+                <a:cs typeface="+mn-cs"/>
+              </a:defRPr>
+            </a:lvl7pPr>
+            <a:lvl8pPr marL="2571750" indent="-171450" algn="l" defTabSz="685800" rtl="0" eaLnBrk="1" latinLnBrk="0" hangingPunct="1">
+              <a:lnSpc>
+                <a:spcPct val="90000"/>
+              </a:lnSpc>
+              <a:spcBef>
+                <a:spcPts val="375"/>
+              </a:spcBef>
+              <a:buFont typeface="Arial" panose="020B0604020202020204" pitchFamily="34" charset="0"/>
+              <a:buChar char="•"/>
+              <a:defRPr sz="1350" kern="1200">
+                <a:solidFill>
+                  <a:schemeClr val="tx1"/>
+                </a:solidFill>
+                <a:latin typeface="+mn-lt"/>
+                <a:ea typeface="+mn-ea"/>
+                <a:cs typeface="+mn-cs"/>
+              </a:defRPr>
+            </a:lvl8pPr>
+            <a:lvl9pPr marL="2914650" indent="-171450" algn="l" defTabSz="685800" rtl="0" eaLnBrk="1" latinLnBrk="0" hangingPunct="1">
+              <a:lnSpc>
+                <a:spcPct val="90000"/>
+              </a:lnSpc>
+              <a:spcBef>
+                <a:spcPts val="375"/>
+              </a:spcBef>
+              <a:buFont typeface="Arial" panose="020B0604020202020204" pitchFamily="34" charset="0"/>
+              <a:buChar char="•"/>
+              <a:defRPr sz="1350" kern="1200">
+                <a:solidFill>
+                  <a:schemeClr val="tx1"/>
+                </a:solidFill>
+                <a:latin typeface="+mn-lt"/>
+                <a:ea typeface="+mn-ea"/>
+                <a:cs typeface="+mn-cs"/>
+              </a:defRPr>
+            </a:lvl9pPr>
+          </a:lstStyle>
+          <a:p>
+            <a:pPr marL="0" indent="0">
+              <a:buFont typeface="Arial" panose="020B0604020202020204" pitchFamily="34" charset="0"/>
+              <a:buNone/>
+            </a:pPr>
+            <a:r>
+              <a:rPr lang="en-US" sz="1600" b="1" dirty="0" err="1"/>
+              <a:t>Rezultati</a:t>
+            </a:r>
+            <a:r>
+              <a:rPr lang="en-US" sz="1600" b="1" dirty="0"/>
+              <a:t>/</a:t>
+            </a:r>
+            <a:r>
+              <a:rPr lang="en-US" sz="1600" b="1" dirty="0" err="1"/>
+              <a:t>dosedanje</a:t>
+            </a:r>
+            <a:r>
+              <a:rPr lang="en-US" sz="1600" b="1" dirty="0"/>
+              <a:t> </a:t>
+            </a:r>
+            <a:r>
+              <a:rPr lang="en-US" sz="1600" b="1" dirty="0" err="1"/>
+              <a:t>ugotovitve</a:t>
+            </a:r>
+            <a:r>
+              <a:rPr lang="en-US" sz="1600" b="1" dirty="0"/>
+              <a:t>/</a:t>
+            </a:r>
+            <a:r>
+              <a:rPr lang="en-US" sz="1600" b="1" dirty="0" err="1"/>
+              <a:t>odprta</a:t>
+            </a:r>
+            <a:r>
+              <a:rPr lang="en-US" sz="1600" b="1" dirty="0"/>
+              <a:t> </a:t>
+            </a:r>
+            <a:r>
+              <a:rPr lang="en-US" sz="1600" b="1" dirty="0" err="1"/>
+              <a:t>vprašanja</a:t>
+            </a:r>
+            <a:endParaRPr lang="en-US" sz="1600" b="1" dirty="0"/>
+          </a:p>
+        </p:txBody>
+      </p:sp>
+      <p:sp>
+        <p:nvSpPr>
+          <p:cNvPr id="12" name="Date Placeholder 11">
+            <a:extLst>
+              <a:ext uri="{FF2B5EF4-FFF2-40B4-BE49-F238E27FC236}">
+                <a16:creationId xmlns:a16="http://schemas.microsoft.com/office/drawing/2014/main" id="{482387C3-9A8A-9A47-8F63-FDB8F168E7F2}"/>
+              </a:ext>
+            </a:extLst>
+          </p:cNvPr>
+          <p:cNvSpPr>
+            <a:spLocks noGrp="1"/>
+          </p:cNvSpPr>
+          <p:nvPr>
+            <p:ph type="dt" sz="half" idx="10"/>
+          </p:nvPr>
+        </p:nvSpPr>
+        <p:spPr>
+          <a:xfrm>
+            <a:off x="76857" y="4800600"/>
+            <a:ext cx="3754164" cy="273844"/>
+          </a:xfrm>
+        </p:spPr>
+        <p:txBody>
+          <a:bodyPr/>
+          <a:lstStyle/>
+          <a:p>
+            <a:r>
+              <a:rPr lang="en-US" dirty="0"/>
+              <a:t>18. 4. 2024</a:t>
+            </a:r>
+          </a:p>
+        </p:txBody>
+      </p:sp>
+      <p:sp>
+        <p:nvSpPr>
+          <p:cNvPr id="13" name="Footer Placeholder 12">
+            <a:extLst>
+              <a:ext uri="{FF2B5EF4-FFF2-40B4-BE49-F238E27FC236}">
+                <a16:creationId xmlns:a16="http://schemas.microsoft.com/office/drawing/2014/main" id="{ED533418-37C8-B143-91FA-663B1D494022}"/>
+              </a:ext>
+            </a:extLst>
+          </p:cNvPr>
+          <p:cNvSpPr>
+            <a:spLocks noGrp="1"/>
+          </p:cNvSpPr>
+          <p:nvPr>
+            <p:ph type="ftr" sz="quarter" idx="11"/>
+          </p:nvPr>
+        </p:nvSpPr>
+        <p:spPr>
+          <a:xfrm>
+            <a:off x="3028950" y="4767263"/>
+            <a:ext cx="3086100" cy="273844"/>
+          </a:xfrm>
+        </p:spPr>
+        <p:txBody>
+          <a:bodyPr/>
+          <a:lstStyle/>
+          <a:p>
+            <a:r>
+              <a:rPr lang="en-US" dirty="0"/>
+              <a:t>PR23-24, </a:t>
+            </a:r>
+            <a:r>
+              <a:rPr lang="en-US" dirty="0" err="1"/>
+              <a:t>Vmesna</a:t>
+            </a:r>
+            <a:r>
+              <a:rPr lang="en-US" dirty="0"/>
+              <a:t> </a:t>
+            </a:r>
+            <a:r>
+              <a:rPr lang="en-US" dirty="0" err="1"/>
+              <a:t>predstavitev</a:t>
+            </a:r>
+            <a:endParaRPr lang="en-US" dirty="0"/>
+          </a:p>
+        </p:txBody>
+      </p:sp>
+    </p:spTree>
+    <p:extLst>
+      <p:ext uri="{BB962C8B-B14F-4D97-AF65-F5344CB8AC3E}">
+        <p14:creationId xmlns:p14="http://schemas.microsoft.com/office/powerpoint/2010/main" val="1508693717"/>
       </p:ext>
     </p:extLst>
   </p:cSld>

--- a/PR2023-24_vmesna_7.pptx
+++ b/PR2023-24_vmesna_7.pptx
@@ -4681,52 +4681,6 @@
             </a:pPr>
             <a:r>
               <a:rPr lang="en-US" sz="1600" dirty="0" err="1"/>
-              <a:t>najbolj</a:t>
-            </a:r>
-            <a:r>
-              <a:rPr lang="en-US" sz="1600" dirty="0"/>
-              <a:t>/</a:t>
-            </a:r>
-            <a:r>
-              <a:rPr lang="en-US" sz="1600" dirty="0" err="1"/>
-              <a:t>najmanj</a:t>
-            </a:r>
-            <a:r>
-              <a:rPr lang="en-US" sz="1600" dirty="0"/>
-              <a:t> </a:t>
-            </a:r>
-            <a:r>
-              <a:rPr lang="en-US" sz="1600" dirty="0" err="1"/>
-              <a:t>uspešna</a:t>
-            </a:r>
-            <a:r>
-              <a:rPr lang="en-US" sz="1600" dirty="0"/>
-              <a:t> </a:t>
-            </a:r>
-            <a:r>
-              <a:rPr lang="en-US" sz="1600" dirty="0" err="1"/>
-              <a:t>letalska</a:t>
-            </a:r>
-            <a:r>
-              <a:rPr lang="en-US" sz="1600" dirty="0"/>
-              <a:t> </a:t>
-            </a:r>
-            <a:r>
-              <a:rPr lang="en-US" sz="1600" dirty="0" err="1"/>
-              <a:t>podjetja</a:t>
-            </a:r>
-            <a:r>
-              <a:rPr lang="en-US" sz="1600" dirty="0"/>
-              <a:t>,</a:t>
-            </a:r>
-          </a:p>
-          <a:p>
-            <a:pPr>
-              <a:buFontTx/>
-              <a:buChar char="-"/>
-            </a:pPr>
-            <a:r>
-              <a:rPr lang="en-US" sz="1600" dirty="0" err="1"/>
               <a:t>vpliv</a:t>
             </a:r>
             <a:r>
@@ -11289,6 +11243,64 @@
           </a:p>
         </p:txBody>
       </p:sp>
+      <p:pic>
+        <p:nvPicPr>
+          <p:cNvPr id="4" name="Picture 3" descr="A graph and a diagram&#10;&#10;Description automatically generated">
+            <a:extLst>
+              <a:ext uri="{FF2B5EF4-FFF2-40B4-BE49-F238E27FC236}">
+                <a16:creationId xmlns:a16="http://schemas.microsoft.com/office/drawing/2014/main" id="{F5A2C71C-16A3-5000-256A-4F480F043AA2}"/>
+              </a:ext>
+            </a:extLst>
+          </p:cNvPr>
+          <p:cNvPicPr>
+            <a:picLocks noChangeAspect="1"/>
+          </p:cNvPicPr>
+          <p:nvPr/>
+        </p:nvPicPr>
+        <p:blipFill rotWithShape="1">
+          <a:blip r:embed="rId3"/>
+          <a:srcRect r="38633"/>
+          <a:stretch/>
+        </p:blipFill>
+        <p:spPr>
+          <a:xfrm>
+            <a:off x="316283" y="1803747"/>
+            <a:ext cx="4070958" cy="2832084"/>
+          </a:xfrm>
+          <a:prstGeom prst="rect">
+            <a:avLst/>
+          </a:prstGeom>
+        </p:spPr>
+      </p:pic>
+      <p:pic>
+        <p:nvPicPr>
+          <p:cNvPr id="6" name="Picture 5" descr="A graph and a diagram&#10;&#10;Description automatically generated">
+            <a:extLst>
+              <a:ext uri="{FF2B5EF4-FFF2-40B4-BE49-F238E27FC236}">
+                <a16:creationId xmlns:a16="http://schemas.microsoft.com/office/drawing/2014/main" id="{5A1D2D38-4C5E-48EA-6180-FE6D981BCC4B}"/>
+              </a:ext>
+            </a:extLst>
+          </p:cNvPr>
+          <p:cNvPicPr>
+            <a:picLocks noChangeAspect="1"/>
+          </p:cNvPicPr>
+          <p:nvPr/>
+        </p:nvPicPr>
+        <p:blipFill rotWithShape="1">
+          <a:blip r:embed="rId3"/>
+          <a:srcRect l="64366" t="319" r="2386" b="13435"/>
+          <a:stretch/>
+        </p:blipFill>
+        <p:spPr>
+          <a:xfrm>
+            <a:off x="5630450" y="1974049"/>
+            <a:ext cx="2329841" cy="2580095"/>
+          </a:xfrm>
+          <a:prstGeom prst="rect">
+            <a:avLst/>
+          </a:prstGeom>
+        </p:spPr>
+      </p:pic>
     </p:spTree>
     <p:extLst>
       <p:ext uri="{BB962C8B-B14F-4D97-AF65-F5344CB8AC3E}">
@@ -12266,16 +12278,15 @@
           </p:cNvPicPr>
           <p:nvPr/>
         </p:nvPicPr>
-        <p:blipFill>
+        <p:blipFill rotWithShape="1">
           <a:blip r:embed="rId3"/>
-          <a:stretch>
-            <a:fillRect/>
-          </a:stretch>
+          <a:srcRect l="7332" r="11016" b="2965"/>
+          <a:stretch/>
         </p:blipFill>
         <p:spPr>
           <a:xfrm>
-            <a:off x="5461819" y="1461112"/>
-            <a:ext cx="2657190" cy="2567116"/>
+            <a:off x="5433164" y="1370297"/>
+            <a:ext cx="2545915" cy="2922999"/>
           </a:xfrm>
           <a:prstGeom prst="rect">
             <a:avLst/>
@@ -12284,10 +12295,10 @@
       </p:pic>
       <p:pic>
         <p:nvPicPr>
-          <p:cNvPr id="9" name="Slika 8">
+          <p:cNvPr id="5" name="Picture 4" descr="A map of the world&#10;&#10;Description automatically generated">
             <a:extLst>
               <a:ext uri="{FF2B5EF4-FFF2-40B4-BE49-F238E27FC236}">
-                <a16:creationId xmlns:a16="http://schemas.microsoft.com/office/drawing/2014/main" id="{D5006090-0A6A-9303-18FD-F55B0B415994}"/>
+                <a16:creationId xmlns:a16="http://schemas.microsoft.com/office/drawing/2014/main" id="{077E8688-F73C-C224-0098-A5271F7E720A}"/>
               </a:ext>
             </a:extLst>
           </p:cNvPr>
@@ -12304,8 +12315,8 @@
         </p:blipFill>
         <p:spPr>
           <a:xfrm>
-            <a:off x="302377" y="1726969"/>
-            <a:ext cx="4193820" cy="2905754"/>
+            <a:off x="371978" y="1731724"/>
+            <a:ext cx="3751097" cy="2625768"/>
           </a:xfrm>
           <a:prstGeom prst="rect">
             <a:avLst/>
@@ -12322,6 +12333,84 @@
   <p:clrMapOvr>
     <a:masterClrMapping/>
   </p:clrMapOvr>
+  <p:timing>
+    <p:tnLst>
+      <p:par>
+        <p:cTn id="1" dur="indefinite" restart="never" nodeType="tmRoot">
+          <p:childTnLst>
+            <p:seq concurrent="1" nextAc="seek">
+              <p:cTn id="2" dur="indefinite" nodeType="mainSeq">
+                <p:childTnLst>
+                  <p:par>
+                    <p:cTn id="3" fill="hold">
+                      <p:stCondLst>
+                        <p:cond delay="indefinite"/>
+                        <p:cond evt="onBegin" delay="0">
+                          <p:tn val="2"/>
+                        </p:cond>
+                      </p:stCondLst>
+                      <p:childTnLst>
+                        <p:par>
+                          <p:cTn id="4" fill="hold">
+                            <p:stCondLst>
+                              <p:cond delay="0"/>
+                            </p:stCondLst>
+                            <p:childTnLst>
+                              <p:par>
+                                <p:cTn id="5" presetID="1" presetClass="entr" presetSubtype="0" fill="hold" nodeType="withEffect">
+                                  <p:stCondLst>
+                                    <p:cond delay="0"/>
+                                  </p:stCondLst>
+                                  <p:childTnLst>
+                                    <p:set>
+                                      <p:cBhvr>
+                                        <p:cTn id="6" dur="1" fill="hold">
+                                          <p:stCondLst>
+                                            <p:cond delay="14999"/>
+                                          </p:stCondLst>
+                                        </p:cTn>
+                                        <p:tgtEl>
+                                          <p:spTgt spid="5"/>
+                                        </p:tgtEl>
+                                        <p:attrNameLst>
+                                          <p:attrName>style.visibility</p:attrName>
+                                        </p:attrNameLst>
+                                      </p:cBhvr>
+                                      <p:to>
+                                        <p:strVal val="visible"/>
+                                      </p:to>
+                                    </p:set>
+                                  </p:childTnLst>
+                                </p:cTn>
+                              </p:par>
+                            </p:childTnLst>
+                          </p:cTn>
+                        </p:par>
+                      </p:childTnLst>
+                    </p:cTn>
+                  </p:par>
+                </p:childTnLst>
+              </p:cTn>
+              <p:prevCondLst>
+                <p:cond evt="onPrev" delay="0">
+                  <p:tgtEl>
+                    <p:sldTgt/>
+                  </p:tgtEl>
+                </p:cond>
+              </p:prevCondLst>
+              <p:nextCondLst>
+                <p:cond evt="onNext" delay="0">
+                  <p:tgtEl>
+                    <p:sldTgt/>
+                  </p:tgtEl>
+                </p:cond>
+              </p:nextCondLst>
+            </p:seq>
+          </p:childTnLst>
+        </p:cTn>
+      </p:par>
+    </p:tnLst>
+  </p:timing>
 </p:sld>
 </file>
 
@@ -13236,6 +13325,36 @@
           </a:p>
         </p:txBody>
       </p:sp>
+      <p:pic>
+        <p:nvPicPr>
+          <p:cNvPr id="4" name="Picture 3" descr="A graph with blue lines and numbers&#10;&#10;Description automatically generated">
+            <a:extLst>
+              <a:ext uri="{FF2B5EF4-FFF2-40B4-BE49-F238E27FC236}">
+                <a16:creationId xmlns:a16="http://schemas.microsoft.com/office/drawing/2014/main" id="{550AF9D8-02FB-14D0-B37F-5C09A80BE3CB}"/>
+              </a:ext>
+            </a:extLst>
+          </p:cNvPr>
+          <p:cNvPicPr>
+            <a:picLocks noChangeAspect="1"/>
+          </p:cNvPicPr>
+          <p:nvPr/>
+        </p:nvPicPr>
+        <p:blipFill>
+          <a:blip r:embed="rId3"/>
+          <a:stretch>
+            <a:fillRect/>
+          </a:stretch>
+        </p:blipFill>
+        <p:spPr>
+          <a:xfrm>
+            <a:off x="240488" y="1980649"/>
+            <a:ext cx="4107985" cy="2446515"/>
+          </a:xfrm>
+          <a:prstGeom prst="rect">
+            <a:avLst/>
+          </a:prstGeom>
+        </p:spPr>
+      </p:pic>
     </p:spTree>
     <p:extLst>
       <p:ext uri="{BB962C8B-B14F-4D97-AF65-F5344CB8AC3E}">
